--- a/ppt/1조_Gez기획.pptx
+++ b/ppt/1조_Gez기획.pptx
@@ -5,34 +5,40 @@
     <p:sldMasterId id="2147483648" r:id="rId1"/>
   </p:sldMasterIdLst>
   <p:notesMasterIdLst>
-    <p:notesMasterId r:id="rId16"/>
+    <p:notesMasterId r:id="rId15"/>
   </p:notesMasterIdLst>
   <p:sldIdLst>
     <p:sldId id="256" r:id="rId2"/>
     <p:sldId id="265" r:id="rId3"/>
     <p:sldId id="257" r:id="rId4"/>
     <p:sldId id="266" r:id="rId5"/>
-    <p:sldId id="279" r:id="rId6"/>
-    <p:sldId id="267" r:id="rId7"/>
-    <p:sldId id="283" r:id="rId8"/>
-    <p:sldId id="268" r:id="rId9"/>
-    <p:sldId id="276" r:id="rId10"/>
-    <p:sldId id="273" r:id="rId11"/>
-    <p:sldId id="275" r:id="rId12"/>
-    <p:sldId id="278" r:id="rId13"/>
-    <p:sldId id="280" r:id="rId14"/>
-    <p:sldId id="264" r:id="rId15"/>
+    <p:sldId id="267" r:id="rId6"/>
+    <p:sldId id="283" r:id="rId7"/>
+    <p:sldId id="268" r:id="rId8"/>
+    <p:sldId id="276" r:id="rId9"/>
+    <p:sldId id="273" r:id="rId10"/>
+    <p:sldId id="275" r:id="rId11"/>
+    <p:sldId id="278" r:id="rId12"/>
+    <p:sldId id="280" r:id="rId13"/>
+    <p:sldId id="264" r:id="rId14"/>
   </p:sldIdLst>
   <p:sldSz cx="18288000" cy="10287000"/>
   <p:notesSz cx="6858000" cy="9144000"/>
   <p:embeddedFontLst>
     <p:embeddedFont>
-      <p:font typeface="Pretendard" panose="02000503000000020004" pitchFamily="2" charset="-127"/>
-      <p:regular r:id="rId17"/>
-      <p:bold r:id="rId18"/>
+      <p:font typeface="Pretendard SemiBold" panose="02000703000000020004" pitchFamily="2" charset="-127"/>
+      <p:bold r:id="rId16"/>
     </p:embeddedFont>
     <p:embeddedFont>
       <p:font typeface="Hallym Gothic Bold" panose="020B0803000000000000" pitchFamily="50" charset="-127"/>
+      <p:bold r:id="rId17"/>
+    </p:embeddedFont>
+    <p:embeddedFont>
+      <p:font typeface="Pretendard Medium" panose="02000603000000020004" pitchFamily="2" charset="-127"/>
+      <p:regular r:id="rId18"/>
+    </p:embeddedFont>
+    <p:embeddedFont>
+      <p:font typeface="Pretendard ExtraBold" panose="02000903000000020004" pitchFamily="2" charset="-127"/>
       <p:bold r:id="rId19"/>
     </p:embeddedFont>
     <p:embeddedFont>
@@ -40,40 +46,33 @@
       <p:regular r:id="rId20"/>
     </p:embeddedFont>
     <p:embeddedFont>
-      <p:font typeface="Pretendard SemiBold" panose="02000703000000020004" pitchFamily="2" charset="-127"/>
-      <p:bold r:id="rId21"/>
+      <p:font typeface="Pretendard Light" panose="02000403000000020004" pitchFamily="2" charset="-127"/>
+      <p:regular r:id="rId21"/>
+    </p:embeddedFont>
+    <p:embeddedFont>
+      <p:font typeface="Pretendard Bold" panose="02000803000000020004" pitchFamily="2" charset="-127"/>
+      <p:bold r:id="rId22"/>
     </p:embeddedFont>
     <p:embeddedFont>
       <p:font typeface="Hallym Gothic Medium" panose="020B0603000000000000" pitchFamily="50" charset="-127"/>
-      <p:regular r:id="rId22"/>
+      <p:regular r:id="rId23"/>
     </p:embeddedFont>
     <p:embeddedFont>
       <p:font typeface="맑은 고딕" panose="020B0503020000020004" pitchFamily="50" charset="-127"/>
-      <p:regular r:id="rId23"/>
-      <p:bold r:id="rId24"/>
-    </p:embeddedFont>
-    <p:embeddedFont>
-      <p:font typeface="Pretendard Bold" panose="02000803000000020004" pitchFamily="2" charset="-127"/>
+      <p:regular r:id="rId24"/>
       <p:bold r:id="rId25"/>
     </p:embeddedFont>
     <p:embeddedFont>
-      <p:font typeface="Pretendard ExtraBold" panose="02000903000000020004" pitchFamily="2" charset="-127"/>
-      <p:bold r:id="rId26"/>
+      <p:font typeface="Calibri" panose="020F0502020204030204" pitchFamily="34" charset="0"/>
+      <p:regular r:id="rId26"/>
+      <p:bold r:id="rId27"/>
+      <p:italic r:id="rId28"/>
+      <p:boldItalic r:id="rId29"/>
     </p:embeddedFont>
     <p:embeddedFont>
-      <p:font typeface="Calibri" panose="020F0502020204030204" pitchFamily="34" charset="0"/>
-      <p:regular r:id="rId27"/>
-      <p:bold r:id="rId28"/>
-      <p:italic r:id="rId29"/>
-      <p:boldItalic r:id="rId30"/>
-    </p:embeddedFont>
-    <p:embeddedFont>
-      <p:font typeface="Pretendard Medium" panose="02000603000000020004" pitchFamily="2" charset="-127"/>
-      <p:regular r:id="rId31"/>
-    </p:embeddedFont>
-    <p:embeddedFont>
-      <p:font typeface="Pretendard Light" panose="02000403000000020004" pitchFamily="2" charset="-127"/>
-      <p:regular r:id="rId32"/>
+      <p:font typeface="Pretendard" panose="02000503000000020004" pitchFamily="2" charset="-127"/>
+      <p:regular r:id="rId30"/>
+      <p:bold r:id="rId31"/>
     </p:embeddedFont>
   </p:embeddedFontLst>
   <p:defaultTextStyle>
@@ -1513,7 +1512,7 @@
           <a:p>
             <a:fld id="{BCFB4C53-7E31-496C-A645-60F81585F427}" type="slidenum">
               <a:rPr lang="ko-KR" altLang="en-US" smtClean="0"/>
-              <a:t>13</a:t>
+              <a:t>12</a:t>
             </a:fld>
             <a:endParaRPr lang="ko-KR" altLang="en-US"/>
           </a:p>
@@ -1597,7 +1596,7 @@
           <a:p>
             <a:fld id="{BCFB4C53-7E31-496C-A645-60F81585F427}" type="slidenum">
               <a:rPr lang="ko-KR" altLang="en-US" smtClean="0"/>
-              <a:t>14</a:t>
+              <a:t>13</a:t>
             </a:fld>
             <a:endParaRPr lang="ko-KR" altLang="en-US"/>
           </a:p>
@@ -5060,2260 +5059,6 @@
           </a:prstGeom>
         </p:spPr>
       </p:pic>
-      <p:sp>
-        <p:nvSpPr>
-          <p:cNvPr id="3" name="TextBox 3"/>
-          <p:cNvSpPr txBox="1"/>
-          <p:nvPr/>
-        </p:nvSpPr>
-        <p:spPr>
-          <a:xfrm>
-            <a:off x="1460500" y="1092200"/>
-            <a:ext cx="15367000" cy="1155700"/>
-          </a:xfrm>
-          <a:prstGeom prst="rect">
-            <a:avLst/>
-          </a:prstGeom>
-        </p:spPr>
-        <p:txBody>
-          <a:bodyPr lIns="0" tIns="0" rIns="0" bIns="0" rtlCol="0" anchor="ctr"/>
-          <a:lstStyle/>
-          <a:p>
-            <a:pPr algn="ctr">
-              <a:lnSpc>
-                <a:spcPct val="99600"/>
-              </a:lnSpc>
-              <a:defRPr/>
-            </a:pPr>
-            <a:r>
-              <a:rPr lang="ko-KR" altLang="en-US" sz="6500" b="1" spc="-200" dirty="0" smtClean="0">
-                <a:solidFill>
-                  <a:srgbClr val="FFFFFF"/>
-                </a:solidFill>
-                <a:ea typeface="LINE Seed Sans KR Regular"/>
-              </a:rPr>
-              <a:t>사용자    </a:t>
-            </a:r>
-            <a:r>
-              <a:rPr kumimoji="0" lang="ko-KR" altLang="en-US" sz="6500" b="1" i="0" u="none" strike="noStrike" kern="1200" cap="none" spc="-200" normalizeH="0" baseline="0" noProof="0" dirty="0" smtClean="0">
-                <a:ln>
-                  <a:noFill/>
-                </a:ln>
-                <a:solidFill>
-                  <a:srgbClr val="FFFFFF"/>
-                </a:solidFill>
-                <a:effectLst/>
-                <a:uLnTx/>
-                <a:uFillTx/>
-                <a:latin typeface="Calibri"/>
-                <a:ea typeface="LINE Seed Sans KR Regular"/>
-                <a:cs typeface="+mn-cs"/>
-              </a:rPr>
-              <a:t>시스템</a:t>
-            </a:r>
-            <a:r>
-              <a:rPr kumimoji="0" lang="en-US" sz="6500" b="1" i="0" u="none" strike="noStrike" kern="1200" cap="none" spc="-200" normalizeH="0" baseline="0" noProof="0" dirty="0" smtClean="0">
-                <a:ln>
-                  <a:noFill/>
-                </a:ln>
-                <a:solidFill>
-                  <a:srgbClr val="FFFFFF"/>
-                </a:solidFill>
-                <a:effectLst/>
-                <a:uLnTx/>
-                <a:uFillTx/>
-                <a:latin typeface="LINE Seed Sans KR Regular"/>
-                <a:ea typeface="+mn-ea"/>
-                <a:cs typeface="+mn-cs"/>
-              </a:rPr>
-              <a:t> </a:t>
-            </a:r>
-            <a:r>
-              <a:rPr kumimoji="0" lang="ko-KR" altLang="en-US" sz="6500" b="1" i="0" u="none" strike="noStrike" kern="1200" cap="none" spc="-200" normalizeH="0" baseline="0" noProof="0" dirty="0" smtClean="0">
-                <a:ln>
-                  <a:noFill/>
-                </a:ln>
-                <a:solidFill>
-                  <a:srgbClr val="FFFFFF"/>
-                </a:solidFill>
-                <a:effectLst/>
-                <a:uLnTx/>
-                <a:uFillTx/>
-                <a:latin typeface="Calibri"/>
-                <a:ea typeface="LINE Seed Sans KR Regular"/>
-                <a:cs typeface="+mn-cs"/>
-              </a:rPr>
-              <a:t>구조</a:t>
-            </a:r>
-            <a:endParaRPr kumimoji="0" lang="ko-KR" altLang="en-US" sz="6500" b="1" i="0" u="none" strike="noStrike" kern="1200" cap="none" spc="-200" normalizeH="0" baseline="0" noProof="0" dirty="0">
-              <a:ln>
-                <a:noFill/>
-              </a:ln>
-              <a:solidFill>
-                <a:srgbClr val="FFFFFF"/>
-              </a:solidFill>
-              <a:effectLst/>
-              <a:uLnTx/>
-              <a:uFillTx/>
-              <a:latin typeface="Calibri"/>
-              <a:ea typeface="LINE Seed Sans KR Regular"/>
-              <a:cs typeface="+mn-cs"/>
-            </a:endParaRPr>
-          </a:p>
-        </p:txBody>
-      </p:sp>
-      <p:pic>
-        <p:nvPicPr>
-          <p:cNvPr id="4" name="Picture 4"/>
-          <p:cNvPicPr>
-            <a:picLocks noChangeAspect="1"/>
-          </p:cNvPicPr>
-          <p:nvPr/>
-        </p:nvPicPr>
-        <p:blipFill>
-          <a:blip r:embed="rId3"/>
-          <a:stretch>
-            <a:fillRect/>
-          </a:stretch>
-        </p:blipFill>
-        <p:spPr>
-          <a:xfrm>
-            <a:off x="6591300" y="3962400"/>
-            <a:ext cx="5168900" cy="5168900"/>
-          </a:xfrm>
-          <a:prstGeom prst="rect">
-            <a:avLst/>
-          </a:prstGeom>
-        </p:spPr>
-      </p:pic>
-      <p:pic>
-        <p:nvPicPr>
-          <p:cNvPr id="5" name="Picture 5"/>
-          <p:cNvPicPr>
-            <a:picLocks noChangeAspect="1"/>
-          </p:cNvPicPr>
-          <p:nvPr/>
-        </p:nvPicPr>
-        <p:blipFill>
-          <a:blip r:embed="rId4"/>
-          <a:stretch>
-            <a:fillRect/>
-          </a:stretch>
-        </p:blipFill>
-        <p:spPr>
-          <a:xfrm>
-            <a:off x="6756400" y="4140200"/>
-            <a:ext cx="4851400" cy="4851400"/>
-          </a:xfrm>
-          <a:prstGeom prst="rect">
-            <a:avLst/>
-          </a:prstGeom>
-          <a:effectLst>
-            <a:outerShdw blurRad="152400" dist="317500" dir="5400000" sx="90000" sy="-19000" rotWithShape="0">
-              <a:prstClr val="black">
-                <a:alpha val="15000"/>
-              </a:prstClr>
-            </a:outerShdw>
-          </a:effectLst>
-        </p:spPr>
-      </p:pic>
-      <p:sp>
-        <p:nvSpPr>
-          <p:cNvPr id="6" name="TextBox 6"/>
-          <p:cNvSpPr txBox="1"/>
-          <p:nvPr/>
-        </p:nvSpPr>
-        <p:spPr>
-          <a:xfrm>
-            <a:off x="7137400" y="6007100"/>
-            <a:ext cx="4089400" cy="1092200"/>
-          </a:xfrm>
-          <a:prstGeom prst="rect">
-            <a:avLst/>
-          </a:prstGeom>
-        </p:spPr>
-        <p:txBody>
-          <a:bodyPr lIns="0" tIns="0" rIns="0" bIns="0" rtlCol="0" anchor="ctr"/>
-          <a:lstStyle/>
-          <a:p>
-            <a:pPr marL="0" marR="0" lvl="0" indent="0" algn="ctr" defTabSz="914400" rtl="0" eaLnBrk="1" fontAlgn="auto" latinLnBrk="0" hangingPunct="1">
-              <a:lnSpc>
-                <a:spcPct val="87149"/>
-              </a:lnSpc>
-              <a:spcBef>
-                <a:spcPts val="0"/>
-              </a:spcBef>
-              <a:spcAft>
-                <a:spcPts val="0"/>
-              </a:spcAft>
-              <a:buClrTx/>
-              <a:buSzTx/>
-              <a:buFontTx/>
-              <a:buNone/>
-              <a:tabLst/>
-              <a:defRPr/>
-            </a:pPr>
-            <a:r>
-              <a:rPr kumimoji="0" lang="ko-KR" altLang="en-US" sz="3500" b="0" i="0" u="none" strike="noStrike" kern="1200" cap="none" spc="-100" normalizeH="0" baseline="0" noProof="0" dirty="0">
-                <a:ln>
-                  <a:noFill/>
-                </a:ln>
-                <a:solidFill>
-                  <a:srgbClr val="334D74"/>
-                </a:solidFill>
-                <a:effectLst/>
-                <a:uLnTx/>
-                <a:uFillTx/>
-                <a:latin typeface="Pretendard ExtraBold" panose="02000903000000020004" pitchFamily="2" charset="-127"/>
-                <a:ea typeface="Pretendard ExtraBold" panose="02000903000000020004" pitchFamily="2" charset="-127"/>
-                <a:cs typeface="Pretendard ExtraBold" panose="02000903000000020004" pitchFamily="2" charset="-127"/>
-              </a:rPr>
-              <a:t>사용자</a:t>
-            </a:r>
-          </a:p>
-          <a:p>
-            <a:pPr marL="0" marR="0" lvl="0" indent="0" algn="ctr" defTabSz="914400" rtl="0" eaLnBrk="1" fontAlgn="auto" latinLnBrk="0" hangingPunct="1">
-              <a:lnSpc>
-                <a:spcPct val="87149"/>
-              </a:lnSpc>
-              <a:spcBef>
-                <a:spcPts val="0"/>
-              </a:spcBef>
-              <a:spcAft>
-                <a:spcPts val="0"/>
-              </a:spcAft>
-              <a:buClrTx/>
-              <a:buSzTx/>
-              <a:buFontTx/>
-              <a:buNone/>
-              <a:tabLst/>
-              <a:defRPr/>
-            </a:pPr>
-            <a:r>
-              <a:rPr kumimoji="0" lang="en-US" sz="2800" b="0" i="0" u="none" strike="noStrike" kern="1200" cap="none" spc="-100" normalizeH="0" baseline="0" noProof="0" dirty="0">
-                <a:ln>
-                  <a:noFill/>
-                </a:ln>
-                <a:solidFill>
-                  <a:srgbClr val="334D74"/>
-                </a:solidFill>
-                <a:effectLst/>
-                <a:uLnTx/>
-                <a:uFillTx/>
-                <a:latin typeface="Pretendard Light" panose="02000403000000020004" pitchFamily="2" charset="-127"/>
-                <a:ea typeface="Pretendard Light" panose="02000403000000020004" pitchFamily="2" charset="-127"/>
-                <a:cs typeface="Pretendard Light" panose="02000403000000020004" pitchFamily="2" charset="-127"/>
-              </a:rPr>
-              <a:t>(User)</a:t>
-            </a:r>
-          </a:p>
-        </p:txBody>
-      </p:sp>
-      <p:sp>
-        <p:nvSpPr>
-          <p:cNvPr id="7" name="TextBox 7"/>
-          <p:cNvSpPr txBox="1"/>
-          <p:nvPr/>
-        </p:nvSpPr>
-        <p:spPr>
-          <a:xfrm>
-            <a:off x="1358900" y="3746500"/>
-            <a:ext cx="4432300" cy="482600"/>
-          </a:xfrm>
-          <a:prstGeom prst="rect">
-            <a:avLst/>
-          </a:prstGeom>
-        </p:spPr>
-        <p:txBody>
-          <a:bodyPr lIns="0" tIns="0" rIns="0" bIns="0" rtlCol="0" anchor="b"/>
-          <a:lstStyle/>
-          <a:p>
-            <a:pPr marL="0" marR="0" lvl="0" indent="0" algn="r" defTabSz="914400" rtl="0" eaLnBrk="1" fontAlgn="auto" latinLnBrk="0" hangingPunct="1">
-              <a:lnSpc>
-                <a:spcPct val="99600"/>
-              </a:lnSpc>
-              <a:spcBef>
-                <a:spcPts val="0"/>
-              </a:spcBef>
-              <a:spcAft>
-                <a:spcPts val="0"/>
-              </a:spcAft>
-              <a:buClrTx/>
-              <a:buSzTx/>
-              <a:buFontTx/>
-              <a:buNone/>
-              <a:tabLst/>
-              <a:defRPr/>
-            </a:pPr>
-            <a:r>
-              <a:rPr kumimoji="0" lang="ko-KR" altLang="en-US" sz="3200" b="0" i="0" u="none" strike="noStrike" kern="1200" cap="none" spc="0" normalizeH="0" baseline="0" noProof="0" dirty="0">
-                <a:ln>
-                  <a:noFill/>
-                </a:ln>
-                <a:solidFill>
-                  <a:srgbClr val="FFFFFF"/>
-                </a:solidFill>
-                <a:effectLst/>
-                <a:uLnTx/>
-                <a:uFillTx/>
-                <a:latin typeface="Calibri"/>
-                <a:ea typeface="LINE Seed Sans KR Regular"/>
-                <a:cs typeface="+mn-cs"/>
-              </a:rPr>
-              <a:t>서비스</a:t>
-            </a:r>
-            <a:r>
-              <a:rPr kumimoji="0" lang="en-US" sz="3200" b="0" i="0" u="none" strike="noStrike" kern="1200" cap="none" spc="0" normalizeH="0" baseline="0" noProof="0" dirty="0">
-                <a:ln>
-                  <a:noFill/>
-                </a:ln>
-                <a:solidFill>
-                  <a:srgbClr val="FFFFFF"/>
-                </a:solidFill>
-                <a:effectLst/>
-                <a:uLnTx/>
-                <a:uFillTx/>
-                <a:latin typeface="LINE Seed Sans KR Regular"/>
-                <a:cs typeface="+mn-cs"/>
-              </a:rPr>
-              <a:t> </a:t>
-            </a:r>
-            <a:r>
-              <a:rPr kumimoji="0" lang="ko-KR" altLang="en-US" sz="3200" b="0" i="0" u="none" strike="noStrike" kern="1200" cap="none" spc="0" normalizeH="0" baseline="0" noProof="0" dirty="0">
-                <a:ln>
-                  <a:noFill/>
-                </a:ln>
-                <a:solidFill>
-                  <a:srgbClr val="FFFFFF"/>
-                </a:solidFill>
-                <a:effectLst/>
-                <a:uLnTx/>
-                <a:uFillTx/>
-                <a:latin typeface="Calibri"/>
-                <a:ea typeface="LINE Seed Sans KR Regular"/>
-                <a:cs typeface="+mn-cs"/>
-              </a:rPr>
-              <a:t>이용</a:t>
-            </a:r>
-          </a:p>
-        </p:txBody>
-      </p:sp>
-      <p:grpSp>
-        <p:nvGrpSpPr>
-          <p:cNvPr id="8" name="Group 8"/>
-          <p:cNvGrpSpPr/>
-          <p:nvPr/>
-        </p:nvGrpSpPr>
-        <p:grpSpPr>
-          <a:xfrm>
-            <a:off x="2147483647" y="2147483647"/>
-            <a:ext cx="2147483647" cy="2147483647"/>
-            <a:chOff x="0" y="0"/>
-            <a:chExt cx="0" cy="0"/>
-          </a:xfrm>
-        </p:grpSpPr>
-      </p:grpSp>
-      <p:pic>
-        <p:nvPicPr>
-          <p:cNvPr id="9" name="Picture 9"/>
-          <p:cNvPicPr>
-            <a:picLocks noChangeAspect="1"/>
-          </p:cNvPicPr>
-          <p:nvPr/>
-        </p:nvPicPr>
-        <p:blipFill>
-          <a:blip r:embed="rId5"/>
-          <a:stretch>
-            <a:fillRect/>
-          </a:stretch>
-        </p:blipFill>
-        <p:spPr>
-          <a:xfrm>
-            <a:off x="5918200" y="3657600"/>
-            <a:ext cx="749300" cy="749300"/>
-          </a:xfrm>
-          <a:prstGeom prst="rect">
-            <a:avLst/>
-          </a:prstGeom>
-        </p:spPr>
-      </p:pic>
-      <p:sp>
-        <p:nvSpPr>
-          <p:cNvPr id="10" name="TextBox 10"/>
-          <p:cNvSpPr txBox="1"/>
-          <p:nvPr/>
-        </p:nvSpPr>
-        <p:spPr>
-          <a:xfrm>
-            <a:off x="5969000" y="3810000"/>
-            <a:ext cx="635000" cy="508000"/>
-          </a:xfrm>
-          <a:prstGeom prst="rect">
-            <a:avLst/>
-          </a:prstGeom>
-        </p:spPr>
-        <p:txBody>
-          <a:bodyPr lIns="0" tIns="0" rIns="0" bIns="0" rtlCol="0" anchor="ctr"/>
-          <a:lstStyle/>
-          <a:p>
-            <a:pPr marL="0" marR="0" lvl="0" indent="0" algn="ctr" defTabSz="914400" rtl="0" eaLnBrk="1" fontAlgn="auto" latinLnBrk="0" hangingPunct="1">
-              <a:lnSpc>
-                <a:spcPct val="99600"/>
-              </a:lnSpc>
-              <a:spcBef>
-                <a:spcPts val="0"/>
-              </a:spcBef>
-              <a:spcAft>
-                <a:spcPts val="0"/>
-              </a:spcAft>
-              <a:buClrTx/>
-              <a:buSzTx/>
-              <a:buFontTx/>
-              <a:buNone/>
-              <a:tabLst/>
-              <a:defRPr/>
-            </a:pPr>
-            <a:r>
-              <a:rPr kumimoji="0" lang="en-US" sz="2900" b="0" i="0" u="none" strike="noStrike" kern="1200" cap="none" spc="-100" normalizeH="0" baseline="0" noProof="0">
-                <a:ln>
-                  <a:noFill/>
-                </a:ln>
-                <a:solidFill>
-                  <a:srgbClr val="334D74"/>
-                </a:solidFill>
-                <a:effectLst/>
-                <a:uLnTx/>
-                <a:uFillTx/>
-                <a:latin typeface="LINE Seed Sans KR Regular"/>
-                <a:ea typeface="+mn-ea"/>
-                <a:cs typeface="+mn-cs"/>
-              </a:rPr>
-              <a:t>01</a:t>
-            </a:r>
-          </a:p>
-        </p:txBody>
-      </p:sp>
-      <p:sp>
-        <p:nvSpPr>
-          <p:cNvPr id="11" name="TextBox 11"/>
-          <p:cNvSpPr txBox="1"/>
-          <p:nvPr/>
-        </p:nvSpPr>
-        <p:spPr>
-          <a:xfrm>
-            <a:off x="3124200" y="4749800"/>
-            <a:ext cx="2628900" cy="1320800"/>
-          </a:xfrm>
-          <a:prstGeom prst="rect">
-            <a:avLst/>
-          </a:prstGeom>
-        </p:spPr>
-        <p:txBody>
-          <a:bodyPr lIns="0" tIns="0" rIns="0" bIns="0" rtlCol="0" anchor="t"/>
-          <a:lstStyle/>
-          <a:p>
-            <a:pPr marR="0" lvl="0" algn="r" defTabSz="914400" rtl="0" eaLnBrk="1" fontAlgn="auto" latinLnBrk="0" hangingPunct="1">
-              <a:lnSpc>
-                <a:spcPct val="116199"/>
-              </a:lnSpc>
-              <a:spcBef>
-                <a:spcPts val="0"/>
-              </a:spcBef>
-              <a:spcAft>
-                <a:spcPts val="0"/>
-              </a:spcAft>
-              <a:buClrTx/>
-              <a:buSzTx/>
-              <a:tabLst/>
-              <a:defRPr/>
-            </a:pPr>
-            <a:endParaRPr kumimoji="0" lang="ko-KR" altLang="en-US" sz="2200" b="0" i="0" u="none" strike="noStrike" kern="1200" cap="none" spc="-100" normalizeH="0" baseline="0" noProof="0" dirty="0">
-              <a:ln>
-                <a:noFill/>
-              </a:ln>
-              <a:solidFill>
-                <a:srgbClr val="D0DAF5"/>
-              </a:solidFill>
-              <a:effectLst/>
-              <a:uLnTx/>
-              <a:uFillTx/>
-              <a:latin typeface="Calibri"/>
-              <a:ea typeface="LINE Seed Sans KR Regular"/>
-              <a:cs typeface="+mn-cs"/>
-            </a:endParaRPr>
-          </a:p>
-          <a:p>
-            <a:pPr marL="0" marR="0" lvl="0" indent="0" algn="r" defTabSz="914400" rtl="0" eaLnBrk="1" fontAlgn="auto" latinLnBrk="0" hangingPunct="1">
-              <a:lnSpc>
-                <a:spcPct val="116199"/>
-              </a:lnSpc>
-              <a:spcBef>
-                <a:spcPts val="0"/>
-              </a:spcBef>
-              <a:spcAft>
-                <a:spcPts val="0"/>
-              </a:spcAft>
-              <a:buClrTx/>
-              <a:buSzTx/>
-              <a:buFontTx/>
-              <a:buNone/>
-              <a:tabLst/>
-              <a:defRPr/>
-            </a:pPr>
-            <a:r>
-              <a:rPr kumimoji="0" lang="en-US" sz="2200" b="0" i="0" u="none" strike="noStrike" kern="1200" cap="none" spc="-100" normalizeH="0" baseline="0" noProof="0" dirty="0">
-                <a:ln>
-                  <a:noFill/>
-                </a:ln>
-                <a:solidFill>
-                  <a:srgbClr val="D0DAF5"/>
-                </a:solidFill>
-                <a:effectLst/>
-                <a:uLnTx/>
-                <a:uFillTx/>
-                <a:latin typeface="LINE Seed Sans KR Regular"/>
-                <a:ea typeface="+mn-ea"/>
-                <a:cs typeface="+mn-cs"/>
-              </a:rPr>
-              <a:t>- </a:t>
-            </a:r>
-            <a:r>
-              <a:rPr kumimoji="0" lang="ko-KR" altLang="en-US" sz="2800" b="0" i="0" u="sng" strike="noStrike" kern="1200" cap="none" spc="-100" normalizeH="0" baseline="0" noProof="0" dirty="0">
-                <a:ln>
-                  <a:noFill/>
-                </a:ln>
-                <a:solidFill>
-                  <a:srgbClr val="D0DAF5"/>
-                </a:solidFill>
-                <a:effectLst/>
-                <a:uLnTx/>
-                <a:uFillTx/>
-                <a:latin typeface="Calibri"/>
-                <a:ea typeface="LINE Seed Sans KR Regular"/>
-                <a:cs typeface="+mn-cs"/>
-              </a:rPr>
-              <a:t>차량</a:t>
-            </a:r>
-            <a:r>
-              <a:rPr kumimoji="0" lang="en-US" sz="2800" b="0" i="0" u="sng" strike="noStrike" kern="1200" cap="none" spc="-100" normalizeH="0" baseline="0" noProof="0" dirty="0">
-                <a:ln>
-                  <a:noFill/>
-                </a:ln>
-                <a:solidFill>
-                  <a:srgbClr val="D0DAF5"/>
-                </a:solidFill>
-                <a:effectLst/>
-                <a:uLnTx/>
-                <a:uFillTx/>
-                <a:latin typeface="LINE Seed Sans KR Regular"/>
-                <a:cs typeface="+mn-cs"/>
-              </a:rPr>
-              <a:t> </a:t>
-            </a:r>
-            <a:r>
-              <a:rPr kumimoji="0" lang="ko-KR" altLang="en-US" sz="2800" b="0" i="0" u="sng" strike="noStrike" kern="1200" cap="none" spc="-100" normalizeH="0" baseline="0" noProof="0" dirty="0" smtClean="0">
-                <a:ln>
-                  <a:noFill/>
-                </a:ln>
-                <a:solidFill>
-                  <a:srgbClr val="D0DAF5"/>
-                </a:solidFill>
-                <a:effectLst/>
-                <a:uLnTx/>
-                <a:uFillTx/>
-                <a:latin typeface="Calibri"/>
-                <a:ea typeface="LINE Seed Sans KR Regular"/>
-                <a:cs typeface="+mn-cs"/>
-              </a:rPr>
-              <a:t>점검 예약</a:t>
-            </a:r>
-            <a:endParaRPr kumimoji="0" lang="ko-KR" altLang="en-US" sz="2800" b="0" i="0" u="sng" strike="noStrike" kern="1200" cap="none" spc="-100" normalizeH="0" baseline="0" noProof="0" dirty="0">
-              <a:ln>
-                <a:noFill/>
-              </a:ln>
-              <a:solidFill>
-                <a:srgbClr val="D0DAF5"/>
-              </a:solidFill>
-              <a:effectLst/>
-              <a:uLnTx/>
-              <a:uFillTx/>
-              <a:latin typeface="Calibri"/>
-              <a:ea typeface="LINE Seed Sans KR Regular"/>
-              <a:cs typeface="+mn-cs"/>
-            </a:endParaRPr>
-          </a:p>
-          <a:p>
-            <a:pPr marL="0" marR="0" lvl="0" indent="0" algn="r" defTabSz="914400" rtl="0" eaLnBrk="1" fontAlgn="auto" latinLnBrk="0" hangingPunct="1">
-              <a:lnSpc>
-                <a:spcPct val="116199"/>
-              </a:lnSpc>
-              <a:spcBef>
-                <a:spcPts val="0"/>
-              </a:spcBef>
-              <a:spcAft>
-                <a:spcPts val="0"/>
-              </a:spcAft>
-              <a:buClrTx/>
-              <a:buSzTx/>
-              <a:buFontTx/>
-              <a:buNone/>
-              <a:tabLst/>
-              <a:defRPr/>
-            </a:pPr>
-            <a:r>
-              <a:rPr kumimoji="0" lang="en-US" sz="2200" b="0" i="0" u="none" strike="noStrike" kern="1200" cap="none" spc="-100" normalizeH="0" baseline="0" noProof="0" dirty="0">
-                <a:ln>
-                  <a:noFill/>
-                </a:ln>
-                <a:solidFill>
-                  <a:srgbClr val="D0DAF5"/>
-                </a:solidFill>
-                <a:effectLst/>
-                <a:uLnTx/>
-                <a:uFillTx/>
-                <a:latin typeface="LINE Seed Sans KR Regular"/>
-                <a:ea typeface="+mn-ea"/>
-                <a:cs typeface="+mn-cs"/>
-              </a:rPr>
-              <a:t>- </a:t>
-            </a:r>
-            <a:r>
-              <a:rPr kumimoji="0" lang="ko-KR" altLang="en-US" sz="2200" b="0" i="0" u="none" strike="noStrike" kern="1200" cap="none" spc="-100" normalizeH="0" baseline="0" noProof="0" dirty="0" smtClean="0">
-                <a:ln>
-                  <a:noFill/>
-                </a:ln>
-                <a:solidFill>
-                  <a:srgbClr val="D0DAF5"/>
-                </a:solidFill>
-                <a:effectLst/>
-                <a:uLnTx/>
-                <a:uFillTx/>
-                <a:latin typeface="Calibri"/>
-                <a:ea typeface="LINE Seed Sans KR Regular"/>
-                <a:cs typeface="+mn-cs"/>
-              </a:rPr>
-              <a:t>맞춤</a:t>
-            </a:r>
-            <a:r>
-              <a:rPr kumimoji="0" lang="en-US" sz="2200" b="0" i="0" u="none" strike="noStrike" kern="1200" cap="none" spc="-100" normalizeH="0" baseline="0" noProof="0" dirty="0" smtClean="0">
-                <a:ln>
-                  <a:noFill/>
-                </a:ln>
-                <a:solidFill>
-                  <a:srgbClr val="D0DAF5"/>
-                </a:solidFill>
-                <a:effectLst/>
-                <a:uLnTx/>
-                <a:uFillTx/>
-                <a:latin typeface="LINE Seed Sans KR Regular"/>
-                <a:ea typeface="+mn-ea"/>
-                <a:cs typeface="+mn-cs"/>
-              </a:rPr>
-              <a:t> </a:t>
-            </a:r>
-            <a:r>
-              <a:rPr kumimoji="0" lang="ko-KR" altLang="en-US" sz="2200" b="0" i="0" u="none" strike="noStrike" kern="1200" cap="none" spc="-100" normalizeH="0" baseline="0" noProof="0" dirty="0">
-                <a:ln>
-                  <a:noFill/>
-                </a:ln>
-                <a:solidFill>
-                  <a:srgbClr val="D0DAF5"/>
-                </a:solidFill>
-                <a:effectLst/>
-                <a:uLnTx/>
-                <a:uFillTx/>
-                <a:latin typeface="Calibri"/>
-                <a:ea typeface="LINE Seed Sans KR Regular"/>
-                <a:cs typeface="+mn-cs"/>
-              </a:rPr>
-              <a:t>정비</a:t>
-            </a:r>
-            <a:r>
-              <a:rPr kumimoji="0" lang="en-US" sz="2200" b="0" i="0" u="none" strike="noStrike" kern="1200" cap="none" spc="-100" normalizeH="0" baseline="0" noProof="0" dirty="0">
-                <a:ln>
-                  <a:noFill/>
-                </a:ln>
-                <a:solidFill>
-                  <a:srgbClr val="D0DAF5"/>
-                </a:solidFill>
-                <a:effectLst/>
-                <a:uLnTx/>
-                <a:uFillTx/>
-                <a:latin typeface="LINE Seed Sans KR Regular"/>
-                <a:ea typeface="+mn-ea"/>
-                <a:cs typeface="+mn-cs"/>
-              </a:rPr>
-              <a:t> </a:t>
-            </a:r>
-            <a:r>
-              <a:rPr kumimoji="0" lang="ko-KR" altLang="en-US" sz="2200" b="0" i="0" u="none" strike="noStrike" kern="1200" cap="none" spc="-100" normalizeH="0" baseline="0" noProof="0" dirty="0">
-                <a:ln>
-                  <a:noFill/>
-                </a:ln>
-                <a:solidFill>
-                  <a:srgbClr val="D0DAF5"/>
-                </a:solidFill>
-                <a:effectLst/>
-                <a:uLnTx/>
-                <a:uFillTx/>
-                <a:latin typeface="Calibri"/>
-                <a:ea typeface="LINE Seed Sans KR Regular"/>
-                <a:cs typeface="+mn-cs"/>
-              </a:rPr>
-              <a:t>상담</a:t>
-            </a:r>
-          </a:p>
-        </p:txBody>
-      </p:sp>
-      <p:sp>
-        <p:nvSpPr>
-          <p:cNvPr id="12" name="TextBox 12"/>
-          <p:cNvSpPr txBox="1"/>
-          <p:nvPr/>
-        </p:nvSpPr>
-        <p:spPr>
-          <a:xfrm>
-            <a:off x="1130300" y="6997700"/>
-            <a:ext cx="4381500" cy="482600"/>
-          </a:xfrm>
-          <a:prstGeom prst="rect">
-            <a:avLst/>
-          </a:prstGeom>
-        </p:spPr>
-        <p:txBody>
-          <a:bodyPr lIns="0" tIns="0" rIns="0" bIns="0" rtlCol="0" anchor="b"/>
-          <a:lstStyle/>
-          <a:p>
-            <a:pPr marL="0" marR="0" lvl="0" indent="0" algn="r" defTabSz="914400" rtl="0" eaLnBrk="1" fontAlgn="auto" latinLnBrk="0" hangingPunct="1">
-              <a:lnSpc>
-                <a:spcPct val="99600"/>
-              </a:lnSpc>
-              <a:spcBef>
-                <a:spcPts val="0"/>
-              </a:spcBef>
-              <a:spcAft>
-                <a:spcPts val="0"/>
-              </a:spcAft>
-              <a:buClrTx/>
-              <a:buSzTx/>
-              <a:buFontTx/>
-              <a:buNone/>
-              <a:tabLst/>
-              <a:defRPr/>
-            </a:pPr>
-            <a:r>
-              <a:rPr kumimoji="0" lang="ko-KR" altLang="en-US" sz="3200" b="0" i="0" u="none" strike="noStrike" kern="1200" cap="none" spc="0" normalizeH="0" baseline="0" noProof="0">
-                <a:ln>
-                  <a:noFill/>
-                </a:ln>
-                <a:solidFill>
-                  <a:srgbClr val="FFFFFF"/>
-                </a:solidFill>
-                <a:effectLst/>
-                <a:uLnTx/>
-                <a:uFillTx/>
-                <a:latin typeface="Calibri"/>
-                <a:ea typeface="LINE Seed Sans KR Regular"/>
-                <a:cs typeface="+mn-cs"/>
-              </a:rPr>
-              <a:t>관리</a:t>
-            </a:r>
-            <a:r>
-              <a:rPr kumimoji="0" lang="en-US" sz="3200" b="0" i="0" u="none" strike="noStrike" kern="1200" cap="none" spc="0" normalizeH="0" baseline="0" noProof="0">
-                <a:ln>
-                  <a:noFill/>
-                </a:ln>
-                <a:solidFill>
-                  <a:srgbClr val="FFFFFF"/>
-                </a:solidFill>
-                <a:effectLst/>
-                <a:uLnTx/>
-                <a:uFillTx/>
-                <a:latin typeface="LINE Seed Sans KR Regular"/>
-                <a:cs typeface="+mn-cs"/>
-              </a:rPr>
-              <a:t> </a:t>
-            </a:r>
-            <a:r>
-              <a:rPr kumimoji="0" lang="ko-KR" altLang="en-US" sz="3200" b="0" i="0" u="none" strike="noStrike" kern="1200" cap="none" spc="0" normalizeH="0" baseline="0" noProof="0">
-                <a:ln>
-                  <a:noFill/>
-                </a:ln>
-                <a:solidFill>
-                  <a:srgbClr val="FFFFFF"/>
-                </a:solidFill>
-                <a:effectLst/>
-                <a:uLnTx/>
-                <a:uFillTx/>
-                <a:latin typeface="Calibri"/>
-                <a:ea typeface="LINE Seed Sans KR Regular"/>
-                <a:cs typeface="+mn-cs"/>
-              </a:rPr>
-              <a:t>요청</a:t>
-            </a:r>
-          </a:p>
-        </p:txBody>
-      </p:sp>
-      <p:grpSp>
-        <p:nvGrpSpPr>
-          <p:cNvPr id="13" name="Group 13"/>
-          <p:cNvGrpSpPr/>
-          <p:nvPr/>
-        </p:nvGrpSpPr>
-        <p:grpSpPr>
-          <a:xfrm>
-            <a:off x="2147483647" y="2147483647"/>
-            <a:ext cx="2147483647" cy="2147483647"/>
-            <a:chOff x="0" y="0"/>
-            <a:chExt cx="0" cy="0"/>
-          </a:xfrm>
-        </p:grpSpPr>
-      </p:grpSp>
-      <p:pic>
-        <p:nvPicPr>
-          <p:cNvPr id="14" name="Picture 14"/>
-          <p:cNvPicPr>
-            <a:picLocks noChangeAspect="1"/>
-          </p:cNvPicPr>
-          <p:nvPr/>
-        </p:nvPicPr>
-        <p:blipFill>
-          <a:blip r:embed="rId5"/>
-          <a:stretch>
-            <a:fillRect/>
-          </a:stretch>
-        </p:blipFill>
-        <p:spPr>
-          <a:xfrm>
-            <a:off x="5676900" y="6908800"/>
-            <a:ext cx="749300" cy="749300"/>
-          </a:xfrm>
-          <a:prstGeom prst="rect">
-            <a:avLst/>
-          </a:prstGeom>
-        </p:spPr>
-      </p:pic>
-      <p:sp>
-        <p:nvSpPr>
-          <p:cNvPr id="15" name="TextBox 15"/>
-          <p:cNvSpPr txBox="1"/>
-          <p:nvPr/>
-        </p:nvSpPr>
-        <p:spPr>
-          <a:xfrm>
-            <a:off x="5740400" y="7048500"/>
-            <a:ext cx="635000" cy="508000"/>
-          </a:xfrm>
-          <a:prstGeom prst="rect">
-            <a:avLst/>
-          </a:prstGeom>
-        </p:spPr>
-        <p:txBody>
-          <a:bodyPr lIns="0" tIns="0" rIns="0" bIns="0" rtlCol="0" anchor="ctr"/>
-          <a:lstStyle/>
-          <a:p>
-            <a:pPr marL="0" marR="0" lvl="0" indent="0" algn="ctr" defTabSz="914400" rtl="0" eaLnBrk="1" fontAlgn="auto" latinLnBrk="0" hangingPunct="1">
-              <a:lnSpc>
-                <a:spcPct val="99600"/>
-              </a:lnSpc>
-              <a:spcBef>
-                <a:spcPts val="0"/>
-              </a:spcBef>
-              <a:spcAft>
-                <a:spcPts val="0"/>
-              </a:spcAft>
-              <a:buClrTx/>
-              <a:buSzTx/>
-              <a:buFontTx/>
-              <a:buNone/>
-              <a:tabLst/>
-              <a:defRPr/>
-            </a:pPr>
-            <a:r>
-              <a:rPr kumimoji="0" lang="en-US" sz="2900" b="0" i="0" u="none" strike="noStrike" kern="1200" cap="none" spc="-100" normalizeH="0" baseline="0" noProof="0">
-                <a:ln>
-                  <a:noFill/>
-                </a:ln>
-                <a:solidFill>
-                  <a:srgbClr val="334D74"/>
-                </a:solidFill>
-                <a:effectLst/>
-                <a:uLnTx/>
-                <a:uFillTx/>
-                <a:latin typeface="LINE Seed Sans KR Regular"/>
-                <a:ea typeface="+mn-ea"/>
-                <a:cs typeface="+mn-cs"/>
-              </a:rPr>
-              <a:t>03</a:t>
-            </a:r>
-          </a:p>
-        </p:txBody>
-      </p:sp>
-      <p:sp>
-        <p:nvSpPr>
-          <p:cNvPr id="16" name="TextBox 16"/>
-          <p:cNvSpPr txBox="1"/>
-          <p:nvPr/>
-        </p:nvSpPr>
-        <p:spPr>
-          <a:xfrm>
-            <a:off x="2286000" y="7759700"/>
-            <a:ext cx="3225800" cy="1562100"/>
-          </a:xfrm>
-          <a:prstGeom prst="rect">
-            <a:avLst/>
-          </a:prstGeom>
-        </p:spPr>
-        <p:txBody>
-          <a:bodyPr lIns="0" tIns="0" rIns="0" bIns="0" rtlCol="0" anchor="t"/>
-          <a:lstStyle/>
-          <a:p>
-            <a:pPr marL="0" marR="0" lvl="0" indent="0" algn="r" defTabSz="914400" rtl="0" eaLnBrk="1" fontAlgn="auto" latinLnBrk="0" hangingPunct="1">
-              <a:lnSpc>
-                <a:spcPct val="116199"/>
-              </a:lnSpc>
-              <a:spcBef>
-                <a:spcPts val="0"/>
-              </a:spcBef>
-              <a:spcAft>
-                <a:spcPts val="0"/>
-              </a:spcAft>
-              <a:buClrTx/>
-              <a:buSzTx/>
-              <a:buFontTx/>
-              <a:buNone/>
-              <a:tabLst/>
-              <a:defRPr/>
-            </a:pPr>
-            <a:r>
-              <a:rPr kumimoji="0" lang="en-US" sz="2200" b="0" i="0" u="none" strike="noStrike" kern="1200" cap="none" spc="-100" normalizeH="0" baseline="0" noProof="0" dirty="0">
-                <a:ln>
-                  <a:noFill/>
-                </a:ln>
-                <a:solidFill>
-                  <a:srgbClr val="D0DAF5"/>
-                </a:solidFill>
-                <a:effectLst/>
-                <a:uLnTx/>
-                <a:uFillTx/>
-                <a:latin typeface="LINE Seed Sans KR Regular"/>
-                <a:ea typeface="+mn-ea"/>
-                <a:cs typeface="+mn-cs"/>
-              </a:rPr>
-              <a:t>- </a:t>
-            </a:r>
-            <a:r>
-              <a:rPr kumimoji="0" lang="ko-KR" altLang="en-US" sz="2800" b="0" i="0" u="sng" strike="noStrike" kern="1200" cap="none" spc="-100" normalizeH="0" baseline="0" noProof="0" dirty="0">
-                <a:ln>
-                  <a:noFill/>
-                </a:ln>
-                <a:solidFill>
-                  <a:srgbClr val="D0DAF5"/>
-                </a:solidFill>
-                <a:effectLst/>
-                <a:uLnTx/>
-                <a:uFillTx/>
-                <a:latin typeface="Calibri"/>
-                <a:ea typeface="LINE Seed Sans KR Regular"/>
-                <a:cs typeface="+mn-cs"/>
-              </a:rPr>
-              <a:t>유지보수</a:t>
-            </a:r>
-            <a:r>
-              <a:rPr kumimoji="0" lang="en-US" sz="2800" b="0" i="0" u="sng" strike="noStrike" kern="1200" cap="none" spc="-100" normalizeH="0" baseline="0" noProof="0" dirty="0">
-                <a:ln>
-                  <a:noFill/>
-                </a:ln>
-                <a:solidFill>
-                  <a:srgbClr val="D0DAF5"/>
-                </a:solidFill>
-                <a:effectLst/>
-                <a:uLnTx/>
-                <a:uFillTx/>
-                <a:latin typeface="LINE Seed Sans KR Regular"/>
-                <a:cs typeface="+mn-cs"/>
-              </a:rPr>
-              <a:t> </a:t>
-            </a:r>
-            <a:r>
-              <a:rPr kumimoji="0" lang="ko-KR" altLang="en-US" sz="2800" b="0" i="0" u="sng" strike="noStrike" kern="1200" cap="none" spc="-100" normalizeH="0" baseline="0" noProof="0" dirty="0">
-                <a:ln>
-                  <a:noFill/>
-                </a:ln>
-                <a:solidFill>
-                  <a:srgbClr val="D0DAF5"/>
-                </a:solidFill>
-                <a:effectLst/>
-                <a:uLnTx/>
-                <a:uFillTx/>
-                <a:latin typeface="Calibri"/>
-                <a:ea typeface="LINE Seed Sans KR Regular"/>
-                <a:cs typeface="+mn-cs"/>
-              </a:rPr>
-              <a:t>일정</a:t>
-            </a:r>
-            <a:r>
-              <a:rPr kumimoji="0" lang="en-US" sz="2800" b="0" i="0" u="sng" strike="noStrike" kern="1200" cap="none" spc="-100" normalizeH="0" baseline="0" noProof="0" dirty="0">
-                <a:ln>
-                  <a:noFill/>
-                </a:ln>
-                <a:solidFill>
-                  <a:srgbClr val="D0DAF5"/>
-                </a:solidFill>
-                <a:effectLst/>
-                <a:uLnTx/>
-                <a:uFillTx/>
-                <a:latin typeface="LINE Seed Sans KR Regular"/>
-                <a:cs typeface="+mn-cs"/>
-              </a:rPr>
-              <a:t> </a:t>
-            </a:r>
-            <a:r>
-              <a:rPr kumimoji="0" lang="ko-KR" altLang="en-US" sz="2800" b="0" i="0" u="sng" strike="noStrike" kern="1200" cap="none" spc="-100" normalizeH="0" baseline="0" noProof="0" dirty="0">
-                <a:ln>
-                  <a:noFill/>
-                </a:ln>
-                <a:solidFill>
-                  <a:srgbClr val="D0DAF5"/>
-                </a:solidFill>
-                <a:effectLst/>
-                <a:uLnTx/>
-                <a:uFillTx/>
-                <a:latin typeface="Calibri"/>
-                <a:ea typeface="LINE Seed Sans KR Regular"/>
-                <a:cs typeface="+mn-cs"/>
-              </a:rPr>
-              <a:t>관리</a:t>
-            </a:r>
-          </a:p>
-          <a:p>
-            <a:pPr marL="0" marR="0" lvl="0" indent="0" algn="r" defTabSz="914400" rtl="0" eaLnBrk="1" fontAlgn="auto" latinLnBrk="0" hangingPunct="1">
-              <a:lnSpc>
-                <a:spcPct val="116199"/>
-              </a:lnSpc>
-              <a:spcBef>
-                <a:spcPts val="0"/>
-              </a:spcBef>
-              <a:spcAft>
-                <a:spcPts val="0"/>
-              </a:spcAft>
-              <a:buClrTx/>
-              <a:buSzTx/>
-              <a:buFontTx/>
-              <a:buNone/>
-              <a:tabLst/>
-              <a:defRPr/>
-            </a:pPr>
-            <a:r>
-              <a:rPr kumimoji="0" lang="en-US" sz="2200" b="0" i="0" u="none" strike="noStrike" kern="1200" cap="none" spc="-100" normalizeH="0" baseline="0" noProof="0" dirty="0">
-                <a:ln>
-                  <a:noFill/>
-                </a:ln>
-                <a:solidFill>
-                  <a:srgbClr val="D0DAF5"/>
-                </a:solidFill>
-                <a:effectLst/>
-                <a:uLnTx/>
-                <a:uFillTx/>
-                <a:latin typeface="LINE Seed Sans KR Regular"/>
-                <a:ea typeface="+mn-ea"/>
-                <a:cs typeface="+mn-cs"/>
-              </a:rPr>
-              <a:t>- </a:t>
-            </a:r>
-            <a:r>
-              <a:rPr kumimoji="0" lang="en-US" sz="2200" b="0" i="0" u="none" strike="noStrike" kern="1200" cap="none" spc="-100" normalizeH="0" baseline="0" noProof="0" dirty="0" smtClean="0">
-                <a:ln>
-                  <a:noFill/>
-                </a:ln>
-                <a:solidFill>
-                  <a:srgbClr val="D0DAF5"/>
-                </a:solidFill>
-                <a:effectLst/>
-                <a:uLnTx/>
-                <a:uFillTx/>
-                <a:latin typeface="LINE Seed Sans KR Regular"/>
-                <a:ea typeface="+mn-ea"/>
-                <a:cs typeface="+mn-cs"/>
-              </a:rPr>
-              <a:t> </a:t>
-            </a:r>
-            <a:r>
-              <a:rPr kumimoji="0" lang="ko-KR" altLang="en-US" sz="2200" b="0" i="0" u="none" strike="noStrike" kern="1200" cap="none" spc="-100" normalizeH="0" baseline="0" noProof="0" dirty="0">
-                <a:ln>
-                  <a:noFill/>
-                </a:ln>
-                <a:solidFill>
-                  <a:srgbClr val="D0DAF5"/>
-                </a:solidFill>
-                <a:effectLst/>
-                <a:uLnTx/>
-                <a:uFillTx/>
-                <a:latin typeface="Calibri"/>
-                <a:ea typeface="LINE Seed Sans KR Regular"/>
-                <a:cs typeface="+mn-cs"/>
-              </a:rPr>
-              <a:t>교체</a:t>
-            </a:r>
-            <a:r>
-              <a:rPr kumimoji="0" lang="en-US" sz="2800" b="0" i="0" u="none" strike="noStrike" kern="1200" cap="none" spc="-100" normalizeH="0" baseline="0" noProof="0" dirty="0">
-                <a:ln>
-                  <a:noFill/>
-                </a:ln>
-                <a:solidFill>
-                  <a:srgbClr val="D0DAF5"/>
-                </a:solidFill>
-                <a:effectLst/>
-                <a:uLnTx/>
-                <a:uFillTx/>
-                <a:latin typeface="LINE Seed Sans KR Regular"/>
-                <a:cs typeface="+mn-cs"/>
-              </a:rPr>
-              <a:t> </a:t>
-            </a:r>
-            <a:r>
-              <a:rPr kumimoji="0" lang="ko-KR" altLang="en-US" sz="2800" b="0" i="0" u="sng" strike="noStrike" kern="1200" cap="none" spc="-100" normalizeH="0" baseline="0" noProof="0" dirty="0">
-                <a:ln>
-                  <a:noFill/>
-                </a:ln>
-                <a:solidFill>
-                  <a:srgbClr val="D0DAF5"/>
-                </a:solidFill>
-                <a:effectLst/>
-                <a:uLnTx/>
-                <a:uFillTx/>
-                <a:latin typeface="Calibri"/>
-                <a:ea typeface="LINE Seed Sans KR Regular"/>
-                <a:cs typeface="+mn-cs"/>
-              </a:rPr>
-              <a:t>알림</a:t>
-            </a:r>
-            <a:r>
-              <a:rPr kumimoji="0" lang="en-US" sz="2800" b="0" i="0" u="sng" strike="noStrike" kern="1200" cap="none" spc="-100" normalizeH="0" baseline="0" noProof="0" dirty="0">
-                <a:ln>
-                  <a:noFill/>
-                </a:ln>
-                <a:solidFill>
-                  <a:srgbClr val="D0DAF5"/>
-                </a:solidFill>
-                <a:effectLst/>
-                <a:uLnTx/>
-                <a:uFillTx/>
-                <a:latin typeface="LINE Seed Sans KR Regular"/>
-                <a:cs typeface="+mn-cs"/>
-              </a:rPr>
-              <a:t> </a:t>
-            </a:r>
-            <a:r>
-              <a:rPr kumimoji="0" lang="ko-KR" altLang="en-US" sz="2800" b="0" i="0" u="sng" strike="noStrike" kern="1200" cap="none" spc="-100" normalizeH="0" baseline="0" noProof="0" dirty="0">
-                <a:ln>
-                  <a:noFill/>
-                </a:ln>
-                <a:solidFill>
-                  <a:srgbClr val="D0DAF5"/>
-                </a:solidFill>
-                <a:effectLst/>
-                <a:uLnTx/>
-                <a:uFillTx/>
-                <a:latin typeface="Calibri"/>
-                <a:ea typeface="LINE Seed Sans KR Regular"/>
-                <a:cs typeface="+mn-cs"/>
-              </a:rPr>
-              <a:t>설정</a:t>
-            </a:r>
-            <a:endParaRPr kumimoji="0" lang="ko-KR" altLang="en-US" sz="2200" b="0" i="0" u="sng" strike="noStrike" kern="1200" cap="none" spc="-100" normalizeH="0" baseline="0" noProof="0" dirty="0">
-              <a:ln>
-                <a:noFill/>
-              </a:ln>
-              <a:solidFill>
-                <a:srgbClr val="D0DAF5"/>
-              </a:solidFill>
-              <a:effectLst/>
-              <a:uLnTx/>
-              <a:uFillTx/>
-              <a:latin typeface="Calibri"/>
-              <a:ea typeface="LINE Seed Sans KR Regular"/>
-              <a:cs typeface="+mn-cs"/>
-            </a:endParaRPr>
-          </a:p>
-          <a:p>
-            <a:pPr marL="0" marR="0" lvl="0" indent="0" algn="r" defTabSz="914400" rtl="0" eaLnBrk="1" fontAlgn="auto" latinLnBrk="0" hangingPunct="1">
-              <a:lnSpc>
-                <a:spcPct val="116199"/>
-              </a:lnSpc>
-              <a:spcBef>
-                <a:spcPts val="0"/>
-              </a:spcBef>
-              <a:spcAft>
-                <a:spcPts val="0"/>
-              </a:spcAft>
-              <a:buClrTx/>
-              <a:buSzTx/>
-              <a:buFontTx/>
-              <a:buNone/>
-              <a:tabLst/>
-              <a:defRPr/>
-            </a:pPr>
-            <a:endParaRPr kumimoji="0" lang="ko-KR" altLang="en-US" sz="2200" b="0" i="0" u="none" strike="noStrike" kern="1200" cap="none" spc="-100" normalizeH="0" baseline="0" noProof="0" dirty="0">
-              <a:ln>
-                <a:noFill/>
-              </a:ln>
-              <a:solidFill>
-                <a:srgbClr val="D0DAF5"/>
-              </a:solidFill>
-              <a:effectLst/>
-              <a:uLnTx/>
-              <a:uFillTx/>
-              <a:latin typeface="Calibri"/>
-              <a:ea typeface="LINE Seed Sans KR Regular"/>
-              <a:cs typeface="+mn-cs"/>
-            </a:endParaRPr>
-          </a:p>
-        </p:txBody>
-      </p:sp>
-      <p:sp>
-        <p:nvSpPr>
-          <p:cNvPr id="17" name="TextBox 17"/>
-          <p:cNvSpPr txBox="1"/>
-          <p:nvPr/>
-        </p:nvSpPr>
-        <p:spPr>
-          <a:xfrm>
-            <a:off x="12585700" y="3759200"/>
-            <a:ext cx="4508500" cy="482600"/>
-          </a:xfrm>
-          <a:prstGeom prst="rect">
-            <a:avLst/>
-          </a:prstGeom>
-        </p:spPr>
-        <p:txBody>
-          <a:bodyPr lIns="0" tIns="0" rIns="0" bIns="0" rtlCol="0" anchor="b"/>
-          <a:lstStyle/>
-          <a:p>
-            <a:pPr marL="0" marR="0" lvl="0" indent="0" algn="l" defTabSz="914400" rtl="0" eaLnBrk="1" fontAlgn="auto" latinLnBrk="0" hangingPunct="1">
-              <a:lnSpc>
-                <a:spcPct val="99600"/>
-              </a:lnSpc>
-              <a:spcBef>
-                <a:spcPts val="0"/>
-              </a:spcBef>
-              <a:spcAft>
-                <a:spcPts val="0"/>
-              </a:spcAft>
-              <a:buClrTx/>
-              <a:buSzTx/>
-              <a:buFontTx/>
-              <a:buNone/>
-              <a:tabLst/>
-              <a:defRPr/>
-            </a:pPr>
-            <a:r>
-              <a:rPr kumimoji="0" lang="ko-KR" altLang="en-US" sz="3200" b="0" i="0" u="none" strike="noStrike" kern="1200" cap="none" spc="0" normalizeH="0" baseline="0" noProof="0" dirty="0">
-                <a:ln>
-                  <a:noFill/>
-                </a:ln>
-                <a:solidFill>
-                  <a:srgbClr val="FFFFFF"/>
-                </a:solidFill>
-                <a:effectLst/>
-                <a:uLnTx/>
-                <a:uFillTx/>
-                <a:latin typeface="Calibri"/>
-                <a:ea typeface="LINE Seed Sans KR Regular"/>
-                <a:cs typeface="+mn-cs"/>
-              </a:rPr>
-              <a:t>정보</a:t>
-            </a:r>
-            <a:r>
-              <a:rPr kumimoji="0" lang="en-US" sz="3200" b="0" i="0" u="none" strike="noStrike" kern="1200" cap="none" spc="0" normalizeH="0" baseline="0" noProof="0" dirty="0">
-                <a:ln>
-                  <a:noFill/>
-                </a:ln>
-                <a:solidFill>
-                  <a:srgbClr val="FFFFFF"/>
-                </a:solidFill>
-                <a:effectLst/>
-                <a:uLnTx/>
-                <a:uFillTx/>
-                <a:latin typeface="LINE Seed Sans KR Regular"/>
-                <a:cs typeface="+mn-cs"/>
-              </a:rPr>
-              <a:t> </a:t>
-            </a:r>
-            <a:r>
-              <a:rPr kumimoji="0" lang="ko-KR" altLang="en-US" sz="3200" b="0" i="0" u="none" strike="noStrike" kern="1200" cap="none" spc="0" normalizeH="0" baseline="0" noProof="0" dirty="0">
-                <a:ln>
-                  <a:noFill/>
-                </a:ln>
-                <a:solidFill>
-                  <a:srgbClr val="FFFFFF"/>
-                </a:solidFill>
-                <a:effectLst/>
-                <a:uLnTx/>
-                <a:uFillTx/>
-                <a:latin typeface="Calibri"/>
-                <a:ea typeface="LINE Seed Sans KR Regular"/>
-                <a:cs typeface="+mn-cs"/>
-              </a:rPr>
-              <a:t>확인</a:t>
-            </a:r>
-          </a:p>
-        </p:txBody>
-      </p:sp>
-      <p:grpSp>
-        <p:nvGrpSpPr>
-          <p:cNvPr id="18" name="Group 18"/>
-          <p:cNvGrpSpPr/>
-          <p:nvPr/>
-        </p:nvGrpSpPr>
-        <p:grpSpPr>
-          <a:xfrm>
-            <a:off x="2147483647" y="2147483647"/>
-            <a:ext cx="2147483647" cy="2147483647"/>
-            <a:chOff x="0" y="0"/>
-            <a:chExt cx="0" cy="0"/>
-          </a:xfrm>
-        </p:grpSpPr>
-      </p:grpSp>
-      <p:pic>
-        <p:nvPicPr>
-          <p:cNvPr id="19" name="Picture 19"/>
-          <p:cNvPicPr>
-            <a:picLocks noChangeAspect="1"/>
-          </p:cNvPicPr>
-          <p:nvPr/>
-        </p:nvPicPr>
-        <p:blipFill>
-          <a:blip r:embed="rId5"/>
-          <a:stretch>
-            <a:fillRect/>
-          </a:stretch>
-        </p:blipFill>
-        <p:spPr>
-          <a:xfrm>
-            <a:off x="11671300" y="3670300"/>
-            <a:ext cx="749300" cy="749300"/>
-          </a:xfrm>
-          <a:prstGeom prst="rect">
-            <a:avLst/>
-          </a:prstGeom>
-        </p:spPr>
-      </p:pic>
-      <p:sp>
-        <p:nvSpPr>
-          <p:cNvPr id="20" name="TextBox 20"/>
-          <p:cNvSpPr txBox="1"/>
-          <p:nvPr/>
-        </p:nvSpPr>
-        <p:spPr>
-          <a:xfrm>
-            <a:off x="11734800" y="3810000"/>
-            <a:ext cx="635000" cy="508000"/>
-          </a:xfrm>
-          <a:prstGeom prst="rect">
-            <a:avLst/>
-          </a:prstGeom>
-        </p:spPr>
-        <p:txBody>
-          <a:bodyPr lIns="0" tIns="0" rIns="0" bIns="0" rtlCol="0" anchor="ctr"/>
-          <a:lstStyle/>
-          <a:p>
-            <a:pPr marL="0" marR="0" lvl="0" indent="0" algn="ctr" defTabSz="914400" rtl="0" eaLnBrk="1" fontAlgn="auto" latinLnBrk="0" hangingPunct="1">
-              <a:lnSpc>
-                <a:spcPct val="99600"/>
-              </a:lnSpc>
-              <a:spcBef>
-                <a:spcPts val="0"/>
-              </a:spcBef>
-              <a:spcAft>
-                <a:spcPts val="0"/>
-              </a:spcAft>
-              <a:buClrTx/>
-              <a:buSzTx/>
-              <a:buFontTx/>
-              <a:buNone/>
-              <a:tabLst/>
-              <a:defRPr/>
-            </a:pPr>
-            <a:r>
-              <a:rPr kumimoji="0" lang="en-US" sz="2900" b="0" i="0" u="none" strike="noStrike" kern="1200" cap="none" spc="-100" normalizeH="0" baseline="0" noProof="0">
-                <a:ln>
-                  <a:noFill/>
-                </a:ln>
-                <a:solidFill>
-                  <a:srgbClr val="334D74"/>
-                </a:solidFill>
-                <a:effectLst/>
-                <a:uLnTx/>
-                <a:uFillTx/>
-                <a:latin typeface="LINE Seed Sans KR Regular"/>
-                <a:ea typeface="+mn-ea"/>
-                <a:cs typeface="+mn-cs"/>
-              </a:rPr>
-              <a:t>02</a:t>
-            </a:r>
-          </a:p>
-        </p:txBody>
-      </p:sp>
-      <p:sp>
-        <p:nvSpPr>
-          <p:cNvPr id="21" name="TextBox 21"/>
-          <p:cNvSpPr txBox="1"/>
-          <p:nvPr/>
-        </p:nvSpPr>
-        <p:spPr>
-          <a:xfrm>
-            <a:off x="12420600" y="4521200"/>
-            <a:ext cx="4495800" cy="1231900"/>
-          </a:xfrm>
-          <a:prstGeom prst="rect">
-            <a:avLst/>
-          </a:prstGeom>
-        </p:spPr>
-        <p:txBody>
-          <a:bodyPr lIns="0" tIns="0" rIns="0" bIns="0" rtlCol="0" anchor="t"/>
-          <a:lstStyle/>
-          <a:p>
-            <a:pPr marL="342900" marR="0" lvl="0" indent="-342900" algn="l" defTabSz="914400" rtl="0" eaLnBrk="1" fontAlgn="auto" latinLnBrk="0" hangingPunct="1">
-              <a:lnSpc>
-                <a:spcPct val="116199"/>
-              </a:lnSpc>
-              <a:spcBef>
-                <a:spcPts val="0"/>
-              </a:spcBef>
-              <a:spcAft>
-                <a:spcPts val="0"/>
-              </a:spcAft>
-              <a:buClrTx/>
-              <a:buSzTx/>
-              <a:buFontTx/>
-              <a:buChar char="-"/>
-              <a:tabLst/>
-              <a:defRPr/>
-            </a:pPr>
-            <a:r>
-              <a:rPr kumimoji="0" lang="ko-KR" altLang="en-US" sz="2200" b="0" i="0" u="none" strike="noStrike" kern="1200" cap="none" spc="-100" normalizeH="0" baseline="0" noProof="0" dirty="0" smtClean="0">
-                <a:ln>
-                  <a:noFill/>
-                </a:ln>
-                <a:solidFill>
-                  <a:srgbClr val="D0DAF5"/>
-                </a:solidFill>
-                <a:effectLst/>
-                <a:uLnTx/>
-                <a:uFillTx/>
-                <a:latin typeface="Calibri"/>
-                <a:ea typeface="LINE Seed Sans KR Regular"/>
-                <a:cs typeface="+mn-cs"/>
-              </a:rPr>
-              <a:t>부품</a:t>
-            </a:r>
-            <a:r>
-              <a:rPr kumimoji="0" lang="en-US" sz="2200" b="0" i="0" u="none" strike="noStrike" kern="1200" cap="none" spc="-100" normalizeH="0" baseline="0" noProof="0" dirty="0" smtClean="0">
-                <a:ln>
-                  <a:noFill/>
-                </a:ln>
-                <a:solidFill>
-                  <a:srgbClr val="D0DAF5"/>
-                </a:solidFill>
-                <a:effectLst/>
-                <a:uLnTx/>
-                <a:uFillTx/>
-                <a:latin typeface="LINE Seed Sans KR Regular"/>
-                <a:ea typeface="+mn-ea"/>
-                <a:cs typeface="+mn-cs"/>
-              </a:rPr>
-              <a:t> </a:t>
-            </a:r>
-            <a:r>
-              <a:rPr kumimoji="0" lang="ko-KR" altLang="en-US" sz="2800" b="0" i="0" u="sng" strike="noStrike" kern="1200" cap="none" spc="-100" normalizeH="0" baseline="0" noProof="0" dirty="0" smtClean="0">
-                <a:ln>
-                  <a:noFill/>
-                </a:ln>
-                <a:solidFill>
-                  <a:srgbClr val="D0DAF5"/>
-                </a:solidFill>
-                <a:effectLst/>
-                <a:uLnTx/>
-                <a:uFillTx/>
-                <a:latin typeface="Calibri"/>
-                <a:ea typeface="LINE Seed Sans KR Regular"/>
-                <a:cs typeface="+mn-cs"/>
-              </a:rPr>
-              <a:t>최저가 </a:t>
-            </a:r>
-            <a:r>
-              <a:rPr kumimoji="0" lang="en-US" sz="2800" b="0" i="0" u="sng" strike="noStrike" kern="1200" cap="none" spc="-100" normalizeH="0" baseline="0" noProof="0" dirty="0" smtClean="0">
-                <a:ln>
-                  <a:noFill/>
-                </a:ln>
-                <a:solidFill>
-                  <a:srgbClr val="D0DAF5"/>
-                </a:solidFill>
-                <a:effectLst/>
-                <a:uLnTx/>
-                <a:uFillTx/>
-                <a:latin typeface="LINE Seed Sans KR Regular"/>
-                <a:cs typeface="+mn-cs"/>
-              </a:rPr>
-              <a:t> </a:t>
-            </a:r>
-            <a:r>
-              <a:rPr kumimoji="0" lang="ko-KR" altLang="en-US" sz="2800" b="0" i="0" u="sng" strike="noStrike" kern="1200" cap="none" spc="-100" normalizeH="0" baseline="0" noProof="0" dirty="0" smtClean="0">
-                <a:ln>
-                  <a:noFill/>
-                </a:ln>
-                <a:solidFill>
-                  <a:srgbClr val="D0DAF5"/>
-                </a:solidFill>
-                <a:effectLst/>
-                <a:uLnTx/>
-                <a:uFillTx/>
-                <a:latin typeface="Calibri"/>
-                <a:ea typeface="LINE Seed Sans KR Regular"/>
-                <a:cs typeface="+mn-cs"/>
-              </a:rPr>
-              <a:t>비교</a:t>
-            </a:r>
-            <a:endParaRPr kumimoji="0" lang="en-US" altLang="ko-KR" sz="2800" b="0" i="0" u="sng" strike="noStrike" kern="1200" cap="none" spc="-100" normalizeH="0" baseline="0" noProof="0" dirty="0" smtClean="0">
-              <a:ln>
-                <a:noFill/>
-              </a:ln>
-              <a:solidFill>
-                <a:srgbClr val="D0DAF5"/>
-              </a:solidFill>
-              <a:effectLst/>
-              <a:uLnTx/>
-              <a:uFillTx/>
-              <a:latin typeface="Calibri"/>
-              <a:ea typeface="LINE Seed Sans KR Regular"/>
-              <a:cs typeface="+mn-cs"/>
-            </a:endParaRPr>
-          </a:p>
-          <a:p>
-            <a:pPr marL="342900" marR="0" lvl="0" indent="-342900" algn="l" defTabSz="914400" rtl="0" eaLnBrk="1" fontAlgn="auto" latinLnBrk="0" hangingPunct="1">
-              <a:lnSpc>
-                <a:spcPct val="116199"/>
-              </a:lnSpc>
-              <a:spcBef>
-                <a:spcPts val="0"/>
-              </a:spcBef>
-              <a:spcAft>
-                <a:spcPts val="0"/>
-              </a:spcAft>
-              <a:buClrTx/>
-              <a:buSzTx/>
-              <a:buFontTx/>
-              <a:buChar char="-"/>
-              <a:tabLst/>
-              <a:defRPr/>
-            </a:pPr>
-            <a:r>
-              <a:rPr lang="ko-KR" altLang="en-US" sz="2200" spc="-100" dirty="0" smtClean="0">
-                <a:solidFill>
-                  <a:srgbClr val="D0DAF5"/>
-                </a:solidFill>
-                <a:latin typeface="Calibri"/>
-                <a:ea typeface="LINE Seed Sans KR Regular"/>
-              </a:rPr>
-              <a:t>추천 부품</a:t>
-            </a:r>
-            <a:r>
-              <a:rPr lang="en-US" altLang="ko-KR" sz="2200" spc="-100" dirty="0" smtClean="0">
-                <a:solidFill>
-                  <a:srgbClr val="D0DAF5"/>
-                </a:solidFill>
-                <a:latin typeface="Calibri"/>
-                <a:ea typeface="LINE Seed Sans KR Regular"/>
-              </a:rPr>
-              <a:t>, </a:t>
-            </a:r>
-            <a:r>
-              <a:rPr lang="ko-KR" altLang="en-US" sz="2200" spc="-100" dirty="0" smtClean="0">
-                <a:solidFill>
-                  <a:srgbClr val="D0DAF5"/>
-                </a:solidFill>
-                <a:latin typeface="Calibri"/>
-                <a:ea typeface="LINE Seed Sans KR Regular"/>
-              </a:rPr>
-              <a:t>정보 확인</a:t>
-            </a:r>
-            <a:endParaRPr kumimoji="0" lang="ko-KR" altLang="en-US" sz="2200" b="0" i="0" u="none" strike="noStrike" kern="1200" cap="none" spc="-100" normalizeH="0" baseline="0" noProof="0" dirty="0">
-              <a:ln>
-                <a:noFill/>
-              </a:ln>
-              <a:solidFill>
-                <a:srgbClr val="D0DAF5"/>
-              </a:solidFill>
-              <a:effectLst/>
-              <a:uLnTx/>
-              <a:uFillTx/>
-              <a:latin typeface="Calibri"/>
-              <a:ea typeface="LINE Seed Sans KR Regular"/>
-              <a:cs typeface="+mn-cs"/>
-            </a:endParaRPr>
-          </a:p>
-        </p:txBody>
-      </p:sp>
-      <p:sp>
-        <p:nvSpPr>
-          <p:cNvPr id="22" name="TextBox 22"/>
-          <p:cNvSpPr txBox="1"/>
-          <p:nvPr/>
-        </p:nvSpPr>
-        <p:spPr>
-          <a:xfrm>
-            <a:off x="12865100" y="6997700"/>
-            <a:ext cx="4508500" cy="482600"/>
-          </a:xfrm>
-          <a:prstGeom prst="rect">
-            <a:avLst/>
-          </a:prstGeom>
-        </p:spPr>
-        <p:txBody>
-          <a:bodyPr lIns="0" tIns="0" rIns="0" bIns="0" rtlCol="0" anchor="b"/>
-          <a:lstStyle/>
-          <a:p>
-            <a:pPr marL="0" marR="0" lvl="0" indent="0" algn="l" defTabSz="914400" rtl="0" eaLnBrk="1" fontAlgn="auto" latinLnBrk="0" hangingPunct="1">
-              <a:lnSpc>
-                <a:spcPct val="99600"/>
-              </a:lnSpc>
-              <a:spcBef>
-                <a:spcPts val="0"/>
-              </a:spcBef>
-              <a:spcAft>
-                <a:spcPts val="0"/>
-              </a:spcAft>
-              <a:buClrTx/>
-              <a:buSzTx/>
-              <a:buFontTx/>
-              <a:buNone/>
-              <a:tabLst/>
-              <a:defRPr/>
-            </a:pPr>
-            <a:r>
-              <a:rPr kumimoji="0" lang="ko-KR" altLang="en-US" sz="3200" b="0" i="0" u="none" strike="noStrike" kern="1200" cap="none" spc="0" normalizeH="0" baseline="0" noProof="0">
-                <a:ln>
-                  <a:noFill/>
-                </a:ln>
-                <a:solidFill>
-                  <a:srgbClr val="FFFFFF"/>
-                </a:solidFill>
-                <a:effectLst/>
-                <a:uLnTx/>
-                <a:uFillTx/>
-                <a:latin typeface="Calibri"/>
-                <a:ea typeface="LINE Seed Sans KR Regular"/>
-                <a:cs typeface="+mn-cs"/>
-              </a:rPr>
-              <a:t>예약</a:t>
-            </a:r>
-            <a:r>
-              <a:rPr kumimoji="0" lang="en-US" sz="3200" b="0" i="0" u="none" strike="noStrike" kern="1200" cap="none" spc="0" normalizeH="0" baseline="0" noProof="0">
-                <a:ln>
-                  <a:noFill/>
-                </a:ln>
-                <a:solidFill>
-                  <a:srgbClr val="FFFFFF"/>
-                </a:solidFill>
-                <a:effectLst/>
-                <a:uLnTx/>
-                <a:uFillTx/>
-                <a:latin typeface="LINE Seed Sans KR Regular"/>
-                <a:cs typeface="+mn-cs"/>
-              </a:rPr>
-              <a:t> </a:t>
-            </a:r>
-            <a:r>
-              <a:rPr kumimoji="0" lang="ko-KR" altLang="en-US" sz="3200" b="0" i="0" u="none" strike="noStrike" kern="1200" cap="none" spc="0" normalizeH="0" baseline="0" noProof="0">
-                <a:ln>
-                  <a:noFill/>
-                </a:ln>
-                <a:solidFill>
-                  <a:srgbClr val="FFFFFF"/>
-                </a:solidFill>
-                <a:effectLst/>
-                <a:uLnTx/>
-                <a:uFillTx/>
-                <a:latin typeface="Calibri"/>
-                <a:ea typeface="LINE Seed Sans KR Regular"/>
-                <a:cs typeface="+mn-cs"/>
-              </a:rPr>
-              <a:t>기능</a:t>
-            </a:r>
-          </a:p>
-        </p:txBody>
-      </p:sp>
-      <p:grpSp>
-        <p:nvGrpSpPr>
-          <p:cNvPr id="23" name="Group 23"/>
-          <p:cNvGrpSpPr/>
-          <p:nvPr/>
-        </p:nvGrpSpPr>
-        <p:grpSpPr>
-          <a:xfrm>
-            <a:off x="2147483647" y="2147483647"/>
-            <a:ext cx="2147483647" cy="2147483647"/>
-            <a:chOff x="0" y="0"/>
-            <a:chExt cx="0" cy="0"/>
-          </a:xfrm>
-        </p:grpSpPr>
-      </p:grpSp>
-      <p:pic>
-        <p:nvPicPr>
-          <p:cNvPr id="24" name="Picture 24"/>
-          <p:cNvPicPr>
-            <a:picLocks noChangeAspect="1"/>
-          </p:cNvPicPr>
-          <p:nvPr/>
-        </p:nvPicPr>
-        <p:blipFill>
-          <a:blip r:embed="rId5"/>
-          <a:stretch>
-            <a:fillRect/>
-          </a:stretch>
-        </p:blipFill>
-        <p:spPr>
-          <a:xfrm>
-            <a:off x="11912600" y="6908800"/>
-            <a:ext cx="749300" cy="749300"/>
-          </a:xfrm>
-          <a:prstGeom prst="rect">
-            <a:avLst/>
-          </a:prstGeom>
-        </p:spPr>
-      </p:pic>
-      <p:sp>
-        <p:nvSpPr>
-          <p:cNvPr id="25" name="TextBox 25"/>
-          <p:cNvSpPr txBox="1"/>
-          <p:nvPr/>
-        </p:nvSpPr>
-        <p:spPr>
-          <a:xfrm>
-            <a:off x="11976100" y="7061200"/>
-            <a:ext cx="635000" cy="508000"/>
-          </a:xfrm>
-          <a:prstGeom prst="rect">
-            <a:avLst/>
-          </a:prstGeom>
-        </p:spPr>
-        <p:txBody>
-          <a:bodyPr lIns="0" tIns="0" rIns="0" bIns="0" rtlCol="0" anchor="ctr"/>
-          <a:lstStyle/>
-          <a:p>
-            <a:pPr marL="0" marR="0" lvl="0" indent="0" algn="ctr" defTabSz="914400" rtl="0" eaLnBrk="1" fontAlgn="auto" latinLnBrk="0" hangingPunct="1">
-              <a:lnSpc>
-                <a:spcPct val="99600"/>
-              </a:lnSpc>
-              <a:spcBef>
-                <a:spcPts val="0"/>
-              </a:spcBef>
-              <a:spcAft>
-                <a:spcPts val="0"/>
-              </a:spcAft>
-              <a:buClrTx/>
-              <a:buSzTx/>
-              <a:buFontTx/>
-              <a:buNone/>
-              <a:tabLst/>
-              <a:defRPr/>
-            </a:pPr>
-            <a:r>
-              <a:rPr kumimoji="0" lang="en-US" sz="2900" b="0" i="0" u="none" strike="noStrike" kern="1200" cap="none" spc="-100" normalizeH="0" baseline="0" noProof="0">
-                <a:ln>
-                  <a:noFill/>
-                </a:ln>
-                <a:solidFill>
-                  <a:srgbClr val="334D74"/>
-                </a:solidFill>
-                <a:effectLst/>
-                <a:uLnTx/>
-                <a:uFillTx/>
-                <a:latin typeface="LINE Seed Sans KR Regular"/>
-                <a:ea typeface="+mn-ea"/>
-                <a:cs typeface="+mn-cs"/>
-              </a:rPr>
-              <a:t>04</a:t>
-            </a:r>
-          </a:p>
-        </p:txBody>
-      </p:sp>
-      <p:sp>
-        <p:nvSpPr>
-          <p:cNvPr id="26" name="TextBox 26"/>
-          <p:cNvSpPr txBox="1"/>
-          <p:nvPr/>
-        </p:nvSpPr>
-        <p:spPr>
-          <a:xfrm>
-            <a:off x="12589875" y="7632700"/>
-            <a:ext cx="4495800" cy="1562100"/>
-          </a:xfrm>
-          <a:prstGeom prst="rect">
-            <a:avLst/>
-          </a:prstGeom>
-        </p:spPr>
-        <p:txBody>
-          <a:bodyPr lIns="0" tIns="0" rIns="0" bIns="0" rtlCol="0" anchor="t"/>
-          <a:lstStyle/>
-          <a:p>
-            <a:pPr marL="0" marR="0" lvl="0" indent="0" algn="l" defTabSz="914400" rtl="0" eaLnBrk="1" fontAlgn="auto" latinLnBrk="0" hangingPunct="1">
-              <a:lnSpc>
-                <a:spcPct val="116199"/>
-              </a:lnSpc>
-              <a:spcBef>
-                <a:spcPts val="0"/>
-              </a:spcBef>
-              <a:spcAft>
-                <a:spcPts val="0"/>
-              </a:spcAft>
-              <a:buClrTx/>
-              <a:buSzTx/>
-              <a:buFontTx/>
-              <a:buNone/>
-              <a:tabLst/>
-              <a:defRPr/>
-            </a:pPr>
-            <a:r>
-              <a:rPr kumimoji="0" lang="en-US" sz="2800" b="0" i="0" u="none" strike="noStrike" kern="1200" cap="none" spc="-100" normalizeH="0" baseline="0" noProof="0" dirty="0">
-                <a:ln>
-                  <a:noFill/>
-                </a:ln>
-                <a:solidFill>
-                  <a:srgbClr val="D0DAF5"/>
-                </a:solidFill>
-                <a:effectLst/>
-                <a:uLnTx/>
-                <a:uFillTx/>
-                <a:latin typeface="LINE Seed Sans KR Regular"/>
-                <a:cs typeface="+mn-cs"/>
-              </a:rPr>
-              <a:t>- </a:t>
-            </a:r>
-            <a:r>
-              <a:rPr kumimoji="0" lang="ko-KR" altLang="en-US" sz="2800" b="0" i="0" u="sng" strike="noStrike" kern="1200" cap="none" spc="-100" normalizeH="0" baseline="0" noProof="0" dirty="0">
-                <a:ln>
-                  <a:noFill/>
-                </a:ln>
-                <a:solidFill>
-                  <a:srgbClr val="D0DAF5"/>
-                </a:solidFill>
-                <a:effectLst/>
-                <a:uLnTx/>
-                <a:uFillTx/>
-                <a:latin typeface="Calibri"/>
-                <a:ea typeface="LINE Seed Sans KR Regular"/>
-                <a:cs typeface="+mn-cs"/>
-              </a:rPr>
-              <a:t>온라인</a:t>
-            </a:r>
-            <a:r>
-              <a:rPr kumimoji="0" lang="en-US" sz="2800" b="0" i="0" u="sng" strike="noStrike" kern="1200" cap="none" spc="-100" normalizeH="0" baseline="0" noProof="0" dirty="0">
-                <a:ln>
-                  <a:noFill/>
-                </a:ln>
-                <a:solidFill>
-                  <a:srgbClr val="D0DAF5"/>
-                </a:solidFill>
-                <a:effectLst/>
-                <a:uLnTx/>
-                <a:uFillTx/>
-                <a:latin typeface="LINE Seed Sans KR Regular"/>
-                <a:cs typeface="+mn-cs"/>
-              </a:rPr>
-              <a:t> </a:t>
-            </a:r>
-            <a:r>
-              <a:rPr kumimoji="0" lang="ko-KR" altLang="en-US" sz="2800" b="0" i="0" u="sng" strike="noStrike" kern="1200" cap="none" spc="-100" normalizeH="0" baseline="0" noProof="0" dirty="0">
-                <a:ln>
-                  <a:noFill/>
-                </a:ln>
-                <a:solidFill>
-                  <a:srgbClr val="D0DAF5"/>
-                </a:solidFill>
-                <a:effectLst/>
-                <a:uLnTx/>
-                <a:uFillTx/>
-                <a:latin typeface="Calibri"/>
-                <a:ea typeface="LINE Seed Sans KR Regular"/>
-                <a:cs typeface="+mn-cs"/>
-              </a:rPr>
-              <a:t>예약</a:t>
-            </a:r>
-            <a:r>
-              <a:rPr kumimoji="0" lang="en-US" sz="2800" b="0" i="0" u="sng" strike="noStrike" kern="1200" cap="none" spc="-100" normalizeH="0" baseline="0" noProof="0" dirty="0">
-                <a:ln>
-                  <a:noFill/>
-                </a:ln>
-                <a:solidFill>
-                  <a:srgbClr val="D0DAF5"/>
-                </a:solidFill>
-                <a:effectLst/>
-                <a:uLnTx/>
-                <a:uFillTx/>
-                <a:latin typeface="LINE Seed Sans KR Regular"/>
-                <a:cs typeface="+mn-cs"/>
-              </a:rPr>
-              <a:t> </a:t>
-            </a:r>
-            <a:r>
-              <a:rPr kumimoji="0" lang="ko-KR" altLang="en-US" sz="2200" b="0" i="0" u="none" strike="noStrike" kern="1200" cap="none" spc="-100" normalizeH="0" baseline="0" noProof="0" dirty="0">
-                <a:ln>
-                  <a:noFill/>
-                </a:ln>
-                <a:solidFill>
-                  <a:srgbClr val="D0DAF5"/>
-                </a:solidFill>
-                <a:effectLst/>
-                <a:uLnTx/>
-                <a:uFillTx/>
-                <a:latin typeface="Calibri"/>
-                <a:ea typeface="LINE Seed Sans KR Regular"/>
-                <a:cs typeface="+mn-cs"/>
-              </a:rPr>
-              <a:t>시스템</a:t>
-            </a:r>
-          </a:p>
-          <a:p>
-            <a:pPr marL="0" marR="0" lvl="0" indent="0" algn="l" defTabSz="914400" rtl="0" eaLnBrk="1" fontAlgn="auto" latinLnBrk="0" hangingPunct="1">
-              <a:lnSpc>
-                <a:spcPct val="116199"/>
-              </a:lnSpc>
-              <a:spcBef>
-                <a:spcPts val="0"/>
-              </a:spcBef>
-              <a:spcAft>
-                <a:spcPts val="0"/>
-              </a:spcAft>
-              <a:buClrTx/>
-              <a:buSzTx/>
-              <a:buFontTx/>
-              <a:buNone/>
-              <a:tabLst/>
-              <a:defRPr/>
-            </a:pPr>
-            <a:r>
-              <a:rPr kumimoji="0" lang="en-US" sz="2200" b="0" i="0" u="none" strike="noStrike" kern="1200" cap="none" spc="-100" normalizeH="0" baseline="0" noProof="0" dirty="0" smtClean="0">
-                <a:ln>
-                  <a:noFill/>
-                </a:ln>
-                <a:solidFill>
-                  <a:srgbClr val="D0DAF5"/>
-                </a:solidFill>
-                <a:effectLst/>
-                <a:uLnTx/>
-                <a:uFillTx/>
-                <a:latin typeface="LINE Seed Sans KR Regular"/>
-                <a:ea typeface="+mn-ea"/>
-                <a:cs typeface="+mn-cs"/>
-              </a:rPr>
-              <a:t>- </a:t>
-            </a:r>
-            <a:r>
-              <a:rPr kumimoji="0" lang="ko-KR" altLang="en-US" sz="2200" b="0" i="0" u="sng" strike="noStrike" kern="1200" cap="none" spc="-100" normalizeH="0" baseline="0" noProof="0" dirty="0">
-                <a:ln>
-                  <a:noFill/>
-                </a:ln>
-                <a:solidFill>
-                  <a:srgbClr val="D0DAF5"/>
-                </a:solidFill>
-                <a:effectLst/>
-                <a:uLnTx/>
-                <a:uFillTx/>
-                <a:latin typeface="Calibri"/>
-                <a:ea typeface="LINE Seed Sans KR Regular"/>
-                <a:cs typeface="+mn-cs"/>
-              </a:rPr>
-              <a:t>긴급</a:t>
-            </a:r>
-            <a:r>
-              <a:rPr kumimoji="0" lang="en-US" sz="2200" b="0" i="0" u="none" strike="noStrike" kern="1200" cap="none" spc="-100" normalizeH="0" baseline="0" noProof="0" dirty="0">
-                <a:ln>
-                  <a:noFill/>
-                </a:ln>
-                <a:solidFill>
-                  <a:srgbClr val="D0DAF5"/>
-                </a:solidFill>
-                <a:effectLst/>
-                <a:uLnTx/>
-                <a:uFillTx/>
-                <a:latin typeface="LINE Seed Sans KR Regular"/>
-                <a:ea typeface="+mn-ea"/>
-                <a:cs typeface="+mn-cs"/>
-              </a:rPr>
-              <a:t> </a:t>
-            </a:r>
-            <a:r>
-              <a:rPr kumimoji="0" lang="ko-KR" altLang="en-US" sz="2200" b="0" i="0" u="none" strike="noStrike" kern="1200" cap="none" spc="-100" normalizeH="0" baseline="0" noProof="0" dirty="0">
-                <a:ln>
-                  <a:noFill/>
-                </a:ln>
-                <a:solidFill>
-                  <a:srgbClr val="D0DAF5"/>
-                </a:solidFill>
-                <a:effectLst/>
-                <a:uLnTx/>
-                <a:uFillTx/>
-                <a:latin typeface="Calibri"/>
-                <a:ea typeface="LINE Seed Sans KR Regular"/>
-                <a:cs typeface="+mn-cs"/>
-              </a:rPr>
-              <a:t>정비</a:t>
-            </a:r>
-            <a:r>
-              <a:rPr kumimoji="0" lang="en-US" sz="2200" b="0" i="0" u="none" strike="noStrike" kern="1200" cap="none" spc="-100" normalizeH="0" baseline="0" noProof="0" dirty="0">
-                <a:ln>
-                  <a:noFill/>
-                </a:ln>
-                <a:solidFill>
-                  <a:srgbClr val="D0DAF5"/>
-                </a:solidFill>
-                <a:effectLst/>
-                <a:uLnTx/>
-                <a:uFillTx/>
-                <a:latin typeface="LINE Seed Sans KR Regular"/>
-                <a:ea typeface="+mn-ea"/>
-                <a:cs typeface="+mn-cs"/>
-              </a:rPr>
-              <a:t> </a:t>
-            </a:r>
-            <a:r>
-              <a:rPr kumimoji="0" lang="ko-KR" altLang="en-US" sz="2200" b="0" i="0" u="none" strike="noStrike" kern="1200" cap="none" spc="-100" normalizeH="0" baseline="0" noProof="0" dirty="0">
-                <a:ln>
-                  <a:noFill/>
-                </a:ln>
-                <a:solidFill>
-                  <a:srgbClr val="D0DAF5"/>
-                </a:solidFill>
-                <a:effectLst/>
-                <a:uLnTx/>
-                <a:uFillTx/>
-                <a:latin typeface="Calibri"/>
-                <a:ea typeface="LINE Seed Sans KR Regular"/>
-                <a:cs typeface="+mn-cs"/>
-              </a:rPr>
-              <a:t>예약</a:t>
-            </a:r>
-          </a:p>
-          <a:p>
-            <a:pPr marL="0" marR="0" lvl="0" indent="0" algn="l" defTabSz="914400" rtl="0" eaLnBrk="1" fontAlgn="auto" latinLnBrk="0" hangingPunct="1">
-              <a:lnSpc>
-                <a:spcPct val="116199"/>
-              </a:lnSpc>
-              <a:spcBef>
-                <a:spcPts val="0"/>
-              </a:spcBef>
-              <a:spcAft>
-                <a:spcPts val="0"/>
-              </a:spcAft>
-              <a:buClrTx/>
-              <a:buSzTx/>
-              <a:buFontTx/>
-              <a:buNone/>
-              <a:tabLst/>
-              <a:defRPr/>
-            </a:pPr>
-            <a:r>
-              <a:rPr kumimoji="0" lang="en-US" sz="2200" b="0" i="0" u="none" strike="noStrike" kern="1200" cap="none" spc="-100" normalizeH="0" baseline="0" noProof="0" dirty="0">
-                <a:ln>
-                  <a:noFill/>
-                </a:ln>
-                <a:solidFill>
-                  <a:srgbClr val="D0DAF5"/>
-                </a:solidFill>
-                <a:effectLst/>
-                <a:uLnTx/>
-                <a:uFillTx/>
-                <a:latin typeface="LINE Seed Sans KR Regular"/>
-                <a:ea typeface="+mn-ea"/>
-                <a:cs typeface="+mn-cs"/>
-              </a:rPr>
-              <a:t>- </a:t>
-            </a:r>
-            <a:r>
-              <a:rPr kumimoji="0" lang="ko-KR" altLang="en-US" sz="2200" b="0" i="0" u="sng" strike="noStrike" kern="1200" cap="none" spc="-100" normalizeH="0" baseline="0" noProof="0" dirty="0">
-                <a:ln>
-                  <a:noFill/>
-                </a:ln>
-                <a:solidFill>
-                  <a:srgbClr val="D0DAF5"/>
-                </a:solidFill>
-                <a:effectLst/>
-                <a:uLnTx/>
-                <a:uFillTx/>
-                <a:latin typeface="Calibri"/>
-                <a:ea typeface="LINE Seed Sans KR Regular"/>
-                <a:cs typeface="+mn-cs"/>
-              </a:rPr>
-              <a:t>예약</a:t>
-            </a:r>
-            <a:r>
-              <a:rPr kumimoji="0" lang="en-US" sz="2200" b="0" i="0" u="sng" strike="noStrike" kern="1200" cap="none" spc="-100" normalizeH="0" baseline="0" noProof="0" dirty="0">
-                <a:ln>
-                  <a:noFill/>
-                </a:ln>
-                <a:solidFill>
-                  <a:srgbClr val="D0DAF5"/>
-                </a:solidFill>
-                <a:effectLst/>
-                <a:uLnTx/>
-                <a:uFillTx/>
-                <a:latin typeface="LINE Seed Sans KR Regular"/>
-                <a:cs typeface="+mn-cs"/>
-              </a:rPr>
-              <a:t> </a:t>
-            </a:r>
-            <a:r>
-              <a:rPr kumimoji="0" lang="ko-KR" altLang="en-US" sz="2200" b="0" i="0" u="sng" strike="noStrike" kern="1200" cap="none" spc="-100" normalizeH="0" baseline="0" noProof="0" dirty="0">
-                <a:ln>
-                  <a:noFill/>
-                </a:ln>
-                <a:solidFill>
-                  <a:srgbClr val="D0DAF5"/>
-                </a:solidFill>
-                <a:effectLst/>
-                <a:uLnTx/>
-                <a:uFillTx/>
-                <a:latin typeface="Calibri"/>
-                <a:ea typeface="LINE Seed Sans KR Regular"/>
-                <a:cs typeface="+mn-cs"/>
-              </a:rPr>
-              <a:t>변경</a:t>
-            </a:r>
-            <a:r>
-              <a:rPr kumimoji="0" lang="en-US" sz="2200" b="0" i="0" u="sng" strike="noStrike" kern="1200" cap="none" spc="-100" normalizeH="0" baseline="0" noProof="0" dirty="0">
-                <a:ln>
-                  <a:noFill/>
-                </a:ln>
-                <a:solidFill>
-                  <a:srgbClr val="D0DAF5"/>
-                </a:solidFill>
-                <a:effectLst/>
-                <a:uLnTx/>
-                <a:uFillTx/>
-                <a:latin typeface="LINE Seed Sans KR Regular"/>
-                <a:cs typeface="+mn-cs"/>
-              </a:rPr>
-              <a:t> </a:t>
-            </a:r>
-            <a:r>
-              <a:rPr kumimoji="0" lang="ko-KR" altLang="en-US" sz="2200" b="0" i="0" u="sng" strike="noStrike" kern="1200" cap="none" spc="-100" normalizeH="0" baseline="0" noProof="0" dirty="0">
-                <a:ln>
-                  <a:noFill/>
-                </a:ln>
-                <a:solidFill>
-                  <a:srgbClr val="D0DAF5"/>
-                </a:solidFill>
-                <a:effectLst/>
-                <a:uLnTx/>
-                <a:uFillTx/>
-                <a:latin typeface="Calibri"/>
-                <a:ea typeface="LINE Seed Sans KR Regular"/>
-                <a:cs typeface="+mn-cs"/>
-              </a:rPr>
-              <a:t>및</a:t>
-            </a:r>
-            <a:r>
-              <a:rPr kumimoji="0" lang="en-US" sz="2200" b="0" i="0" u="sng" strike="noStrike" kern="1200" cap="none" spc="-100" normalizeH="0" baseline="0" noProof="0" dirty="0">
-                <a:ln>
-                  <a:noFill/>
-                </a:ln>
-                <a:solidFill>
-                  <a:srgbClr val="D0DAF5"/>
-                </a:solidFill>
-                <a:effectLst/>
-                <a:uLnTx/>
-                <a:uFillTx/>
-                <a:latin typeface="LINE Seed Sans KR Regular"/>
-                <a:cs typeface="+mn-cs"/>
-              </a:rPr>
-              <a:t> </a:t>
-            </a:r>
-            <a:r>
-              <a:rPr kumimoji="0" lang="ko-KR" altLang="en-US" sz="2200" b="0" i="0" u="sng" strike="noStrike" kern="1200" cap="none" spc="-100" normalizeH="0" baseline="0" noProof="0" dirty="0">
-                <a:ln>
-                  <a:noFill/>
-                </a:ln>
-                <a:solidFill>
-                  <a:srgbClr val="D0DAF5"/>
-                </a:solidFill>
-                <a:effectLst/>
-                <a:uLnTx/>
-                <a:uFillTx/>
-                <a:latin typeface="Calibri"/>
-                <a:ea typeface="LINE Seed Sans KR Regular"/>
-                <a:cs typeface="+mn-cs"/>
-              </a:rPr>
-              <a:t>취소</a:t>
-            </a:r>
-          </a:p>
-        </p:txBody>
-      </p:sp>
-    </p:spTree>
-    <p:extLst>
-      <p:ext uri="{BB962C8B-B14F-4D97-AF65-F5344CB8AC3E}">
-        <p14:creationId xmlns:p14="http://schemas.microsoft.com/office/powerpoint/2010/main" val="2134730281"/>
-      </p:ext>
-    </p:extLst>
-  </p:cSld>
-  <p:clrMapOvr>
-    <a:masterClrMapping/>
-  </p:clrMapOvr>
-</p:sld>
-</file>
-
-<file path=ppt/slides/slide11.xml><?xml version="1.0" encoding="utf-8"?>
-<p:sld xmlns:a="http://schemas.openxmlformats.org/drawingml/2006/main" xmlns:r="http://schemas.openxmlformats.org/officeDocument/2006/relationships" xmlns:p="http://schemas.openxmlformats.org/presentationml/2006/main">
-  <p:cSld>
-    <p:bg>
-      <p:bgPr>
-        <a:solidFill>
-          <a:srgbClr val="334D74"/>
-        </a:solidFill>
-        <a:effectLst/>
-      </p:bgPr>
-    </p:bg>
-    <p:spTree>
-      <p:nvGrpSpPr>
-        <p:cNvPr id="1" name=""/>
-        <p:cNvGrpSpPr/>
-        <p:nvPr/>
-      </p:nvGrpSpPr>
-      <p:grpSpPr>
-        <a:xfrm>
-          <a:off x="0" y="0"/>
-          <a:ext cx="0" cy="0"/>
-          <a:chOff x="0" y="0"/>
-          <a:chExt cx="0" cy="0"/>
-        </a:xfrm>
-      </p:grpSpPr>
-      <p:pic>
-        <p:nvPicPr>
-          <p:cNvPr id="2" name="Picture 2"/>
-          <p:cNvPicPr>
-            <a:picLocks noChangeAspect="1"/>
-          </p:cNvPicPr>
-          <p:nvPr/>
-        </p:nvPicPr>
-        <p:blipFill>
-          <a:blip r:embed="rId2">
-            <a:alphaModFix amt="70000"/>
-          </a:blip>
-          <a:stretch>
-            <a:fillRect/>
-          </a:stretch>
-        </p:blipFill>
-        <p:spPr>
-          <a:xfrm>
-            <a:off x="0" y="0"/>
-            <a:ext cx="482600" cy="736600"/>
-          </a:xfrm>
-          <a:prstGeom prst="rect">
-            <a:avLst/>
-          </a:prstGeom>
-        </p:spPr>
-      </p:pic>
       <p:grpSp>
         <p:nvGrpSpPr>
           <p:cNvPr id="3" name="Group 3"/>
@@ -9873,7 +7618,7 @@
 </p:sld>
 </file>
 
-<file path=ppt/slides/slide12.xml><?xml version="1.0" encoding="utf-8"?>
+<file path=ppt/slides/slide11.xml><?xml version="1.0" encoding="utf-8"?>
 <p:sld xmlns:a="http://schemas.openxmlformats.org/drawingml/2006/main" xmlns:r="http://schemas.openxmlformats.org/officeDocument/2006/relationships" xmlns:p="http://schemas.openxmlformats.org/presentationml/2006/main">
   <p:cSld>
     <p:bg>
@@ -11511,7 +9256,7 @@
 </p:sld>
 </file>
 
-<file path=ppt/slides/slide13.xml><?xml version="1.0" encoding="utf-8"?>
+<file path=ppt/slides/slide12.xml><?xml version="1.0" encoding="utf-8"?>
 <p:sld xmlns:a="http://schemas.openxmlformats.org/drawingml/2006/main" xmlns:r="http://schemas.openxmlformats.org/officeDocument/2006/relationships" xmlns:p="http://schemas.openxmlformats.org/presentationml/2006/main">
   <p:cSld>
     <p:bg>
@@ -13040,7 +10785,7 @@
 </p:sld>
 </file>
 
-<file path=ppt/slides/slide14.xml><?xml version="1.0" encoding="utf-8"?>
+<file path=ppt/slides/slide13.xml><?xml version="1.0" encoding="utf-8"?>
 <p:sld xmlns:a="http://schemas.openxmlformats.org/drawingml/2006/main" xmlns:r="http://schemas.openxmlformats.org/officeDocument/2006/relationships" xmlns:p="http://schemas.openxmlformats.org/presentationml/2006/main">
   <p:cSld>
     <p:bg>
@@ -13659,109 +11404,13 @@
       </p:sp>
       <p:sp>
         <p:nvSpPr>
-          <p:cNvPr id="10" name="TextBox 10"/>
-          <p:cNvSpPr txBox="1"/>
-          <p:nvPr/>
-        </p:nvSpPr>
-        <p:spPr bwMode="blackWhite">
-          <a:xfrm>
-            <a:off x="8661400" y="3541473"/>
-            <a:ext cx="8483600" cy="508000"/>
-          </a:xfrm>
-          <a:prstGeom prst="rect">
-            <a:avLst/>
-          </a:prstGeom>
-        </p:spPr>
-        <p:txBody>
-          <a:bodyPr lIns="0" tIns="0" rIns="0" bIns="0" rtlCol="0" anchor="ctr"/>
-          <a:lstStyle/>
-          <a:p>
-            <a:pPr lvl="0">
-              <a:lnSpc>
-                <a:spcPct val="99600"/>
-              </a:lnSpc>
-            </a:pPr>
-            <a:r>
-              <a:rPr lang="en-US" altLang="ko-KR" sz="3200" spc="-100" dirty="0" smtClean="0">
-                <a:solidFill>
-                  <a:srgbClr val="FFFDF6"/>
-                </a:solidFill>
-                <a:ea typeface="Hallym Gothic Regular"/>
-              </a:rPr>
-              <a:t>SWOT</a:t>
-            </a:r>
-            <a:r>
-              <a:rPr lang="ko-KR" altLang="en-US" sz="2900" spc="-100" dirty="0" smtClean="0">
-                <a:solidFill>
-                  <a:srgbClr val="FFFDF6"/>
-                </a:solidFill>
-                <a:ea typeface="Hallym Gothic Regular"/>
-              </a:rPr>
-              <a:t>  분석</a:t>
-            </a:r>
-            <a:r>
-              <a:rPr lang="en-US" altLang="ko-KR" sz="2900" spc="-100" dirty="0" smtClean="0">
-                <a:solidFill>
-                  <a:srgbClr val="FFFDF6"/>
-                </a:solidFill>
-                <a:ea typeface="Hallym Gothic Regular"/>
-              </a:rPr>
-              <a:t> </a:t>
-            </a:r>
-            <a:endParaRPr lang="ko-KR" altLang="en-US" sz="2900" spc="-100" dirty="0">
-              <a:solidFill>
-                <a:srgbClr val="FFFDF6"/>
-              </a:solidFill>
-              <a:ea typeface="Hallym Gothic Regular"/>
-            </a:endParaRPr>
-          </a:p>
-        </p:txBody>
-      </p:sp>
-      <p:sp>
-        <p:nvSpPr>
-          <p:cNvPr id="11" name="TextBox 11"/>
-          <p:cNvSpPr txBox="1"/>
-          <p:nvPr/>
-        </p:nvSpPr>
-        <p:spPr>
-          <a:xfrm>
-            <a:off x="7734300" y="3522423"/>
-            <a:ext cx="762000" cy="571500"/>
-          </a:xfrm>
-          <a:prstGeom prst="rect">
-            <a:avLst/>
-          </a:prstGeom>
-        </p:spPr>
-        <p:txBody>
-          <a:bodyPr lIns="0" tIns="0" rIns="0" bIns="0" rtlCol="0" anchor="ctr"/>
-          <a:lstStyle/>
-          <a:p>
-            <a:pPr lvl="0" algn="l">
-              <a:lnSpc>
-                <a:spcPct val="99600"/>
-              </a:lnSpc>
-            </a:pPr>
-            <a:r>
-              <a:rPr lang="en-US" sz="3200" b="0" i="0" u="none" strike="noStrike" spc="-200">
-                <a:solidFill>
-                  <a:srgbClr val="FFFDF6"/>
-                </a:solidFill>
-                <a:latin typeface="Hallym Gothic Bold"/>
-              </a:rPr>
-              <a:t>02.</a:t>
-            </a:r>
-          </a:p>
-        </p:txBody>
-      </p:sp>
-      <p:sp>
-        <p:nvSpPr>
           <p:cNvPr id="12" name="TextBox 12"/>
           <p:cNvSpPr txBox="1"/>
           <p:nvPr/>
         </p:nvSpPr>
         <p:spPr bwMode="blackWhite">
           <a:xfrm>
-            <a:off x="8698059" y="7658772"/>
+            <a:off x="8680314" y="6268734"/>
             <a:ext cx="8483600" cy="508000"/>
           </a:xfrm>
           <a:prstGeom prst="rect">
@@ -13797,7 +11446,7 @@
         </p:nvSpPr>
         <p:spPr>
           <a:xfrm>
-            <a:off x="7734300" y="4849487"/>
+            <a:off x="7734300" y="3448223"/>
             <a:ext cx="762000" cy="571500"/>
           </a:xfrm>
           <a:prstGeom prst="rect">
@@ -13814,14 +11463,20 @@
               </a:lnSpc>
             </a:pPr>
             <a:r>
-              <a:rPr lang="en-US" sz="3200" b="0" i="0" u="none" strike="noStrike" spc="-200" dirty="0">
+              <a:rPr lang="en-US" sz="3200" b="0" i="0" u="none" strike="noStrike" spc="-200" dirty="0" smtClean="0">
                 <a:solidFill>
                   <a:srgbClr val="FFFDF6"/>
                 </a:solidFill>
                 <a:latin typeface="Hallym Gothic Bold"/>
               </a:rPr>
-              <a:t>03.</a:t>
-            </a:r>
+              <a:t>02.</a:t>
+            </a:r>
+            <a:endParaRPr lang="en-US" sz="3200" b="0" i="0" u="none" strike="noStrike" spc="-200" dirty="0">
+              <a:solidFill>
+                <a:srgbClr val="FFFDF6"/>
+              </a:solidFill>
+              <a:latin typeface="Hallym Gothic Bold"/>
+            </a:endParaRPr>
           </a:p>
         </p:txBody>
       </p:sp>
@@ -13833,7 +11488,7 @@
         </p:nvSpPr>
         <p:spPr bwMode="blackWhite">
           <a:xfrm>
-            <a:off x="8674100" y="4881237"/>
+            <a:off x="8674100" y="3479973"/>
             <a:ext cx="8483600" cy="508000"/>
           </a:xfrm>
           <a:prstGeom prst="rect">
@@ -13875,7 +11530,7 @@
         </p:nvSpPr>
         <p:spPr>
           <a:xfrm>
-            <a:off x="7755177" y="7658772"/>
+            <a:off x="7737432" y="6268734"/>
             <a:ext cx="762000" cy="571500"/>
           </a:xfrm>
           <a:prstGeom prst="rect">
@@ -13898,7 +11553,7 @@
                 </a:solidFill>
                 <a:latin typeface="Hallym Gothic Bold"/>
               </a:rPr>
-              <a:t>05.</a:t>
+              <a:t>04.</a:t>
             </a:r>
             <a:endParaRPr lang="en-US" sz="3200" b="0" i="0" u="none" strike="noStrike" spc="-200" dirty="0">
               <a:solidFill>
@@ -13917,7 +11572,7 @@
         </p:nvSpPr>
         <p:spPr bwMode="blackWhite">
           <a:xfrm>
-            <a:off x="8691671" y="9126735"/>
+            <a:off x="8652179" y="7727171"/>
             <a:ext cx="8483600" cy="508000"/>
           </a:xfrm>
           <a:prstGeom prst="rect">
@@ -13953,7 +11608,7 @@
         </p:nvSpPr>
         <p:spPr>
           <a:xfrm>
-            <a:off x="7785448" y="9101596"/>
+            <a:off x="7745956" y="7702032"/>
             <a:ext cx="762000" cy="571500"/>
           </a:xfrm>
           <a:prstGeom prst="rect">
@@ -13976,7 +11631,7 @@
                 </a:solidFill>
                 <a:latin typeface="Hallym Gothic Bold"/>
               </a:rPr>
-              <a:t>06.</a:t>
+              <a:t>05.</a:t>
             </a:r>
             <a:endParaRPr lang="en-US" sz="3200" b="0" i="0" u="none" strike="noStrike" spc="-200" dirty="0">
               <a:solidFill>
@@ -14041,7 +11696,7 @@
         </p:nvSpPr>
         <p:spPr>
           <a:xfrm>
-            <a:off x="7758259" y="6223629"/>
+            <a:off x="7734300" y="4760584"/>
             <a:ext cx="762000" cy="571500"/>
           </a:xfrm>
           <a:prstGeom prst="rect">
@@ -14064,7 +11719,7 @@
                 </a:solidFill>
                 <a:latin typeface="Hallym Gothic Bold"/>
               </a:rPr>
-              <a:t>04.</a:t>
+              <a:t>03.</a:t>
             </a:r>
             <a:endParaRPr lang="en-US" sz="3200" b="0" i="0" u="none" strike="noStrike" spc="-200" dirty="0">
               <a:solidFill>
@@ -14083,7 +11738,7 @@
         </p:nvSpPr>
         <p:spPr bwMode="blackWhite">
           <a:xfrm>
-            <a:off x="8698059" y="6255379"/>
+            <a:off x="8674100" y="4792334"/>
             <a:ext cx="8483600" cy="508000"/>
           </a:xfrm>
           <a:prstGeom prst="rect">
@@ -14866,1772 +12521,6 @@
             <a:fillRect/>
           </a:stretch>
         </p:blipFill>
-        <p:spPr>
-          <a:xfrm>
-            <a:off x="0" y="0"/>
-            <a:ext cx="18288000" cy="10287000"/>
-          </a:xfrm>
-          <a:prstGeom prst="rect">
-            <a:avLst/>
-          </a:prstGeom>
-        </p:spPr>
-      </p:pic>
-      <p:pic>
-        <p:nvPicPr>
-          <p:cNvPr id="4" name="Picture 4"/>
-          <p:cNvPicPr>
-            <a:picLocks noChangeAspect="1"/>
-          </p:cNvPicPr>
-          <p:nvPr/>
-        </p:nvPicPr>
-        <p:blipFill>
-          <a:blip r:embed="rId3">
-            <a:alphaModFix amt="70000"/>
-          </a:blip>
-          <a:stretch>
-            <a:fillRect/>
-          </a:stretch>
-        </p:blipFill>
-        <p:spPr>
-          <a:xfrm>
-            <a:off x="10452100" y="-1333500"/>
-            <a:ext cx="2971800" cy="2971800"/>
-          </a:xfrm>
-          <a:prstGeom prst="rect">
-            <a:avLst/>
-          </a:prstGeom>
-        </p:spPr>
-      </p:pic>
-      <p:sp>
-        <p:nvSpPr>
-          <p:cNvPr id="5" name="TextBox 5"/>
-          <p:cNvSpPr txBox="1"/>
-          <p:nvPr/>
-        </p:nvSpPr>
-        <p:spPr>
-          <a:xfrm>
-            <a:off x="2038350" y="768350"/>
-            <a:ext cx="14211300" cy="1155700"/>
-          </a:xfrm>
-          <a:prstGeom prst="rect">
-            <a:avLst/>
-          </a:prstGeom>
-        </p:spPr>
-        <p:txBody>
-          <a:bodyPr lIns="0" tIns="0" rIns="0" bIns="0" rtlCol="0" anchor="b"/>
-          <a:lstStyle/>
-          <a:p>
-            <a:pPr lvl="0" algn="l">
-              <a:lnSpc>
-                <a:spcPct val="99600"/>
-              </a:lnSpc>
-            </a:pPr>
-            <a:r>
-              <a:rPr lang="en-US" sz="7200" b="0" i="0" u="none" strike="noStrike" spc="-200" dirty="0">
-                <a:solidFill>
-                  <a:srgbClr val="133D78"/>
-                </a:solidFill>
-                <a:latin typeface="Pretendard Bold" panose="02000803000000020004" pitchFamily="2" charset="-127"/>
-                <a:ea typeface="Pretendard Bold" panose="02000803000000020004" pitchFamily="2" charset="-127"/>
-                <a:cs typeface="Pretendard Bold" panose="02000803000000020004" pitchFamily="2" charset="-127"/>
-              </a:rPr>
-              <a:t>SWOT</a:t>
-            </a:r>
-            <a:r>
-              <a:rPr lang="en-US" sz="7200" b="0" i="0" u="none" strike="noStrike" spc="-200" dirty="0">
-                <a:solidFill>
-                  <a:srgbClr val="334D74"/>
-                </a:solidFill>
-                <a:latin typeface="Pretendard Bold" panose="02000803000000020004" pitchFamily="2" charset="-127"/>
-                <a:ea typeface="Pretendard Bold" panose="02000803000000020004" pitchFamily="2" charset="-127"/>
-                <a:cs typeface="Pretendard Bold" panose="02000803000000020004" pitchFamily="2" charset="-127"/>
-              </a:rPr>
-              <a:t> </a:t>
-            </a:r>
-            <a:r>
-              <a:rPr lang="ko-KR" sz="7200" b="0" i="0" u="none" strike="noStrike" spc="-200" dirty="0">
-                <a:solidFill>
-                  <a:srgbClr val="133D78"/>
-                </a:solidFill>
-                <a:latin typeface="Pretendard Bold" panose="02000803000000020004" pitchFamily="2" charset="-127"/>
-                <a:ea typeface="Pretendard Bold" panose="02000803000000020004" pitchFamily="2" charset="-127"/>
-                <a:cs typeface="Pretendard Bold" panose="02000803000000020004" pitchFamily="2" charset="-127"/>
-              </a:rPr>
-              <a:t>분석</a:t>
-            </a:r>
-          </a:p>
-        </p:txBody>
-      </p:sp>
-      <p:pic>
-        <p:nvPicPr>
-          <p:cNvPr id="6" name="Picture 6"/>
-          <p:cNvPicPr>
-            <a:picLocks noChangeAspect="1"/>
-          </p:cNvPicPr>
-          <p:nvPr/>
-        </p:nvPicPr>
-        <p:blipFill>
-          <a:blip r:embed="rId4"/>
-          <a:stretch>
-            <a:fillRect/>
-          </a:stretch>
-        </p:blipFill>
-        <p:spPr>
-          <a:xfrm>
-            <a:off x="876300" y="2562225"/>
-            <a:ext cx="7658100" cy="3403600"/>
-          </a:xfrm>
-          <a:prstGeom prst="rect">
-            <a:avLst/>
-          </a:prstGeom>
-        </p:spPr>
-      </p:pic>
-      <p:sp>
-        <p:nvSpPr>
-          <p:cNvPr id="7" name="TextBox 7"/>
-          <p:cNvSpPr txBox="1"/>
-          <p:nvPr/>
-        </p:nvSpPr>
-        <p:spPr>
-          <a:xfrm>
-            <a:off x="5124450" y="2711450"/>
-            <a:ext cx="7073900" cy="533400"/>
-          </a:xfrm>
-          <a:prstGeom prst="rect">
-            <a:avLst/>
-          </a:prstGeom>
-        </p:spPr>
-        <p:txBody>
-          <a:bodyPr lIns="0" tIns="0" rIns="0" bIns="0" rtlCol="0" anchor="b"/>
-          <a:lstStyle/>
-          <a:p>
-            <a:pPr lvl="0" algn="l">
-              <a:lnSpc>
-                <a:spcPct val="99600"/>
-              </a:lnSpc>
-            </a:pPr>
-            <a:r>
-              <a:rPr lang="ko-KR" sz="3600" b="1" i="0" u="none" strike="noStrike" dirty="0">
-                <a:solidFill>
-                  <a:srgbClr val="173460"/>
-                </a:solidFill>
-                <a:latin typeface="Pretendard Bold" panose="02000803000000020004" pitchFamily="2" charset="-127"/>
-                <a:ea typeface="Pretendard Bold" panose="02000803000000020004" pitchFamily="2" charset="-127"/>
-                <a:cs typeface="Pretendard Bold" panose="02000803000000020004" pitchFamily="2" charset="-127"/>
-              </a:rPr>
-              <a:t>강점</a:t>
-            </a:r>
-            <a:r>
-              <a:rPr lang="en-US" sz="3600" b="1" i="0" u="none" strike="noStrike" dirty="0">
-                <a:solidFill>
-                  <a:srgbClr val="173460"/>
-                </a:solidFill>
-                <a:latin typeface="Pretendard Bold" panose="02000803000000020004" pitchFamily="2" charset="-127"/>
-                <a:ea typeface="Pretendard Bold" panose="02000803000000020004" pitchFamily="2" charset="-127"/>
-                <a:cs typeface="Pretendard Bold" panose="02000803000000020004" pitchFamily="2" charset="-127"/>
-              </a:rPr>
-              <a:t> (Strength)</a:t>
-            </a:r>
-          </a:p>
-        </p:txBody>
-      </p:sp>
-      <p:sp>
-        <p:nvSpPr>
-          <p:cNvPr id="8" name="TextBox 8"/>
-          <p:cNvSpPr txBox="1"/>
-          <p:nvPr/>
-        </p:nvSpPr>
-        <p:spPr>
-          <a:xfrm>
-            <a:off x="1905000" y="3508375"/>
-            <a:ext cx="6343650" cy="2193925"/>
-          </a:xfrm>
-          <a:prstGeom prst="rect">
-            <a:avLst/>
-          </a:prstGeom>
-        </p:spPr>
-        <p:txBody>
-          <a:bodyPr lIns="0" tIns="0" rIns="0" bIns="0" rtlCol="0" anchor="t"/>
-          <a:lstStyle/>
-          <a:p>
-            <a:pPr lvl="0" algn="l">
-              <a:lnSpc>
-                <a:spcPct val="116199"/>
-              </a:lnSpc>
-            </a:pPr>
-            <a:r>
-              <a:rPr lang="en-US" sz="2200" b="0" i="0" u="none" strike="noStrike" spc="-100" dirty="0">
-                <a:solidFill>
-                  <a:srgbClr val="173460"/>
-                </a:solidFill>
-                <a:latin typeface="Pretendard Bold" panose="02000803000000020004" pitchFamily="2" charset="-127"/>
-                <a:ea typeface="Pretendard Bold" panose="02000803000000020004" pitchFamily="2" charset="-127"/>
-                <a:cs typeface="Pretendard Bold" panose="02000803000000020004" pitchFamily="2" charset="-127"/>
-              </a:rPr>
-              <a:t>- </a:t>
-            </a:r>
-            <a:r>
-              <a:rPr lang="ko-KR" sz="2200" b="0" i="0" u="none" strike="noStrike" spc="-100" dirty="0">
-                <a:solidFill>
-                  <a:srgbClr val="173460"/>
-                </a:solidFill>
-                <a:latin typeface="Pretendard Bold" panose="02000803000000020004" pitchFamily="2" charset="-127"/>
-                <a:ea typeface="Pretendard Bold" panose="02000803000000020004" pitchFamily="2" charset="-127"/>
-                <a:cs typeface="Pretendard Bold" panose="02000803000000020004" pitchFamily="2" charset="-127"/>
-              </a:rPr>
-              <a:t>저렴한</a:t>
-            </a:r>
-            <a:r>
-              <a:rPr lang="en-US" sz="2200" b="0" i="0" u="none" strike="noStrike" spc="-100" dirty="0">
-                <a:solidFill>
-                  <a:srgbClr val="173460"/>
-                </a:solidFill>
-                <a:latin typeface="Pretendard Bold" panose="02000803000000020004" pitchFamily="2" charset="-127"/>
-                <a:ea typeface="Pretendard Bold" panose="02000803000000020004" pitchFamily="2" charset="-127"/>
-                <a:cs typeface="Pretendard Bold" panose="02000803000000020004" pitchFamily="2" charset="-127"/>
-              </a:rPr>
-              <a:t> </a:t>
-            </a:r>
-            <a:r>
-              <a:rPr lang="ko-KR" sz="2800" b="0" i="0" u="none" strike="noStrike" spc="-100" dirty="0">
-                <a:solidFill>
-                  <a:srgbClr val="173460"/>
-                </a:solidFill>
-                <a:latin typeface="Pretendard Bold" panose="02000803000000020004" pitchFamily="2" charset="-127"/>
-                <a:ea typeface="Pretendard Bold" panose="02000803000000020004" pitchFamily="2" charset="-127"/>
-                <a:cs typeface="Pretendard Bold" panose="02000803000000020004" pitchFamily="2" charset="-127"/>
-              </a:rPr>
-              <a:t>가격</a:t>
-            </a:r>
-          </a:p>
-          <a:p>
-            <a:pPr lvl="0" algn="l">
-              <a:lnSpc>
-                <a:spcPct val="116199"/>
-              </a:lnSpc>
-            </a:pPr>
-            <a:r>
-              <a:rPr lang="en-US" sz="2200" b="0" i="0" u="none" strike="noStrike" spc="-100" dirty="0">
-                <a:solidFill>
-                  <a:srgbClr val="173460"/>
-                </a:solidFill>
-                <a:latin typeface="Pretendard Bold" panose="02000803000000020004" pitchFamily="2" charset="-127"/>
-                <a:ea typeface="Pretendard Bold" panose="02000803000000020004" pitchFamily="2" charset="-127"/>
-                <a:cs typeface="Pretendard Bold" panose="02000803000000020004" pitchFamily="2" charset="-127"/>
-              </a:rPr>
-              <a:t>- </a:t>
-            </a:r>
-            <a:r>
-              <a:rPr lang="ko-KR" sz="2200" b="0" i="0" u="none" strike="noStrike" spc="-100" dirty="0">
-                <a:solidFill>
-                  <a:srgbClr val="173460"/>
-                </a:solidFill>
-                <a:latin typeface="Pretendard Bold" panose="02000803000000020004" pitchFamily="2" charset="-127"/>
-                <a:ea typeface="Pretendard Bold" panose="02000803000000020004" pitchFamily="2" charset="-127"/>
-                <a:cs typeface="Pretendard Bold" panose="02000803000000020004" pitchFamily="2" charset="-127"/>
-              </a:rPr>
-              <a:t>편리한</a:t>
-            </a:r>
-            <a:r>
-              <a:rPr lang="en-US" sz="2200" b="0" i="0" u="none" strike="noStrike" spc="-100" dirty="0">
-                <a:solidFill>
-                  <a:srgbClr val="173460"/>
-                </a:solidFill>
-                <a:latin typeface="Pretendard Bold" panose="02000803000000020004" pitchFamily="2" charset="-127"/>
-                <a:ea typeface="Pretendard Bold" panose="02000803000000020004" pitchFamily="2" charset="-127"/>
-                <a:cs typeface="Pretendard Bold" panose="02000803000000020004" pitchFamily="2" charset="-127"/>
-              </a:rPr>
-              <a:t> </a:t>
-            </a:r>
-            <a:r>
-              <a:rPr lang="ko-KR" sz="2800" b="0" i="0" u="none" strike="noStrike" spc="-100" dirty="0">
-                <a:solidFill>
-                  <a:srgbClr val="173460"/>
-                </a:solidFill>
-                <a:latin typeface="Pretendard Bold" panose="02000803000000020004" pitchFamily="2" charset="-127"/>
-                <a:ea typeface="Pretendard Bold" panose="02000803000000020004" pitchFamily="2" charset="-127"/>
-                <a:cs typeface="Pretendard Bold" panose="02000803000000020004" pitchFamily="2" charset="-127"/>
-              </a:rPr>
-              <a:t>서비스</a:t>
-            </a:r>
-          </a:p>
-          <a:p>
-            <a:pPr lvl="0" algn="l">
-              <a:lnSpc>
-                <a:spcPct val="116199"/>
-              </a:lnSpc>
-            </a:pPr>
-            <a:r>
-              <a:rPr lang="en-US" sz="2200" b="0" i="0" u="none" strike="noStrike" spc="-100" dirty="0">
-                <a:solidFill>
-                  <a:srgbClr val="173460"/>
-                </a:solidFill>
-                <a:latin typeface="Pretendard Bold" panose="02000803000000020004" pitchFamily="2" charset="-127"/>
-                <a:ea typeface="Pretendard Bold" panose="02000803000000020004" pitchFamily="2" charset="-127"/>
-                <a:cs typeface="Pretendard Bold" panose="02000803000000020004" pitchFamily="2" charset="-127"/>
-              </a:rPr>
-              <a:t>- </a:t>
-            </a:r>
-            <a:r>
-              <a:rPr lang="ko-KR" sz="2800" b="0" i="0" u="none" strike="noStrike" spc="-100" dirty="0">
-                <a:solidFill>
-                  <a:srgbClr val="173460"/>
-                </a:solidFill>
-                <a:latin typeface="Pretendard Bold" panose="02000803000000020004" pitchFamily="2" charset="-127"/>
-                <a:ea typeface="Pretendard Bold" panose="02000803000000020004" pitchFamily="2" charset="-127"/>
-                <a:cs typeface="Pretendard Bold" panose="02000803000000020004" pitchFamily="2" charset="-127"/>
-              </a:rPr>
-              <a:t>다양한</a:t>
-            </a:r>
-            <a:r>
-              <a:rPr lang="en-US" sz="2800" b="0" i="0" u="none" strike="noStrike" spc="-100" dirty="0">
-                <a:solidFill>
-                  <a:srgbClr val="173460"/>
-                </a:solidFill>
-                <a:latin typeface="Pretendard Bold" panose="02000803000000020004" pitchFamily="2" charset="-127"/>
-                <a:ea typeface="Pretendard Bold" panose="02000803000000020004" pitchFamily="2" charset="-127"/>
-                <a:cs typeface="Pretendard Bold" panose="02000803000000020004" pitchFamily="2" charset="-127"/>
-              </a:rPr>
-              <a:t> </a:t>
-            </a:r>
-            <a:r>
-              <a:rPr lang="ko-KR" sz="2800" b="0" i="0" u="none" strike="noStrike" spc="-100" dirty="0">
-                <a:solidFill>
-                  <a:srgbClr val="173460"/>
-                </a:solidFill>
-                <a:latin typeface="Pretendard Bold" panose="02000803000000020004" pitchFamily="2" charset="-127"/>
-                <a:ea typeface="Pretendard Bold" panose="02000803000000020004" pitchFamily="2" charset="-127"/>
-                <a:cs typeface="Pretendard Bold" panose="02000803000000020004" pitchFamily="2" charset="-127"/>
-              </a:rPr>
-              <a:t>서비스</a:t>
-            </a:r>
-            <a:r>
-              <a:rPr lang="en-US" sz="2800" b="0" i="0" u="none" strike="noStrike" spc="-100" dirty="0">
-                <a:solidFill>
-                  <a:srgbClr val="173460"/>
-                </a:solidFill>
-                <a:latin typeface="Pretendard Bold" panose="02000803000000020004" pitchFamily="2" charset="-127"/>
-                <a:ea typeface="Pretendard Bold" panose="02000803000000020004" pitchFamily="2" charset="-127"/>
-                <a:cs typeface="Pretendard Bold" panose="02000803000000020004" pitchFamily="2" charset="-127"/>
-              </a:rPr>
-              <a:t> </a:t>
-            </a:r>
-            <a:r>
-              <a:rPr lang="ko-KR" sz="2200" b="0" i="0" u="none" strike="noStrike" spc="-100" dirty="0">
-                <a:solidFill>
-                  <a:srgbClr val="173460"/>
-                </a:solidFill>
-                <a:latin typeface="Pretendard Bold" panose="02000803000000020004" pitchFamily="2" charset="-127"/>
-                <a:ea typeface="Pretendard Bold" panose="02000803000000020004" pitchFamily="2" charset="-127"/>
-                <a:cs typeface="Pretendard Bold" panose="02000803000000020004" pitchFamily="2" charset="-127"/>
-              </a:rPr>
-              <a:t>제공</a:t>
-            </a:r>
-          </a:p>
-          <a:p>
-            <a:pPr lvl="0" algn="l">
-              <a:lnSpc>
-                <a:spcPct val="116199"/>
-              </a:lnSpc>
-            </a:pPr>
-            <a:r>
-              <a:rPr lang="en-US" sz="2200" b="0" i="0" u="none" strike="noStrike" spc="-100" dirty="0">
-                <a:solidFill>
-                  <a:srgbClr val="173460"/>
-                </a:solidFill>
-                <a:latin typeface="Pretendard Bold" panose="02000803000000020004" pitchFamily="2" charset="-127"/>
-                <a:ea typeface="Pretendard Bold" panose="02000803000000020004" pitchFamily="2" charset="-127"/>
-                <a:cs typeface="Pretendard Bold" panose="02000803000000020004" pitchFamily="2" charset="-127"/>
-              </a:rPr>
-              <a:t>- </a:t>
-            </a:r>
-            <a:r>
-              <a:rPr lang="ko-KR" sz="2800" b="0" i="0" u="none" strike="noStrike" spc="-100" dirty="0" smtClean="0">
-                <a:solidFill>
-                  <a:srgbClr val="173460"/>
-                </a:solidFill>
-                <a:latin typeface="Pretendard Bold" panose="02000803000000020004" pitchFamily="2" charset="-127"/>
-                <a:ea typeface="Pretendard Bold" panose="02000803000000020004" pitchFamily="2" charset="-127"/>
-                <a:cs typeface="Pretendard Bold" panose="02000803000000020004" pitchFamily="2" charset="-127"/>
-              </a:rPr>
-              <a:t>모듈화</a:t>
-            </a:r>
-            <a:r>
-              <a:rPr lang="en-US" altLang="ko-KR" sz="2800" b="0" i="0" u="none" strike="noStrike" spc="-100" dirty="0" smtClean="0">
-                <a:solidFill>
-                  <a:srgbClr val="173460"/>
-                </a:solidFill>
-                <a:latin typeface="Pretendard Bold" panose="02000803000000020004" pitchFamily="2" charset="-127"/>
-                <a:ea typeface="Pretendard Bold" panose="02000803000000020004" pitchFamily="2" charset="-127"/>
-                <a:cs typeface="Pretendard Bold" panose="02000803000000020004" pitchFamily="2" charset="-127"/>
-              </a:rPr>
-              <a:t> </a:t>
-            </a:r>
-            <a:r>
-              <a:rPr lang="ko-KR" sz="2200" b="0" i="0" u="none" strike="noStrike" spc="-100" dirty="0" smtClean="0">
-                <a:solidFill>
-                  <a:srgbClr val="173460"/>
-                </a:solidFill>
-                <a:latin typeface="Pretendard Bold" panose="02000803000000020004" pitchFamily="2" charset="-127"/>
-                <a:ea typeface="Pretendard Bold" panose="02000803000000020004" pitchFamily="2" charset="-127"/>
-                <a:cs typeface="Pretendard Bold" panose="02000803000000020004" pitchFamily="2" charset="-127"/>
-              </a:rPr>
-              <a:t>된</a:t>
-            </a:r>
-            <a:r>
-              <a:rPr lang="en-US" sz="2200" b="0" i="0" u="none" strike="noStrike" spc="-100" dirty="0" smtClean="0">
-                <a:solidFill>
-                  <a:srgbClr val="173460"/>
-                </a:solidFill>
-                <a:latin typeface="Pretendard Bold" panose="02000803000000020004" pitchFamily="2" charset="-127"/>
-                <a:ea typeface="Pretendard Bold" panose="02000803000000020004" pitchFamily="2" charset="-127"/>
-                <a:cs typeface="Pretendard Bold" panose="02000803000000020004" pitchFamily="2" charset="-127"/>
-              </a:rPr>
-              <a:t> </a:t>
-            </a:r>
-            <a:r>
-              <a:rPr lang="ko-KR" sz="2200" b="0" i="0" u="none" strike="noStrike" spc="-100" dirty="0">
-                <a:solidFill>
-                  <a:srgbClr val="173460"/>
-                </a:solidFill>
-                <a:latin typeface="Pretendard Bold" panose="02000803000000020004" pitchFamily="2" charset="-127"/>
-                <a:ea typeface="Pretendard Bold" panose="02000803000000020004" pitchFamily="2" charset="-127"/>
-                <a:cs typeface="Pretendard Bold" panose="02000803000000020004" pitchFamily="2" charset="-127"/>
-              </a:rPr>
-              <a:t>관리</a:t>
-            </a:r>
-            <a:r>
-              <a:rPr lang="en-US" sz="2200" b="0" i="0" u="none" strike="noStrike" spc="-100" dirty="0">
-                <a:solidFill>
-                  <a:srgbClr val="173460"/>
-                </a:solidFill>
-                <a:latin typeface="Pretendard Bold" panose="02000803000000020004" pitchFamily="2" charset="-127"/>
-                <a:ea typeface="Pretendard Bold" panose="02000803000000020004" pitchFamily="2" charset="-127"/>
-                <a:cs typeface="Pretendard Bold" panose="02000803000000020004" pitchFamily="2" charset="-127"/>
-              </a:rPr>
-              <a:t> </a:t>
-            </a:r>
-            <a:r>
-              <a:rPr lang="ko-KR" sz="2200" b="0" i="0" u="none" strike="noStrike" spc="-100" dirty="0">
-                <a:solidFill>
-                  <a:srgbClr val="173460"/>
-                </a:solidFill>
-                <a:latin typeface="Pretendard Bold" panose="02000803000000020004" pitchFamily="2" charset="-127"/>
-                <a:ea typeface="Pretendard Bold" panose="02000803000000020004" pitchFamily="2" charset="-127"/>
-                <a:cs typeface="Pretendard Bold" panose="02000803000000020004" pitchFamily="2" charset="-127"/>
-              </a:rPr>
-              <a:t>시스템</a:t>
-            </a:r>
-          </a:p>
-        </p:txBody>
-      </p:sp>
-      <p:pic>
-        <p:nvPicPr>
-          <p:cNvPr id="9" name="Picture 9"/>
-          <p:cNvPicPr>
-            <a:picLocks noChangeAspect="1"/>
-          </p:cNvPicPr>
-          <p:nvPr/>
-        </p:nvPicPr>
-        <p:blipFill>
-          <a:blip r:embed="rId4"/>
-          <a:stretch>
-            <a:fillRect/>
-          </a:stretch>
-        </p:blipFill>
-        <p:spPr>
-          <a:xfrm>
-            <a:off x="876300" y="6299200"/>
-            <a:ext cx="7658100" cy="3403600"/>
-          </a:xfrm>
-          <a:prstGeom prst="rect">
-            <a:avLst/>
-          </a:prstGeom>
-        </p:spPr>
-      </p:pic>
-      <p:sp>
-        <p:nvSpPr>
-          <p:cNvPr id="10" name="TextBox 10"/>
-          <p:cNvSpPr txBox="1"/>
-          <p:nvPr/>
-        </p:nvSpPr>
-        <p:spPr>
-          <a:xfrm>
-            <a:off x="4495800" y="6445250"/>
-            <a:ext cx="7073900" cy="533400"/>
-          </a:xfrm>
-          <a:prstGeom prst="rect">
-            <a:avLst/>
-          </a:prstGeom>
-        </p:spPr>
-        <p:txBody>
-          <a:bodyPr lIns="0" tIns="0" rIns="0" bIns="0" rtlCol="0" anchor="b"/>
-          <a:lstStyle/>
-          <a:p>
-            <a:pPr lvl="0" algn="l">
-              <a:lnSpc>
-                <a:spcPct val="99600"/>
-              </a:lnSpc>
-            </a:pPr>
-            <a:r>
-              <a:rPr lang="ko-KR" sz="3600" b="1" i="0" u="none" strike="noStrike" dirty="0">
-                <a:solidFill>
-                  <a:srgbClr val="173460"/>
-                </a:solidFill>
-                <a:latin typeface="Pretendard Bold" panose="02000803000000020004" pitchFamily="2" charset="-127"/>
-                <a:ea typeface="Pretendard Bold" panose="02000803000000020004" pitchFamily="2" charset="-127"/>
-                <a:cs typeface="Pretendard Bold" panose="02000803000000020004" pitchFamily="2" charset="-127"/>
-              </a:rPr>
-              <a:t>기회</a:t>
-            </a:r>
-            <a:r>
-              <a:rPr lang="en-US" sz="3600" b="1" i="0" u="none" strike="noStrike" dirty="0">
-                <a:solidFill>
-                  <a:srgbClr val="173460"/>
-                </a:solidFill>
-                <a:latin typeface="Pretendard Bold" panose="02000803000000020004" pitchFamily="2" charset="-127"/>
-                <a:ea typeface="Pretendard Bold" panose="02000803000000020004" pitchFamily="2" charset="-127"/>
-                <a:cs typeface="Pretendard Bold" panose="02000803000000020004" pitchFamily="2" charset="-127"/>
-              </a:rPr>
-              <a:t> (Opportunity)</a:t>
-            </a:r>
-          </a:p>
-        </p:txBody>
-      </p:sp>
-      <p:sp>
-        <p:nvSpPr>
-          <p:cNvPr id="11" name="TextBox 11"/>
-          <p:cNvSpPr txBox="1"/>
-          <p:nvPr/>
-        </p:nvSpPr>
-        <p:spPr>
-          <a:xfrm>
-            <a:off x="1905000" y="7153275"/>
-            <a:ext cx="7035800" cy="2216150"/>
-          </a:xfrm>
-          <a:prstGeom prst="rect">
-            <a:avLst/>
-          </a:prstGeom>
-        </p:spPr>
-        <p:txBody>
-          <a:bodyPr lIns="0" tIns="0" rIns="0" bIns="0" rtlCol="0" anchor="t"/>
-          <a:lstStyle/>
-          <a:p>
-            <a:pPr lvl="0" algn="l">
-              <a:lnSpc>
-                <a:spcPct val="116199"/>
-              </a:lnSpc>
-            </a:pPr>
-            <a:r>
-              <a:rPr lang="en-US" sz="2200" b="0" i="0" u="none" strike="noStrike" spc="-100" dirty="0">
-                <a:solidFill>
-                  <a:srgbClr val="173460"/>
-                </a:solidFill>
-                <a:latin typeface="Pretendard Bold" panose="02000803000000020004" pitchFamily="2" charset="-127"/>
-                <a:ea typeface="Pretendard Bold" panose="02000803000000020004" pitchFamily="2" charset="-127"/>
-                <a:cs typeface="Pretendard Bold" panose="02000803000000020004" pitchFamily="2" charset="-127"/>
-              </a:rPr>
-              <a:t>- </a:t>
-            </a:r>
-            <a:r>
-              <a:rPr lang="ko-KR" sz="2200" b="0" i="0" u="none" strike="noStrike" spc="-100" dirty="0" err="1" smtClean="0">
-                <a:solidFill>
-                  <a:srgbClr val="173460"/>
-                </a:solidFill>
-                <a:latin typeface="Pretendard Bold" panose="02000803000000020004" pitchFamily="2" charset="-127"/>
-                <a:ea typeface="Pretendard Bold" panose="02000803000000020004" pitchFamily="2" charset="-127"/>
-                <a:cs typeface="Pretendard Bold" panose="02000803000000020004" pitchFamily="2" charset="-127"/>
-              </a:rPr>
-              <a:t>모빌리티</a:t>
-            </a:r>
-            <a:r>
-              <a:rPr lang="en-US" sz="2200" b="0" i="0" u="none" strike="noStrike" spc="-100" dirty="0" smtClean="0">
-                <a:solidFill>
-                  <a:srgbClr val="173460"/>
-                </a:solidFill>
-                <a:latin typeface="Pretendard Bold" panose="02000803000000020004" pitchFamily="2" charset="-127"/>
-                <a:ea typeface="Pretendard Bold" panose="02000803000000020004" pitchFamily="2" charset="-127"/>
-                <a:cs typeface="Pretendard Bold" panose="02000803000000020004" pitchFamily="2" charset="-127"/>
-              </a:rPr>
-              <a:t> </a:t>
-            </a:r>
-            <a:r>
-              <a:rPr lang="ko-KR" sz="2800" b="0" i="0" u="none" strike="noStrike" spc="-100" dirty="0">
-                <a:solidFill>
-                  <a:srgbClr val="173460"/>
-                </a:solidFill>
-                <a:latin typeface="Pretendard Bold" panose="02000803000000020004" pitchFamily="2" charset="-127"/>
-                <a:ea typeface="Pretendard Bold" panose="02000803000000020004" pitchFamily="2" charset="-127"/>
-                <a:cs typeface="Pretendard Bold" panose="02000803000000020004" pitchFamily="2" charset="-127"/>
-              </a:rPr>
-              <a:t>시장</a:t>
-            </a:r>
-            <a:r>
-              <a:rPr lang="en-US" sz="2800" b="0" i="0" u="none" strike="noStrike" spc="-100" dirty="0">
-                <a:solidFill>
-                  <a:srgbClr val="173460"/>
-                </a:solidFill>
-                <a:latin typeface="Pretendard Bold" panose="02000803000000020004" pitchFamily="2" charset="-127"/>
-                <a:ea typeface="Pretendard Bold" panose="02000803000000020004" pitchFamily="2" charset="-127"/>
-                <a:cs typeface="Pretendard Bold" panose="02000803000000020004" pitchFamily="2" charset="-127"/>
-              </a:rPr>
-              <a:t> </a:t>
-            </a:r>
-            <a:r>
-              <a:rPr lang="ko-KR" sz="2800" b="0" i="0" u="none" strike="noStrike" spc="-100" dirty="0">
-                <a:solidFill>
-                  <a:srgbClr val="173460"/>
-                </a:solidFill>
-                <a:latin typeface="Pretendard Bold" panose="02000803000000020004" pitchFamily="2" charset="-127"/>
-                <a:ea typeface="Pretendard Bold" panose="02000803000000020004" pitchFamily="2" charset="-127"/>
-                <a:cs typeface="Pretendard Bold" panose="02000803000000020004" pitchFamily="2" charset="-127"/>
-              </a:rPr>
-              <a:t>성장</a:t>
-            </a:r>
-          </a:p>
-          <a:p>
-            <a:pPr lvl="0" algn="l">
-              <a:lnSpc>
-                <a:spcPct val="116199"/>
-              </a:lnSpc>
-            </a:pPr>
-            <a:r>
-              <a:rPr lang="en-US" sz="2200" b="0" i="0" u="none" strike="noStrike" spc="-100" dirty="0">
-                <a:solidFill>
-                  <a:srgbClr val="173460"/>
-                </a:solidFill>
-                <a:latin typeface="Pretendard Bold" panose="02000803000000020004" pitchFamily="2" charset="-127"/>
-                <a:ea typeface="Pretendard Bold" panose="02000803000000020004" pitchFamily="2" charset="-127"/>
-                <a:cs typeface="Pretendard Bold" panose="02000803000000020004" pitchFamily="2" charset="-127"/>
-              </a:rPr>
-              <a:t>- </a:t>
-            </a:r>
-            <a:r>
-              <a:rPr lang="ko-KR" sz="2800" b="0" i="0" u="none" strike="noStrike" spc="-100" dirty="0">
-                <a:solidFill>
-                  <a:srgbClr val="173460"/>
-                </a:solidFill>
-                <a:latin typeface="Pretendard Bold" panose="02000803000000020004" pitchFamily="2" charset="-127"/>
-                <a:ea typeface="Pretendard Bold" panose="02000803000000020004" pitchFamily="2" charset="-127"/>
-                <a:cs typeface="Pretendard Bold" panose="02000803000000020004" pitchFamily="2" charset="-127"/>
-              </a:rPr>
-              <a:t>서민</a:t>
-            </a:r>
-            <a:r>
-              <a:rPr lang="en-US" sz="2800" b="0" i="0" u="none" strike="noStrike" spc="-100" dirty="0">
-                <a:solidFill>
-                  <a:srgbClr val="173460"/>
-                </a:solidFill>
-                <a:latin typeface="Pretendard Bold" panose="02000803000000020004" pitchFamily="2" charset="-127"/>
-                <a:ea typeface="Pretendard Bold" panose="02000803000000020004" pitchFamily="2" charset="-127"/>
-                <a:cs typeface="Pretendard Bold" panose="02000803000000020004" pitchFamily="2" charset="-127"/>
-              </a:rPr>
-              <a:t> </a:t>
-            </a:r>
-            <a:r>
-              <a:rPr lang="ko-KR" altLang="en-US" sz="2800" spc="-100" dirty="0" smtClean="0">
-                <a:solidFill>
-                  <a:srgbClr val="173460"/>
-                </a:solidFill>
-                <a:latin typeface="Pretendard Bold" panose="02000803000000020004" pitchFamily="2" charset="-127"/>
-                <a:ea typeface="Pretendard Bold" panose="02000803000000020004" pitchFamily="2" charset="-127"/>
-                <a:cs typeface="Pretendard Bold" panose="02000803000000020004" pitchFamily="2" charset="-127"/>
-              </a:rPr>
-              <a:t>과 소상공인을</a:t>
-            </a:r>
-            <a:r>
-              <a:rPr lang="en-US" altLang="ko-KR" sz="2800" spc="-100" dirty="0" smtClean="0">
-                <a:solidFill>
-                  <a:srgbClr val="173460"/>
-                </a:solidFill>
-                <a:latin typeface="Pretendard Bold" panose="02000803000000020004" pitchFamily="2" charset="-127"/>
-                <a:ea typeface="Pretendard Bold" panose="02000803000000020004" pitchFamily="2" charset="-127"/>
-                <a:cs typeface="Pretendard Bold" panose="02000803000000020004" pitchFamily="2" charset="-127"/>
-              </a:rPr>
-              <a:t> </a:t>
-            </a:r>
-            <a:r>
-              <a:rPr lang="ko-KR" altLang="en-US" sz="2800" spc="-100" dirty="0" smtClean="0">
-                <a:solidFill>
-                  <a:srgbClr val="173460"/>
-                </a:solidFill>
-                <a:latin typeface="Pretendard Bold" panose="02000803000000020004" pitchFamily="2" charset="-127"/>
-                <a:ea typeface="Pretendard Bold" panose="02000803000000020004" pitchFamily="2" charset="-127"/>
-                <a:cs typeface="Pretendard Bold" panose="02000803000000020004" pitchFamily="2" charset="-127"/>
-              </a:rPr>
-              <a:t>위한  플랫폼</a:t>
-            </a:r>
-            <a:endParaRPr lang="en-US" altLang="ko-KR" sz="2800" spc="-100" dirty="0" smtClean="0">
-              <a:solidFill>
-                <a:srgbClr val="173460"/>
-              </a:solidFill>
-              <a:latin typeface="Pretendard Bold" panose="02000803000000020004" pitchFamily="2" charset="-127"/>
-              <a:ea typeface="Pretendard Bold" panose="02000803000000020004" pitchFamily="2" charset="-127"/>
-              <a:cs typeface="Pretendard Bold" panose="02000803000000020004" pitchFamily="2" charset="-127"/>
-            </a:endParaRPr>
-          </a:p>
-          <a:p>
-            <a:pPr lvl="0" algn="l">
-              <a:lnSpc>
-                <a:spcPct val="116199"/>
-              </a:lnSpc>
-            </a:pPr>
-            <a:r>
-              <a:rPr lang="en-US" sz="2200" b="0" i="0" u="none" strike="noStrike" spc="-100" dirty="0" smtClean="0">
-                <a:solidFill>
-                  <a:srgbClr val="173460"/>
-                </a:solidFill>
-                <a:latin typeface="Pretendard Bold" panose="02000803000000020004" pitchFamily="2" charset="-127"/>
-                <a:ea typeface="Pretendard Bold" panose="02000803000000020004" pitchFamily="2" charset="-127"/>
-                <a:cs typeface="Pretendard Bold" panose="02000803000000020004" pitchFamily="2" charset="-127"/>
-              </a:rPr>
-              <a:t>- </a:t>
-            </a:r>
-            <a:r>
-              <a:rPr lang="en-US" sz="2800" b="0" i="0" u="none" strike="noStrike" spc="-100" dirty="0">
-                <a:solidFill>
-                  <a:srgbClr val="173460"/>
-                </a:solidFill>
-                <a:latin typeface="Pretendard Bold" panose="02000803000000020004" pitchFamily="2" charset="-127"/>
-                <a:ea typeface="Pretendard Bold" panose="02000803000000020004" pitchFamily="2" charset="-127"/>
-                <a:cs typeface="Pretendard Bold" panose="02000803000000020004" pitchFamily="2" charset="-127"/>
-              </a:rPr>
-              <a:t>AI </a:t>
-            </a:r>
-            <a:r>
-              <a:rPr lang="ko-KR" sz="2800" b="0" i="0" u="none" strike="noStrike" spc="-100" dirty="0">
-                <a:solidFill>
-                  <a:srgbClr val="173460"/>
-                </a:solidFill>
-                <a:latin typeface="Pretendard Bold" panose="02000803000000020004" pitchFamily="2" charset="-127"/>
-                <a:ea typeface="Pretendard Bold" panose="02000803000000020004" pitchFamily="2" charset="-127"/>
-                <a:cs typeface="Pretendard Bold" panose="02000803000000020004" pitchFamily="2" charset="-127"/>
-              </a:rPr>
-              <a:t>기술</a:t>
-            </a:r>
-            <a:r>
-              <a:rPr lang="en-US" sz="2800" b="0" i="0" u="none" strike="noStrike" spc="-100" dirty="0">
-                <a:solidFill>
-                  <a:srgbClr val="173460"/>
-                </a:solidFill>
-                <a:latin typeface="Pretendard Bold" panose="02000803000000020004" pitchFamily="2" charset="-127"/>
-                <a:ea typeface="Pretendard Bold" panose="02000803000000020004" pitchFamily="2" charset="-127"/>
-                <a:cs typeface="Pretendard Bold" panose="02000803000000020004" pitchFamily="2" charset="-127"/>
-              </a:rPr>
-              <a:t> </a:t>
-            </a:r>
-            <a:r>
-              <a:rPr lang="ko-KR" sz="2800" b="0" i="0" u="none" strike="noStrike" spc="-100" dirty="0">
-                <a:solidFill>
-                  <a:srgbClr val="173460"/>
-                </a:solidFill>
-                <a:latin typeface="Pretendard Bold" panose="02000803000000020004" pitchFamily="2" charset="-127"/>
-                <a:ea typeface="Pretendard Bold" panose="02000803000000020004" pitchFamily="2" charset="-127"/>
-                <a:cs typeface="Pretendard Bold" panose="02000803000000020004" pitchFamily="2" charset="-127"/>
-              </a:rPr>
-              <a:t>활용</a:t>
-            </a:r>
-            <a:r>
-              <a:rPr lang="en-US" sz="2800" b="0" i="0" u="none" strike="noStrike" spc="-100" dirty="0">
-                <a:solidFill>
-                  <a:srgbClr val="173460"/>
-                </a:solidFill>
-                <a:latin typeface="Pretendard Bold" panose="02000803000000020004" pitchFamily="2" charset="-127"/>
-                <a:ea typeface="Pretendard Bold" panose="02000803000000020004" pitchFamily="2" charset="-127"/>
-                <a:cs typeface="Pretendard Bold" panose="02000803000000020004" pitchFamily="2" charset="-127"/>
-              </a:rPr>
-              <a:t> </a:t>
-            </a:r>
-            <a:r>
-              <a:rPr lang="ko-KR" sz="2200" b="0" i="0" u="none" strike="noStrike" spc="-100" dirty="0">
-                <a:solidFill>
-                  <a:srgbClr val="173460"/>
-                </a:solidFill>
-                <a:latin typeface="Pretendard Bold" panose="02000803000000020004" pitchFamily="2" charset="-127"/>
-                <a:ea typeface="Pretendard Bold" panose="02000803000000020004" pitchFamily="2" charset="-127"/>
-                <a:cs typeface="Pretendard Bold" panose="02000803000000020004" pitchFamily="2" charset="-127"/>
-              </a:rPr>
-              <a:t>가능성</a:t>
-            </a:r>
-          </a:p>
-          <a:p>
-            <a:pPr lvl="0" algn="l">
-              <a:lnSpc>
-                <a:spcPct val="116199"/>
-              </a:lnSpc>
-            </a:pPr>
-            <a:r>
-              <a:rPr lang="en-US" sz="2200" b="0" i="0" u="none" strike="noStrike" spc="-100" dirty="0">
-                <a:solidFill>
-                  <a:srgbClr val="173460"/>
-                </a:solidFill>
-                <a:latin typeface="Pretendard Bold" panose="02000803000000020004" pitchFamily="2" charset="-127"/>
-                <a:ea typeface="Pretendard Bold" panose="02000803000000020004" pitchFamily="2" charset="-127"/>
-                <a:cs typeface="Pretendard Bold" panose="02000803000000020004" pitchFamily="2" charset="-127"/>
-              </a:rPr>
-              <a:t>- </a:t>
-            </a:r>
-            <a:r>
-              <a:rPr lang="ko-KR" sz="2800" b="0" i="0" u="none" strike="noStrike" spc="-100" dirty="0">
-                <a:solidFill>
-                  <a:srgbClr val="173460"/>
-                </a:solidFill>
-                <a:latin typeface="Pretendard Bold" panose="02000803000000020004" pitchFamily="2" charset="-127"/>
-                <a:ea typeface="Pretendard Bold" panose="02000803000000020004" pitchFamily="2" charset="-127"/>
-                <a:cs typeface="Pretendard Bold" panose="02000803000000020004" pitchFamily="2" charset="-127"/>
-              </a:rPr>
-              <a:t>지역</a:t>
-            </a:r>
-            <a:r>
-              <a:rPr lang="en-US" sz="2800" b="0" i="0" u="none" strike="noStrike" spc="-100" dirty="0">
-                <a:solidFill>
-                  <a:srgbClr val="173460"/>
-                </a:solidFill>
-                <a:latin typeface="Pretendard Bold" panose="02000803000000020004" pitchFamily="2" charset="-127"/>
-                <a:ea typeface="Pretendard Bold" panose="02000803000000020004" pitchFamily="2" charset="-127"/>
-                <a:cs typeface="Pretendard Bold" panose="02000803000000020004" pitchFamily="2" charset="-127"/>
-              </a:rPr>
-              <a:t> </a:t>
-            </a:r>
-            <a:r>
-              <a:rPr lang="ko-KR" sz="2800" b="0" i="0" u="none" strike="noStrike" spc="-100" dirty="0">
-                <a:solidFill>
-                  <a:srgbClr val="173460"/>
-                </a:solidFill>
-                <a:latin typeface="Pretendard Bold" panose="02000803000000020004" pitchFamily="2" charset="-127"/>
-                <a:ea typeface="Pretendard Bold" panose="02000803000000020004" pitchFamily="2" charset="-127"/>
-                <a:cs typeface="Pretendard Bold" panose="02000803000000020004" pitchFamily="2" charset="-127"/>
-              </a:rPr>
-              <a:t>네트워크</a:t>
-            </a:r>
-            <a:r>
-              <a:rPr lang="en-US" sz="2200" b="0" i="0" u="none" strike="noStrike" spc="-100" dirty="0">
-                <a:solidFill>
-                  <a:srgbClr val="173460"/>
-                </a:solidFill>
-                <a:latin typeface="Pretendard Bold" panose="02000803000000020004" pitchFamily="2" charset="-127"/>
-                <a:ea typeface="Pretendard Bold" panose="02000803000000020004" pitchFamily="2" charset="-127"/>
-                <a:cs typeface="Pretendard Bold" panose="02000803000000020004" pitchFamily="2" charset="-127"/>
-              </a:rPr>
-              <a:t> </a:t>
-            </a:r>
-            <a:r>
-              <a:rPr lang="ko-KR" sz="2200" b="0" i="0" u="none" strike="noStrike" spc="-100" dirty="0">
-                <a:solidFill>
-                  <a:srgbClr val="173460"/>
-                </a:solidFill>
-                <a:latin typeface="Pretendard Bold" panose="02000803000000020004" pitchFamily="2" charset="-127"/>
-                <a:ea typeface="Pretendard Bold" panose="02000803000000020004" pitchFamily="2" charset="-127"/>
-                <a:cs typeface="Pretendard Bold" panose="02000803000000020004" pitchFamily="2" charset="-127"/>
-              </a:rPr>
-              <a:t>확장</a:t>
-            </a:r>
-          </a:p>
-        </p:txBody>
-      </p:sp>
-      <p:pic>
-        <p:nvPicPr>
-          <p:cNvPr id="12" name="Picture 12"/>
-          <p:cNvPicPr>
-            <a:picLocks noChangeAspect="1"/>
-          </p:cNvPicPr>
-          <p:nvPr/>
-        </p:nvPicPr>
-        <p:blipFill>
-          <a:blip r:embed="rId4"/>
-          <a:stretch>
-            <a:fillRect/>
-          </a:stretch>
-        </p:blipFill>
-        <p:spPr>
-          <a:xfrm>
-            <a:off x="8966200" y="2565400"/>
-            <a:ext cx="7658100" cy="3403600"/>
-          </a:xfrm>
-          <a:prstGeom prst="rect">
-            <a:avLst/>
-          </a:prstGeom>
-        </p:spPr>
-      </p:pic>
-      <p:sp>
-        <p:nvSpPr>
-          <p:cNvPr id="13" name="TextBox 13"/>
-          <p:cNvSpPr txBox="1"/>
-          <p:nvPr/>
-        </p:nvSpPr>
-        <p:spPr>
-          <a:xfrm>
-            <a:off x="12820650" y="2711450"/>
-            <a:ext cx="7073900" cy="533400"/>
-          </a:xfrm>
-          <a:prstGeom prst="rect">
-            <a:avLst/>
-          </a:prstGeom>
-        </p:spPr>
-        <p:txBody>
-          <a:bodyPr lIns="0" tIns="0" rIns="0" bIns="0" rtlCol="0" anchor="b"/>
-          <a:lstStyle/>
-          <a:p>
-            <a:pPr lvl="0" algn="l">
-              <a:lnSpc>
-                <a:spcPct val="99600"/>
-              </a:lnSpc>
-            </a:pPr>
-            <a:r>
-              <a:rPr lang="ko-KR" sz="3600" b="1" i="0" u="none" strike="noStrike" dirty="0">
-                <a:solidFill>
-                  <a:srgbClr val="173460"/>
-                </a:solidFill>
-                <a:latin typeface="Pretendard Bold" panose="02000803000000020004" pitchFamily="2" charset="-127"/>
-                <a:ea typeface="Pretendard Bold" panose="02000803000000020004" pitchFamily="2" charset="-127"/>
-                <a:cs typeface="Pretendard Bold" panose="02000803000000020004" pitchFamily="2" charset="-127"/>
-              </a:rPr>
-              <a:t>약점</a:t>
-            </a:r>
-            <a:r>
-              <a:rPr lang="en-US" sz="3600" b="1" i="0" u="none" strike="noStrike" dirty="0">
-                <a:solidFill>
-                  <a:srgbClr val="173460"/>
-                </a:solidFill>
-                <a:latin typeface="Pretendard Bold" panose="02000803000000020004" pitchFamily="2" charset="-127"/>
-                <a:ea typeface="Pretendard Bold" panose="02000803000000020004" pitchFamily="2" charset="-127"/>
-                <a:cs typeface="Pretendard Bold" panose="02000803000000020004" pitchFamily="2" charset="-127"/>
-              </a:rPr>
-              <a:t> (Weakness)</a:t>
-            </a:r>
-          </a:p>
-        </p:txBody>
-      </p:sp>
-      <p:sp>
-        <p:nvSpPr>
-          <p:cNvPr id="14" name="TextBox 14"/>
-          <p:cNvSpPr txBox="1"/>
-          <p:nvPr/>
-        </p:nvSpPr>
-        <p:spPr>
-          <a:xfrm>
-            <a:off x="9829800" y="3711575"/>
-            <a:ext cx="7035800" cy="1562100"/>
-          </a:xfrm>
-          <a:prstGeom prst="rect">
-            <a:avLst/>
-          </a:prstGeom>
-        </p:spPr>
-        <p:txBody>
-          <a:bodyPr lIns="0" tIns="0" rIns="0" bIns="0" rtlCol="0" anchor="t"/>
-          <a:lstStyle/>
-          <a:p>
-            <a:pPr lvl="0" algn="l">
-              <a:lnSpc>
-                <a:spcPct val="116199"/>
-              </a:lnSpc>
-            </a:pPr>
-            <a:r>
-              <a:rPr lang="en-US" sz="2200" b="0" i="0" u="none" strike="noStrike" spc="-100" dirty="0">
-                <a:solidFill>
-                  <a:srgbClr val="173460"/>
-                </a:solidFill>
-                <a:latin typeface="Pretendard Bold" panose="02000803000000020004" pitchFamily="2" charset="-127"/>
-                <a:ea typeface="Pretendard Bold" panose="02000803000000020004" pitchFamily="2" charset="-127"/>
-                <a:cs typeface="Pretendard Bold" panose="02000803000000020004" pitchFamily="2" charset="-127"/>
-              </a:rPr>
-              <a:t>- </a:t>
-            </a:r>
-            <a:r>
-              <a:rPr lang="ko-KR" sz="2200" b="0" i="0" u="none" strike="noStrike" spc="-100" dirty="0">
-                <a:solidFill>
-                  <a:srgbClr val="173460"/>
-                </a:solidFill>
-                <a:latin typeface="Pretendard Bold" panose="02000803000000020004" pitchFamily="2" charset="-127"/>
-                <a:ea typeface="Pretendard Bold" panose="02000803000000020004" pitchFamily="2" charset="-127"/>
-                <a:cs typeface="Pretendard Bold" panose="02000803000000020004" pitchFamily="2" charset="-127"/>
-              </a:rPr>
-              <a:t>초기</a:t>
-            </a:r>
-            <a:r>
-              <a:rPr lang="en-US" sz="2200" b="0" i="0" u="none" strike="noStrike" spc="-100" dirty="0">
-                <a:solidFill>
-                  <a:srgbClr val="173460"/>
-                </a:solidFill>
-                <a:latin typeface="Pretendard Bold" panose="02000803000000020004" pitchFamily="2" charset="-127"/>
-                <a:ea typeface="Pretendard Bold" panose="02000803000000020004" pitchFamily="2" charset="-127"/>
-                <a:cs typeface="Pretendard Bold" panose="02000803000000020004" pitchFamily="2" charset="-127"/>
-              </a:rPr>
-              <a:t> </a:t>
-            </a:r>
-            <a:r>
-              <a:rPr lang="ko-KR" sz="2200" b="0" i="0" u="none" strike="noStrike" spc="-100" dirty="0">
-                <a:solidFill>
-                  <a:srgbClr val="173460"/>
-                </a:solidFill>
-                <a:latin typeface="Pretendard Bold" panose="02000803000000020004" pitchFamily="2" charset="-127"/>
-                <a:ea typeface="Pretendard Bold" panose="02000803000000020004" pitchFamily="2" charset="-127"/>
-                <a:cs typeface="Pretendard Bold" panose="02000803000000020004" pitchFamily="2" charset="-127"/>
-              </a:rPr>
-              <a:t>인프라</a:t>
-            </a:r>
-            <a:r>
-              <a:rPr lang="en-US" sz="2200" b="0" i="0" u="none" strike="noStrike" spc="-100" dirty="0">
-                <a:solidFill>
-                  <a:srgbClr val="173460"/>
-                </a:solidFill>
-                <a:latin typeface="Pretendard Bold" panose="02000803000000020004" pitchFamily="2" charset="-127"/>
-                <a:ea typeface="Pretendard Bold" panose="02000803000000020004" pitchFamily="2" charset="-127"/>
-                <a:cs typeface="Pretendard Bold" panose="02000803000000020004" pitchFamily="2" charset="-127"/>
-              </a:rPr>
-              <a:t> </a:t>
-            </a:r>
-            <a:r>
-              <a:rPr lang="ko-KR" sz="2200" b="0" i="0" u="none" strike="noStrike" spc="-100" dirty="0">
-                <a:solidFill>
-                  <a:srgbClr val="173460"/>
-                </a:solidFill>
-                <a:latin typeface="Pretendard Bold" panose="02000803000000020004" pitchFamily="2" charset="-127"/>
-                <a:ea typeface="Pretendard Bold" panose="02000803000000020004" pitchFamily="2" charset="-127"/>
-                <a:cs typeface="Pretendard Bold" panose="02000803000000020004" pitchFamily="2" charset="-127"/>
-              </a:rPr>
-              <a:t>구축</a:t>
-            </a:r>
-            <a:r>
-              <a:rPr lang="en-US" sz="2200" b="0" i="0" u="none" strike="noStrike" spc="-100" dirty="0">
-                <a:solidFill>
-                  <a:srgbClr val="173460"/>
-                </a:solidFill>
-                <a:latin typeface="Pretendard Bold" panose="02000803000000020004" pitchFamily="2" charset="-127"/>
-                <a:ea typeface="Pretendard Bold" panose="02000803000000020004" pitchFamily="2" charset="-127"/>
-                <a:cs typeface="Pretendard Bold" panose="02000803000000020004" pitchFamily="2" charset="-127"/>
-              </a:rPr>
-              <a:t> </a:t>
-            </a:r>
-            <a:r>
-              <a:rPr lang="ko-KR" sz="2800" b="0" i="0" u="none" strike="noStrike" spc="-100" dirty="0">
-                <a:solidFill>
-                  <a:srgbClr val="173460"/>
-                </a:solidFill>
-                <a:latin typeface="Pretendard Bold" panose="02000803000000020004" pitchFamily="2" charset="-127"/>
-                <a:ea typeface="Pretendard Bold" panose="02000803000000020004" pitchFamily="2" charset="-127"/>
-                <a:cs typeface="Pretendard Bold" panose="02000803000000020004" pitchFamily="2" charset="-127"/>
-              </a:rPr>
-              <a:t>비용</a:t>
-            </a:r>
-          </a:p>
-          <a:p>
-            <a:pPr lvl="0" algn="l">
-              <a:lnSpc>
-                <a:spcPct val="116199"/>
-              </a:lnSpc>
-            </a:pPr>
-            <a:r>
-              <a:rPr lang="en-US" sz="2200" b="0" i="0" u="none" strike="noStrike" spc="-100" dirty="0">
-                <a:solidFill>
-                  <a:srgbClr val="173460"/>
-                </a:solidFill>
-                <a:latin typeface="Pretendard Bold" panose="02000803000000020004" pitchFamily="2" charset="-127"/>
-                <a:ea typeface="Pretendard Bold" panose="02000803000000020004" pitchFamily="2" charset="-127"/>
-                <a:cs typeface="Pretendard Bold" panose="02000803000000020004" pitchFamily="2" charset="-127"/>
-              </a:rPr>
-              <a:t>- </a:t>
-            </a:r>
-            <a:r>
-              <a:rPr lang="ko-KR" sz="2200" b="0" i="0" u="none" strike="noStrike" spc="-100" dirty="0">
-                <a:solidFill>
-                  <a:srgbClr val="173460"/>
-                </a:solidFill>
-                <a:latin typeface="Pretendard Bold" panose="02000803000000020004" pitchFamily="2" charset="-127"/>
-                <a:ea typeface="Pretendard Bold" panose="02000803000000020004" pitchFamily="2" charset="-127"/>
-                <a:cs typeface="Pretendard Bold" panose="02000803000000020004" pitchFamily="2" charset="-127"/>
-              </a:rPr>
-              <a:t>전문</a:t>
-            </a:r>
-            <a:r>
-              <a:rPr lang="en-US" sz="2200" b="0" i="0" u="none" strike="noStrike" spc="-100" dirty="0">
-                <a:solidFill>
-                  <a:srgbClr val="173460"/>
-                </a:solidFill>
-                <a:latin typeface="Pretendard Bold" panose="02000803000000020004" pitchFamily="2" charset="-127"/>
-                <a:ea typeface="Pretendard Bold" panose="02000803000000020004" pitchFamily="2" charset="-127"/>
-                <a:cs typeface="Pretendard Bold" panose="02000803000000020004" pitchFamily="2" charset="-127"/>
-              </a:rPr>
-              <a:t> </a:t>
-            </a:r>
-            <a:r>
-              <a:rPr lang="ko-KR" sz="2400" b="0" i="0" u="none" strike="noStrike" spc="-100" dirty="0">
-                <a:solidFill>
-                  <a:srgbClr val="173460"/>
-                </a:solidFill>
-                <a:latin typeface="Pretendard Bold" panose="02000803000000020004" pitchFamily="2" charset="-127"/>
-                <a:ea typeface="Pretendard Bold" panose="02000803000000020004" pitchFamily="2" charset="-127"/>
-                <a:cs typeface="Pretendard Bold" panose="02000803000000020004" pitchFamily="2" charset="-127"/>
-              </a:rPr>
-              <a:t>인력</a:t>
-            </a:r>
-            <a:r>
-              <a:rPr lang="en-US" sz="2400" b="0" i="0" u="none" strike="noStrike" spc="-100" dirty="0">
-                <a:solidFill>
-                  <a:srgbClr val="173460"/>
-                </a:solidFill>
-                <a:latin typeface="Pretendard Bold" panose="02000803000000020004" pitchFamily="2" charset="-127"/>
-                <a:ea typeface="Pretendard Bold" panose="02000803000000020004" pitchFamily="2" charset="-127"/>
-                <a:cs typeface="Pretendard Bold" panose="02000803000000020004" pitchFamily="2" charset="-127"/>
-              </a:rPr>
-              <a:t> </a:t>
-            </a:r>
-            <a:r>
-              <a:rPr lang="ko-KR" sz="2400" b="0" i="0" u="none" strike="noStrike" spc="-100" dirty="0">
-                <a:solidFill>
-                  <a:srgbClr val="173460"/>
-                </a:solidFill>
-                <a:latin typeface="Pretendard Bold" panose="02000803000000020004" pitchFamily="2" charset="-127"/>
-                <a:ea typeface="Pretendard Bold" panose="02000803000000020004" pitchFamily="2" charset="-127"/>
-                <a:cs typeface="Pretendard Bold" panose="02000803000000020004" pitchFamily="2" charset="-127"/>
-              </a:rPr>
-              <a:t>확보</a:t>
-            </a:r>
-            <a:r>
-              <a:rPr lang="en-US" sz="2200" b="0" i="0" u="none" strike="noStrike" spc="-100" dirty="0">
-                <a:solidFill>
-                  <a:srgbClr val="173460"/>
-                </a:solidFill>
-                <a:latin typeface="Pretendard Bold" panose="02000803000000020004" pitchFamily="2" charset="-127"/>
-                <a:ea typeface="Pretendard Bold" panose="02000803000000020004" pitchFamily="2" charset="-127"/>
-                <a:cs typeface="Pretendard Bold" panose="02000803000000020004" pitchFamily="2" charset="-127"/>
-              </a:rPr>
-              <a:t> </a:t>
-            </a:r>
-            <a:endParaRPr lang="ko-KR" sz="2200" b="0" i="0" u="none" strike="noStrike" spc="-100" dirty="0">
-              <a:solidFill>
-                <a:srgbClr val="173460"/>
-              </a:solidFill>
-              <a:latin typeface="Pretendard Bold" panose="02000803000000020004" pitchFamily="2" charset="-127"/>
-              <a:ea typeface="Pretendard Bold" panose="02000803000000020004" pitchFamily="2" charset="-127"/>
-              <a:cs typeface="Pretendard Bold" panose="02000803000000020004" pitchFamily="2" charset="-127"/>
-            </a:endParaRPr>
-          </a:p>
-          <a:p>
-            <a:pPr lvl="0" algn="l">
-              <a:lnSpc>
-                <a:spcPct val="116199"/>
-              </a:lnSpc>
-            </a:pPr>
-            <a:r>
-              <a:rPr lang="en-US" sz="2200" b="0" i="0" u="none" strike="noStrike" spc="-100" dirty="0">
-                <a:solidFill>
-                  <a:srgbClr val="173460"/>
-                </a:solidFill>
-                <a:latin typeface="Pretendard Bold" panose="02000803000000020004" pitchFamily="2" charset="-127"/>
-                <a:ea typeface="Pretendard Bold" panose="02000803000000020004" pitchFamily="2" charset="-127"/>
-                <a:cs typeface="Pretendard Bold" panose="02000803000000020004" pitchFamily="2" charset="-127"/>
-              </a:rPr>
-              <a:t>- </a:t>
-            </a:r>
-            <a:r>
-              <a:rPr lang="ko-KR" sz="2200" b="0" i="0" u="none" strike="noStrike" spc="-100" dirty="0">
-                <a:solidFill>
-                  <a:srgbClr val="173460"/>
-                </a:solidFill>
-                <a:latin typeface="Pretendard Bold" panose="02000803000000020004" pitchFamily="2" charset="-127"/>
-                <a:ea typeface="Pretendard Bold" panose="02000803000000020004" pitchFamily="2" charset="-127"/>
-                <a:cs typeface="Pretendard Bold" panose="02000803000000020004" pitchFamily="2" charset="-127"/>
-              </a:rPr>
-              <a:t>브랜드</a:t>
-            </a:r>
-            <a:r>
-              <a:rPr lang="en-US" sz="2200" b="0" i="0" u="none" strike="noStrike" spc="-100" dirty="0">
-                <a:solidFill>
-                  <a:srgbClr val="173460"/>
-                </a:solidFill>
-                <a:latin typeface="Pretendard Bold" panose="02000803000000020004" pitchFamily="2" charset="-127"/>
-                <a:ea typeface="Pretendard Bold" panose="02000803000000020004" pitchFamily="2" charset="-127"/>
-                <a:cs typeface="Pretendard Bold" panose="02000803000000020004" pitchFamily="2" charset="-127"/>
-              </a:rPr>
-              <a:t> </a:t>
-            </a:r>
-            <a:r>
-              <a:rPr lang="ko-KR" sz="2200" b="0" i="0" u="none" strike="noStrike" spc="-100" dirty="0">
-                <a:solidFill>
-                  <a:srgbClr val="173460"/>
-                </a:solidFill>
-                <a:latin typeface="Pretendard Bold" panose="02000803000000020004" pitchFamily="2" charset="-127"/>
-                <a:ea typeface="Pretendard Bold" panose="02000803000000020004" pitchFamily="2" charset="-127"/>
-                <a:cs typeface="Pretendard Bold" panose="02000803000000020004" pitchFamily="2" charset="-127"/>
-              </a:rPr>
-              <a:t>인지도</a:t>
-            </a:r>
-            <a:r>
-              <a:rPr lang="en-US" sz="2200" b="0" i="0" u="none" strike="noStrike" spc="-100" dirty="0">
-                <a:solidFill>
-                  <a:srgbClr val="173460"/>
-                </a:solidFill>
-                <a:latin typeface="Pretendard Bold" panose="02000803000000020004" pitchFamily="2" charset="-127"/>
-                <a:ea typeface="Pretendard Bold" panose="02000803000000020004" pitchFamily="2" charset="-127"/>
-                <a:cs typeface="Pretendard Bold" panose="02000803000000020004" pitchFamily="2" charset="-127"/>
-              </a:rPr>
-              <a:t> </a:t>
-            </a:r>
-            <a:r>
-              <a:rPr lang="ko-KR" sz="2200" b="0" i="0" u="none" strike="noStrike" spc="-100" dirty="0">
-                <a:solidFill>
-                  <a:srgbClr val="173460"/>
-                </a:solidFill>
-                <a:latin typeface="Pretendard Bold" panose="02000803000000020004" pitchFamily="2" charset="-127"/>
-                <a:ea typeface="Pretendard Bold" panose="02000803000000020004" pitchFamily="2" charset="-127"/>
-                <a:cs typeface="Pretendard Bold" panose="02000803000000020004" pitchFamily="2" charset="-127"/>
-              </a:rPr>
-              <a:t>부족</a:t>
-            </a:r>
-          </a:p>
-          <a:p>
-            <a:pPr lvl="0" algn="l">
-              <a:lnSpc>
-                <a:spcPct val="116199"/>
-              </a:lnSpc>
-            </a:pPr>
-            <a:endParaRPr lang="ko-KR" sz="2200" b="0" i="0" u="none" strike="noStrike" spc="-100" dirty="0">
-              <a:solidFill>
-                <a:srgbClr val="173460"/>
-              </a:solidFill>
-              <a:latin typeface="Pretendard Bold" panose="02000803000000020004" pitchFamily="2" charset="-127"/>
-              <a:ea typeface="Pretendard Bold" panose="02000803000000020004" pitchFamily="2" charset="-127"/>
-              <a:cs typeface="Pretendard Bold" panose="02000803000000020004" pitchFamily="2" charset="-127"/>
-            </a:endParaRPr>
-          </a:p>
-        </p:txBody>
-      </p:sp>
-      <p:pic>
-        <p:nvPicPr>
-          <p:cNvPr id="15" name="Picture 15"/>
-          <p:cNvPicPr>
-            <a:picLocks noChangeAspect="1"/>
-          </p:cNvPicPr>
-          <p:nvPr/>
-        </p:nvPicPr>
-        <p:blipFill>
-          <a:blip r:embed="rId4"/>
-          <a:stretch>
-            <a:fillRect/>
-          </a:stretch>
-        </p:blipFill>
-        <p:spPr>
-          <a:xfrm>
-            <a:off x="8966200" y="6299200"/>
-            <a:ext cx="7658100" cy="3403600"/>
-          </a:xfrm>
-          <a:prstGeom prst="rect">
-            <a:avLst/>
-          </a:prstGeom>
-        </p:spPr>
-      </p:pic>
-      <p:sp>
-        <p:nvSpPr>
-          <p:cNvPr id="16" name="TextBox 16"/>
-          <p:cNvSpPr txBox="1"/>
-          <p:nvPr/>
-        </p:nvSpPr>
-        <p:spPr>
-          <a:xfrm>
-            <a:off x="13741400" y="6457950"/>
-            <a:ext cx="7073900" cy="533400"/>
-          </a:xfrm>
-          <a:prstGeom prst="rect">
-            <a:avLst/>
-          </a:prstGeom>
-        </p:spPr>
-        <p:txBody>
-          <a:bodyPr lIns="0" tIns="0" rIns="0" bIns="0" rtlCol="0" anchor="b"/>
-          <a:lstStyle/>
-          <a:p>
-            <a:pPr lvl="0" algn="l">
-              <a:lnSpc>
-                <a:spcPct val="99600"/>
-              </a:lnSpc>
-            </a:pPr>
-            <a:r>
-              <a:rPr lang="ko-KR" sz="3600" b="1" i="0" u="none" strike="noStrike" dirty="0">
-                <a:solidFill>
-                  <a:srgbClr val="173460"/>
-                </a:solidFill>
-                <a:latin typeface="Pretendard Bold" panose="02000803000000020004" pitchFamily="2" charset="-127"/>
-                <a:ea typeface="Pretendard Bold" panose="02000803000000020004" pitchFamily="2" charset="-127"/>
-                <a:cs typeface="Pretendard Bold" panose="02000803000000020004" pitchFamily="2" charset="-127"/>
-              </a:rPr>
-              <a:t>위협</a:t>
-            </a:r>
-            <a:r>
-              <a:rPr lang="en-US" sz="3600" b="1" i="0" u="none" strike="noStrike" dirty="0">
-                <a:solidFill>
-                  <a:srgbClr val="173460"/>
-                </a:solidFill>
-                <a:latin typeface="Pretendard Bold" panose="02000803000000020004" pitchFamily="2" charset="-127"/>
-                <a:ea typeface="Pretendard Bold" panose="02000803000000020004" pitchFamily="2" charset="-127"/>
-                <a:cs typeface="Pretendard Bold" panose="02000803000000020004" pitchFamily="2" charset="-127"/>
-              </a:rPr>
-              <a:t> (Threat)</a:t>
-            </a:r>
-          </a:p>
-        </p:txBody>
-      </p:sp>
-      <p:sp>
-        <p:nvSpPr>
-          <p:cNvPr id="17" name="TextBox 17"/>
-          <p:cNvSpPr txBox="1"/>
-          <p:nvPr/>
-        </p:nvSpPr>
-        <p:spPr>
-          <a:xfrm>
-            <a:off x="9829800" y="7191375"/>
-            <a:ext cx="7035800" cy="2139950"/>
-          </a:xfrm>
-          <a:prstGeom prst="rect">
-            <a:avLst/>
-          </a:prstGeom>
-        </p:spPr>
-        <p:txBody>
-          <a:bodyPr lIns="0" tIns="0" rIns="0" bIns="0" rtlCol="0" anchor="t"/>
-          <a:lstStyle/>
-          <a:p>
-            <a:pPr lvl="0" algn="l">
-              <a:lnSpc>
-                <a:spcPct val="116199"/>
-              </a:lnSpc>
-            </a:pPr>
-            <a:r>
-              <a:rPr lang="en-US" sz="2200" b="0" i="0" u="none" strike="noStrike" spc="-100" dirty="0">
-                <a:solidFill>
-                  <a:srgbClr val="173460"/>
-                </a:solidFill>
-                <a:latin typeface="Pretendard Bold" panose="02000803000000020004" pitchFamily="2" charset="-127"/>
-                <a:ea typeface="Pretendard Bold" panose="02000803000000020004" pitchFamily="2" charset="-127"/>
-                <a:cs typeface="Pretendard Bold" panose="02000803000000020004" pitchFamily="2" charset="-127"/>
-              </a:rPr>
-              <a:t>- </a:t>
-            </a:r>
-            <a:r>
-              <a:rPr lang="ko-KR" sz="2200" b="0" i="0" u="none" strike="noStrike" spc="-100" dirty="0">
-                <a:solidFill>
-                  <a:srgbClr val="173460"/>
-                </a:solidFill>
-                <a:latin typeface="Pretendard Bold" panose="02000803000000020004" pitchFamily="2" charset="-127"/>
-                <a:ea typeface="Pretendard Bold" panose="02000803000000020004" pitchFamily="2" charset="-127"/>
-                <a:cs typeface="Pretendard Bold" panose="02000803000000020004" pitchFamily="2" charset="-127"/>
-              </a:rPr>
-              <a:t>기존</a:t>
-            </a:r>
-            <a:r>
-              <a:rPr lang="en-US" sz="2200" b="0" i="0" u="none" strike="noStrike" spc="-100" dirty="0">
-                <a:solidFill>
-                  <a:srgbClr val="173460"/>
-                </a:solidFill>
-                <a:latin typeface="Pretendard Bold" panose="02000803000000020004" pitchFamily="2" charset="-127"/>
-                <a:ea typeface="Pretendard Bold" panose="02000803000000020004" pitchFamily="2" charset="-127"/>
-                <a:cs typeface="Pretendard Bold" panose="02000803000000020004" pitchFamily="2" charset="-127"/>
-              </a:rPr>
-              <a:t> </a:t>
-            </a:r>
-            <a:r>
-              <a:rPr lang="ko-KR" sz="2200" b="0" i="0" u="none" strike="noStrike" spc="-100" dirty="0">
-                <a:solidFill>
-                  <a:srgbClr val="173460"/>
-                </a:solidFill>
-                <a:latin typeface="Pretendard Bold" panose="02000803000000020004" pitchFamily="2" charset="-127"/>
-                <a:ea typeface="Pretendard Bold" panose="02000803000000020004" pitchFamily="2" charset="-127"/>
-                <a:cs typeface="Pretendard Bold" panose="02000803000000020004" pitchFamily="2" charset="-127"/>
-              </a:rPr>
-              <a:t>업체의</a:t>
-            </a:r>
-            <a:r>
-              <a:rPr lang="en-US" sz="2200" b="0" i="0" u="none" strike="noStrike" spc="-100" dirty="0">
-                <a:solidFill>
-                  <a:srgbClr val="173460"/>
-                </a:solidFill>
-                <a:latin typeface="Pretendard Bold" panose="02000803000000020004" pitchFamily="2" charset="-127"/>
-                <a:ea typeface="Pretendard Bold" panose="02000803000000020004" pitchFamily="2" charset="-127"/>
-                <a:cs typeface="Pretendard Bold" panose="02000803000000020004" pitchFamily="2" charset="-127"/>
-              </a:rPr>
-              <a:t> </a:t>
-            </a:r>
-            <a:r>
-              <a:rPr lang="ko-KR" sz="2800" b="0" i="0" u="none" strike="noStrike" spc="-100" dirty="0">
-                <a:solidFill>
-                  <a:srgbClr val="173460"/>
-                </a:solidFill>
-                <a:latin typeface="Pretendard Bold" panose="02000803000000020004" pitchFamily="2" charset="-127"/>
-                <a:ea typeface="Pretendard Bold" panose="02000803000000020004" pitchFamily="2" charset="-127"/>
-                <a:cs typeface="Pretendard Bold" panose="02000803000000020004" pitchFamily="2" charset="-127"/>
-              </a:rPr>
-              <a:t>견제</a:t>
-            </a:r>
-          </a:p>
-          <a:p>
-            <a:pPr lvl="0" algn="l">
-              <a:lnSpc>
-                <a:spcPct val="116199"/>
-              </a:lnSpc>
-            </a:pPr>
-            <a:r>
-              <a:rPr lang="en-US" sz="2200" b="0" i="0" u="none" strike="noStrike" spc="-100" dirty="0">
-                <a:solidFill>
-                  <a:srgbClr val="173460"/>
-                </a:solidFill>
-                <a:latin typeface="Pretendard Bold" panose="02000803000000020004" pitchFamily="2" charset="-127"/>
-                <a:ea typeface="Pretendard Bold" panose="02000803000000020004" pitchFamily="2" charset="-127"/>
-                <a:cs typeface="Pretendard Bold" panose="02000803000000020004" pitchFamily="2" charset="-127"/>
-              </a:rPr>
-              <a:t>- </a:t>
-            </a:r>
-            <a:r>
-              <a:rPr lang="ko-KR" sz="2200" b="0" i="0" u="none" strike="noStrike" spc="-100" dirty="0">
-                <a:solidFill>
-                  <a:srgbClr val="173460"/>
-                </a:solidFill>
-                <a:latin typeface="Pretendard Bold" panose="02000803000000020004" pitchFamily="2" charset="-127"/>
-                <a:ea typeface="Pretendard Bold" panose="02000803000000020004" pitchFamily="2" charset="-127"/>
-                <a:cs typeface="Pretendard Bold" panose="02000803000000020004" pitchFamily="2" charset="-127"/>
-              </a:rPr>
-              <a:t>경기</a:t>
-            </a:r>
-            <a:r>
-              <a:rPr lang="en-US" sz="2200" b="0" i="0" u="none" strike="noStrike" spc="-100" dirty="0">
-                <a:solidFill>
-                  <a:srgbClr val="173460"/>
-                </a:solidFill>
-                <a:latin typeface="Pretendard Bold" panose="02000803000000020004" pitchFamily="2" charset="-127"/>
-                <a:ea typeface="Pretendard Bold" panose="02000803000000020004" pitchFamily="2" charset="-127"/>
-                <a:cs typeface="Pretendard Bold" panose="02000803000000020004" pitchFamily="2" charset="-127"/>
-              </a:rPr>
-              <a:t> </a:t>
-            </a:r>
-            <a:r>
-              <a:rPr lang="ko-KR" sz="2200" b="0" i="0" u="none" strike="noStrike" spc="-100" dirty="0">
-                <a:solidFill>
-                  <a:srgbClr val="173460"/>
-                </a:solidFill>
-                <a:latin typeface="Pretendard Bold" panose="02000803000000020004" pitchFamily="2" charset="-127"/>
-                <a:ea typeface="Pretendard Bold" panose="02000803000000020004" pitchFamily="2" charset="-127"/>
-                <a:cs typeface="Pretendard Bold" panose="02000803000000020004" pitchFamily="2" charset="-127"/>
-              </a:rPr>
-              <a:t>침체로</a:t>
-            </a:r>
-            <a:r>
-              <a:rPr lang="en-US" sz="2200" b="0" i="0" u="none" strike="noStrike" spc="-100" dirty="0">
-                <a:solidFill>
-                  <a:srgbClr val="173460"/>
-                </a:solidFill>
-                <a:latin typeface="Pretendard Bold" panose="02000803000000020004" pitchFamily="2" charset="-127"/>
-                <a:ea typeface="Pretendard Bold" panose="02000803000000020004" pitchFamily="2" charset="-127"/>
-                <a:cs typeface="Pretendard Bold" panose="02000803000000020004" pitchFamily="2" charset="-127"/>
-              </a:rPr>
-              <a:t> </a:t>
-            </a:r>
-            <a:r>
-              <a:rPr lang="ko-KR" sz="2200" b="0" i="0" u="none" strike="noStrike" spc="-100" dirty="0">
-                <a:solidFill>
-                  <a:srgbClr val="173460"/>
-                </a:solidFill>
-                <a:latin typeface="Pretendard Bold" panose="02000803000000020004" pitchFamily="2" charset="-127"/>
-                <a:ea typeface="Pretendard Bold" panose="02000803000000020004" pitchFamily="2" charset="-127"/>
-                <a:cs typeface="Pretendard Bold" panose="02000803000000020004" pitchFamily="2" charset="-127"/>
-              </a:rPr>
-              <a:t>인한</a:t>
-            </a:r>
-            <a:r>
-              <a:rPr lang="en-US" sz="2200" b="0" i="0" u="none" strike="noStrike" spc="-100" dirty="0">
-                <a:solidFill>
-                  <a:srgbClr val="173460"/>
-                </a:solidFill>
-                <a:latin typeface="Pretendard Bold" panose="02000803000000020004" pitchFamily="2" charset="-127"/>
-                <a:ea typeface="Pretendard Bold" panose="02000803000000020004" pitchFamily="2" charset="-127"/>
-                <a:cs typeface="Pretendard Bold" panose="02000803000000020004" pitchFamily="2" charset="-127"/>
-              </a:rPr>
-              <a:t> </a:t>
-            </a:r>
-            <a:r>
-              <a:rPr lang="ko-KR" sz="2800" b="0" i="0" u="none" strike="noStrike" spc="-100" dirty="0">
-                <a:solidFill>
-                  <a:srgbClr val="173460"/>
-                </a:solidFill>
-                <a:latin typeface="Pretendard Bold" panose="02000803000000020004" pitchFamily="2" charset="-127"/>
-                <a:ea typeface="Pretendard Bold" panose="02000803000000020004" pitchFamily="2" charset="-127"/>
-                <a:cs typeface="Pretendard Bold" panose="02000803000000020004" pitchFamily="2" charset="-127"/>
-              </a:rPr>
-              <a:t>수요</a:t>
-            </a:r>
-            <a:r>
-              <a:rPr lang="en-US" sz="2200" b="0" i="0" u="none" strike="noStrike" spc="-100" dirty="0">
-                <a:solidFill>
-                  <a:srgbClr val="173460"/>
-                </a:solidFill>
-                <a:latin typeface="Pretendard Bold" panose="02000803000000020004" pitchFamily="2" charset="-127"/>
-                <a:ea typeface="Pretendard Bold" panose="02000803000000020004" pitchFamily="2" charset="-127"/>
-                <a:cs typeface="Pretendard Bold" panose="02000803000000020004" pitchFamily="2" charset="-127"/>
-              </a:rPr>
-              <a:t> </a:t>
-            </a:r>
-            <a:r>
-              <a:rPr lang="ko-KR" sz="2200" b="0" i="0" u="none" strike="noStrike" spc="-100" dirty="0">
-                <a:solidFill>
-                  <a:srgbClr val="173460"/>
-                </a:solidFill>
-                <a:latin typeface="Pretendard Bold" panose="02000803000000020004" pitchFamily="2" charset="-127"/>
-                <a:ea typeface="Pretendard Bold" panose="02000803000000020004" pitchFamily="2" charset="-127"/>
-                <a:cs typeface="Pretendard Bold" panose="02000803000000020004" pitchFamily="2" charset="-127"/>
-              </a:rPr>
-              <a:t>감소</a:t>
-            </a:r>
-          </a:p>
-          <a:p>
-            <a:pPr lvl="0" algn="l">
-              <a:lnSpc>
-                <a:spcPct val="116199"/>
-              </a:lnSpc>
-            </a:pPr>
-            <a:r>
-              <a:rPr lang="en-US" sz="2200" b="0" i="0" u="none" strike="noStrike" spc="-100" dirty="0">
-                <a:solidFill>
-                  <a:srgbClr val="173460"/>
-                </a:solidFill>
-                <a:latin typeface="Pretendard Bold" panose="02000803000000020004" pitchFamily="2" charset="-127"/>
-                <a:ea typeface="Pretendard Bold" panose="02000803000000020004" pitchFamily="2" charset="-127"/>
-                <a:cs typeface="Pretendard Bold" panose="02000803000000020004" pitchFamily="2" charset="-127"/>
-              </a:rPr>
-              <a:t>- </a:t>
-            </a:r>
-            <a:r>
-              <a:rPr lang="ko-KR" sz="2200" b="0" i="0" u="none" strike="noStrike" spc="-100" dirty="0">
-                <a:solidFill>
-                  <a:srgbClr val="173460"/>
-                </a:solidFill>
-                <a:latin typeface="Pretendard Bold" panose="02000803000000020004" pitchFamily="2" charset="-127"/>
-                <a:ea typeface="Pretendard Bold" panose="02000803000000020004" pitchFamily="2" charset="-127"/>
-                <a:cs typeface="Pretendard Bold" panose="02000803000000020004" pitchFamily="2" charset="-127"/>
-              </a:rPr>
-              <a:t>법규</a:t>
-            </a:r>
-            <a:r>
-              <a:rPr lang="en-US" sz="2200" b="0" i="0" u="none" strike="noStrike" spc="-100" dirty="0">
-                <a:solidFill>
-                  <a:srgbClr val="173460"/>
-                </a:solidFill>
-                <a:latin typeface="Pretendard Bold" panose="02000803000000020004" pitchFamily="2" charset="-127"/>
-                <a:ea typeface="Pretendard Bold" panose="02000803000000020004" pitchFamily="2" charset="-127"/>
-                <a:cs typeface="Pretendard Bold" panose="02000803000000020004" pitchFamily="2" charset="-127"/>
-              </a:rPr>
-              <a:t> </a:t>
-            </a:r>
-            <a:r>
-              <a:rPr lang="ko-KR" sz="2200" b="0" i="0" u="none" strike="noStrike" spc="-100" dirty="0">
-                <a:solidFill>
-                  <a:srgbClr val="173460"/>
-                </a:solidFill>
-                <a:latin typeface="Pretendard Bold" panose="02000803000000020004" pitchFamily="2" charset="-127"/>
-                <a:ea typeface="Pretendard Bold" panose="02000803000000020004" pitchFamily="2" charset="-127"/>
-                <a:cs typeface="Pretendard Bold" panose="02000803000000020004" pitchFamily="2" charset="-127"/>
-              </a:rPr>
-              <a:t>및</a:t>
-            </a:r>
-            <a:r>
-              <a:rPr lang="en-US" sz="2200" b="0" i="0" u="none" strike="noStrike" spc="-100" dirty="0">
-                <a:solidFill>
-                  <a:srgbClr val="173460"/>
-                </a:solidFill>
-                <a:latin typeface="Pretendard Bold" panose="02000803000000020004" pitchFamily="2" charset="-127"/>
-                <a:ea typeface="Pretendard Bold" panose="02000803000000020004" pitchFamily="2" charset="-127"/>
-                <a:cs typeface="Pretendard Bold" panose="02000803000000020004" pitchFamily="2" charset="-127"/>
-              </a:rPr>
-              <a:t> </a:t>
-            </a:r>
-            <a:r>
-              <a:rPr lang="ko-KR" sz="2800" b="0" i="0" u="none" strike="noStrike" spc="-100" dirty="0">
-                <a:solidFill>
-                  <a:srgbClr val="173460"/>
-                </a:solidFill>
-                <a:latin typeface="Pretendard Bold" panose="02000803000000020004" pitchFamily="2" charset="-127"/>
-                <a:ea typeface="Pretendard Bold" panose="02000803000000020004" pitchFamily="2" charset="-127"/>
-                <a:cs typeface="Pretendard Bold" panose="02000803000000020004" pitchFamily="2" charset="-127"/>
-              </a:rPr>
-              <a:t>규제</a:t>
-            </a:r>
-            <a:r>
-              <a:rPr lang="en-US" sz="2200" b="0" i="0" u="none" strike="noStrike" spc="-100" dirty="0">
-                <a:solidFill>
-                  <a:srgbClr val="173460"/>
-                </a:solidFill>
-                <a:latin typeface="Pretendard Bold" panose="02000803000000020004" pitchFamily="2" charset="-127"/>
-                <a:ea typeface="Pretendard Bold" panose="02000803000000020004" pitchFamily="2" charset="-127"/>
-                <a:cs typeface="Pretendard Bold" panose="02000803000000020004" pitchFamily="2" charset="-127"/>
-              </a:rPr>
-              <a:t> </a:t>
-            </a:r>
-            <a:r>
-              <a:rPr lang="ko-KR" sz="2200" b="0" i="0" u="none" strike="noStrike" spc="-100" dirty="0">
-                <a:solidFill>
-                  <a:srgbClr val="173460"/>
-                </a:solidFill>
-                <a:latin typeface="Pretendard Bold" panose="02000803000000020004" pitchFamily="2" charset="-127"/>
-                <a:ea typeface="Pretendard Bold" panose="02000803000000020004" pitchFamily="2" charset="-127"/>
-                <a:cs typeface="Pretendard Bold" panose="02000803000000020004" pitchFamily="2" charset="-127"/>
-              </a:rPr>
-              <a:t>변화</a:t>
-            </a:r>
-          </a:p>
-          <a:p>
-            <a:pPr lvl="0" algn="l">
-              <a:lnSpc>
-                <a:spcPct val="116199"/>
-              </a:lnSpc>
-            </a:pPr>
-            <a:r>
-              <a:rPr lang="en-US" sz="2200" b="0" i="0" u="none" strike="noStrike" spc="-100" dirty="0">
-                <a:solidFill>
-                  <a:srgbClr val="173460"/>
-                </a:solidFill>
-                <a:latin typeface="Pretendard Bold" panose="02000803000000020004" pitchFamily="2" charset="-127"/>
-                <a:ea typeface="Pretendard Bold" panose="02000803000000020004" pitchFamily="2" charset="-127"/>
-                <a:cs typeface="Pretendard Bold" panose="02000803000000020004" pitchFamily="2" charset="-127"/>
-              </a:rPr>
-              <a:t>- </a:t>
-            </a:r>
-            <a:r>
-              <a:rPr lang="ko-KR" sz="2800" b="0" i="0" u="none" strike="noStrike" spc="-100" dirty="0">
-                <a:solidFill>
-                  <a:srgbClr val="173460"/>
-                </a:solidFill>
-                <a:latin typeface="Pretendard Bold" panose="02000803000000020004" pitchFamily="2" charset="-127"/>
-                <a:ea typeface="Pretendard Bold" panose="02000803000000020004" pitchFamily="2" charset="-127"/>
-                <a:cs typeface="Pretendard Bold" panose="02000803000000020004" pitchFamily="2" charset="-127"/>
-              </a:rPr>
-              <a:t>기술</a:t>
-            </a:r>
-            <a:r>
-              <a:rPr lang="en-US" sz="2800" b="0" i="0" u="none" strike="noStrike" spc="-100" dirty="0">
-                <a:solidFill>
-                  <a:srgbClr val="173460"/>
-                </a:solidFill>
-                <a:latin typeface="Pretendard Bold" panose="02000803000000020004" pitchFamily="2" charset="-127"/>
-                <a:ea typeface="Pretendard Bold" panose="02000803000000020004" pitchFamily="2" charset="-127"/>
-                <a:cs typeface="Pretendard Bold" panose="02000803000000020004" pitchFamily="2" charset="-127"/>
-              </a:rPr>
-              <a:t> </a:t>
-            </a:r>
-            <a:r>
-              <a:rPr lang="ko-KR" sz="2800" b="0" i="0" u="none" strike="noStrike" spc="-100" dirty="0">
-                <a:solidFill>
-                  <a:srgbClr val="173460"/>
-                </a:solidFill>
-                <a:latin typeface="Pretendard Bold" panose="02000803000000020004" pitchFamily="2" charset="-127"/>
-                <a:ea typeface="Pretendard Bold" panose="02000803000000020004" pitchFamily="2" charset="-127"/>
-                <a:cs typeface="Pretendard Bold" panose="02000803000000020004" pitchFamily="2" charset="-127"/>
-              </a:rPr>
-              <a:t>변화</a:t>
-            </a:r>
-            <a:r>
-              <a:rPr lang="ko-KR" sz="2200" b="0" i="0" u="none" strike="noStrike" spc="-100" dirty="0">
-                <a:solidFill>
-                  <a:srgbClr val="173460"/>
-                </a:solidFill>
-                <a:latin typeface="Pretendard Bold" panose="02000803000000020004" pitchFamily="2" charset="-127"/>
-                <a:ea typeface="Pretendard Bold" panose="02000803000000020004" pitchFamily="2" charset="-127"/>
-                <a:cs typeface="Pretendard Bold" panose="02000803000000020004" pitchFamily="2" charset="-127"/>
-              </a:rPr>
-              <a:t>에</a:t>
-            </a:r>
-            <a:r>
-              <a:rPr lang="en-US" sz="2200" b="0" i="0" u="none" strike="noStrike" spc="-100" dirty="0">
-                <a:solidFill>
-                  <a:srgbClr val="173460"/>
-                </a:solidFill>
-                <a:latin typeface="Pretendard Bold" panose="02000803000000020004" pitchFamily="2" charset="-127"/>
-                <a:ea typeface="Pretendard Bold" panose="02000803000000020004" pitchFamily="2" charset="-127"/>
-                <a:cs typeface="Pretendard Bold" panose="02000803000000020004" pitchFamily="2" charset="-127"/>
-              </a:rPr>
-              <a:t> </a:t>
-            </a:r>
-            <a:r>
-              <a:rPr lang="ko-KR" sz="2200" b="0" i="0" u="none" strike="noStrike" spc="-100" dirty="0">
-                <a:solidFill>
-                  <a:srgbClr val="173460"/>
-                </a:solidFill>
-                <a:latin typeface="Pretendard Bold" panose="02000803000000020004" pitchFamily="2" charset="-127"/>
-                <a:ea typeface="Pretendard Bold" panose="02000803000000020004" pitchFamily="2" charset="-127"/>
-                <a:cs typeface="Pretendard Bold" panose="02000803000000020004" pitchFamily="2" charset="-127"/>
-              </a:rPr>
-              <a:t>따른</a:t>
-            </a:r>
-            <a:r>
-              <a:rPr lang="en-US" sz="2200" b="0" i="0" u="none" strike="noStrike" spc="-100" dirty="0">
-                <a:solidFill>
-                  <a:srgbClr val="173460"/>
-                </a:solidFill>
-                <a:latin typeface="Pretendard Bold" panose="02000803000000020004" pitchFamily="2" charset="-127"/>
-                <a:ea typeface="Pretendard Bold" panose="02000803000000020004" pitchFamily="2" charset="-127"/>
-                <a:cs typeface="Pretendard Bold" panose="02000803000000020004" pitchFamily="2" charset="-127"/>
-              </a:rPr>
-              <a:t> </a:t>
-            </a:r>
-            <a:r>
-              <a:rPr lang="ko-KR" sz="2200" b="0" i="0" u="none" strike="noStrike" spc="-100" dirty="0">
-                <a:solidFill>
-                  <a:srgbClr val="173460"/>
-                </a:solidFill>
-                <a:latin typeface="Pretendard Bold" panose="02000803000000020004" pitchFamily="2" charset="-127"/>
-                <a:ea typeface="Pretendard Bold" panose="02000803000000020004" pitchFamily="2" charset="-127"/>
-                <a:cs typeface="Pretendard Bold" panose="02000803000000020004" pitchFamily="2" charset="-127"/>
-              </a:rPr>
-              <a:t>적응</a:t>
-            </a:r>
-          </a:p>
-        </p:txBody>
-      </p:sp>
-    </p:spTree>
-    <p:extLst>
-      <p:ext uri="{BB962C8B-B14F-4D97-AF65-F5344CB8AC3E}">
-        <p14:creationId xmlns:p14="http://schemas.microsoft.com/office/powerpoint/2010/main" val="2448349296"/>
-      </p:ext>
-    </p:extLst>
-  </p:cSld>
-  <p:clrMapOvr>
-    <a:masterClrMapping/>
-  </p:clrMapOvr>
-  <p:timing>
-    <p:tnLst>
-      <p:par>
-        <p:cTn id="1" dur="indefinite" restart="never" nodeType="tmRoot"/>
-      </p:par>
-    </p:tnLst>
-  </p:timing>
-</p:sld>
-</file>
-
-<file path=ppt/slides/slide6.xml><?xml version="1.0" encoding="utf-8"?>
-<p:sld xmlns:a="http://schemas.openxmlformats.org/drawingml/2006/main" xmlns:r="http://schemas.openxmlformats.org/officeDocument/2006/relationships" xmlns:p="http://schemas.openxmlformats.org/presentationml/2006/main">
-  <p:cSld>
-    <p:spTree>
-      <p:nvGrpSpPr>
-        <p:cNvPr id="1" name=""/>
-        <p:cNvGrpSpPr/>
-        <p:nvPr/>
-      </p:nvGrpSpPr>
-      <p:grpSpPr>
-        <a:xfrm>
-          <a:off x="0" y="0"/>
-          <a:ext cx="0" cy="0"/>
-          <a:chOff x="0" y="0"/>
-          <a:chExt cx="0" cy="0"/>
-        </a:xfrm>
-      </p:grpSpPr>
-      <p:pic>
-        <p:nvPicPr>
-          <p:cNvPr id="2" name="Picture 2"/>
-          <p:cNvPicPr>
-            <a:picLocks noChangeAspect="1"/>
-          </p:cNvPicPr>
-          <p:nvPr/>
-        </p:nvPicPr>
-        <p:blipFill>
-          <a:blip r:embed="rId2"/>
-          <a:stretch>
-            <a:fillRect/>
-          </a:stretch>
-        </p:blipFill>
         <p:spPr bwMode="gray">
           <a:xfrm>
             <a:off x="1805214" y="184028"/>
@@ -18236,7 +14125,7 @@
 </p:sld>
 </file>
 
-<file path=ppt/slides/slide7.xml><?xml version="1.0" encoding="utf-8"?>
+<file path=ppt/slides/slide6.xml><?xml version="1.0" encoding="utf-8"?>
 <p:sld xmlns:a="http://schemas.openxmlformats.org/drawingml/2006/main" xmlns:r="http://schemas.openxmlformats.org/officeDocument/2006/relationships" xmlns:p="http://schemas.openxmlformats.org/presentationml/2006/main">
   <p:cSld>
     <p:spTree>
@@ -19881,20 +15770,7 @@
                 <a:ea typeface="Pretendard Bold" panose="02000803000000020004" pitchFamily="2" charset="-127"/>
                 <a:cs typeface="Pretendard Bold" panose="02000803000000020004" pitchFamily="2" charset="-127"/>
               </a:rPr>
-              <a:t> </a:t>
-            </a:r>
-            <a:r>
-              <a:rPr lang="en-US" altLang="ko-KR" sz="2800" dirty="0" smtClean="0">
-                <a:solidFill>
-                  <a:schemeClr val="bg1">
-                    <a:lumMod val="95000"/>
-                  </a:schemeClr>
-                </a:solidFill>
-                <a:latin typeface="Pretendard Bold" panose="02000803000000020004" pitchFamily="2" charset="-127"/>
-                <a:ea typeface="Pretendard Bold" panose="02000803000000020004" pitchFamily="2" charset="-127"/>
-                <a:cs typeface="Pretendard Bold" panose="02000803000000020004" pitchFamily="2" charset="-127"/>
-              </a:rPr>
-              <a:t>vi test    </a:t>
+              <a:t> vi test    </a:t>
             </a:r>
             <a:r>
               <a:rPr lang="ko-KR" altLang="en-US" sz="2800" dirty="0" smtClean="0">
@@ -20447,7 +16323,7 @@
 </p:sld>
 </file>
 
-<file path=ppt/slides/slide8.xml><?xml version="1.0" encoding="utf-8"?>
+<file path=ppt/slides/slide7.xml><?xml version="1.0" encoding="utf-8"?>
 <p:sld xmlns:a="http://schemas.openxmlformats.org/drawingml/2006/main" xmlns:r="http://schemas.openxmlformats.org/officeDocument/2006/relationships" xmlns:p="http://schemas.openxmlformats.org/presentationml/2006/main">
   <p:cSld>
     <p:spTree>
@@ -21986,7 +17862,7 @@
 </p:sld>
 </file>
 
-<file path=ppt/slides/slide9.xml><?xml version="1.0" encoding="utf-8"?>
+<file path=ppt/slides/slide8.xml><?xml version="1.0" encoding="utf-8"?>
 <p:sld xmlns:a="http://schemas.openxmlformats.org/drawingml/2006/main" xmlns:r="http://schemas.openxmlformats.org/officeDocument/2006/relationships" xmlns:p="http://schemas.openxmlformats.org/presentationml/2006/main">
   <p:cSld>
     <p:bg>
@@ -24823,6 +20699,2260 @@
     <p:extLst>
       <p:ext uri="{BB962C8B-B14F-4D97-AF65-F5344CB8AC3E}">
         <p14:creationId xmlns:p14="http://schemas.microsoft.com/office/powerpoint/2010/main" val="2096349965"/>
+      </p:ext>
+    </p:extLst>
+  </p:cSld>
+  <p:clrMapOvr>
+    <a:masterClrMapping/>
+  </p:clrMapOvr>
+</p:sld>
+</file>
+
+<file path=ppt/slides/slide9.xml><?xml version="1.0" encoding="utf-8"?>
+<p:sld xmlns:a="http://schemas.openxmlformats.org/drawingml/2006/main" xmlns:r="http://schemas.openxmlformats.org/officeDocument/2006/relationships" xmlns:p="http://schemas.openxmlformats.org/presentationml/2006/main">
+  <p:cSld>
+    <p:bg>
+      <p:bgPr>
+        <a:solidFill>
+          <a:srgbClr val="334D74"/>
+        </a:solidFill>
+        <a:effectLst/>
+      </p:bgPr>
+    </p:bg>
+    <p:spTree>
+      <p:nvGrpSpPr>
+        <p:cNvPr id="1" name=""/>
+        <p:cNvGrpSpPr/>
+        <p:nvPr/>
+      </p:nvGrpSpPr>
+      <p:grpSpPr>
+        <a:xfrm>
+          <a:off x="0" y="0"/>
+          <a:ext cx="0" cy="0"/>
+          <a:chOff x="0" y="0"/>
+          <a:chExt cx="0" cy="0"/>
+        </a:xfrm>
+      </p:grpSpPr>
+      <p:pic>
+        <p:nvPicPr>
+          <p:cNvPr id="2" name="Picture 2"/>
+          <p:cNvPicPr>
+            <a:picLocks noChangeAspect="1"/>
+          </p:cNvPicPr>
+          <p:nvPr/>
+        </p:nvPicPr>
+        <p:blipFill>
+          <a:blip r:embed="rId2">
+            <a:alphaModFix amt="70000"/>
+          </a:blip>
+          <a:stretch>
+            <a:fillRect/>
+          </a:stretch>
+        </p:blipFill>
+        <p:spPr>
+          <a:xfrm>
+            <a:off x="0" y="0"/>
+            <a:ext cx="482600" cy="736600"/>
+          </a:xfrm>
+          <a:prstGeom prst="rect">
+            <a:avLst/>
+          </a:prstGeom>
+        </p:spPr>
+      </p:pic>
+      <p:sp>
+        <p:nvSpPr>
+          <p:cNvPr id="3" name="TextBox 3"/>
+          <p:cNvSpPr txBox="1"/>
+          <p:nvPr/>
+        </p:nvSpPr>
+        <p:spPr>
+          <a:xfrm>
+            <a:off x="1460500" y="1092200"/>
+            <a:ext cx="15367000" cy="1155700"/>
+          </a:xfrm>
+          <a:prstGeom prst="rect">
+            <a:avLst/>
+          </a:prstGeom>
+        </p:spPr>
+        <p:txBody>
+          <a:bodyPr lIns="0" tIns="0" rIns="0" bIns="0" rtlCol="0" anchor="ctr"/>
+          <a:lstStyle/>
+          <a:p>
+            <a:pPr algn="ctr">
+              <a:lnSpc>
+                <a:spcPct val="99600"/>
+              </a:lnSpc>
+              <a:defRPr/>
+            </a:pPr>
+            <a:r>
+              <a:rPr lang="ko-KR" altLang="en-US" sz="6500" b="1" spc="-200" dirty="0" smtClean="0">
+                <a:solidFill>
+                  <a:srgbClr val="FFFFFF"/>
+                </a:solidFill>
+                <a:ea typeface="LINE Seed Sans KR Regular"/>
+              </a:rPr>
+              <a:t>사용자    </a:t>
+            </a:r>
+            <a:r>
+              <a:rPr kumimoji="0" lang="ko-KR" altLang="en-US" sz="6500" b="1" i="0" u="none" strike="noStrike" kern="1200" cap="none" spc="-200" normalizeH="0" baseline="0" noProof="0" dirty="0" smtClean="0">
+                <a:ln>
+                  <a:noFill/>
+                </a:ln>
+                <a:solidFill>
+                  <a:srgbClr val="FFFFFF"/>
+                </a:solidFill>
+                <a:effectLst/>
+                <a:uLnTx/>
+                <a:uFillTx/>
+                <a:latin typeface="Calibri"/>
+                <a:ea typeface="LINE Seed Sans KR Regular"/>
+                <a:cs typeface="+mn-cs"/>
+              </a:rPr>
+              <a:t>시스템</a:t>
+            </a:r>
+            <a:r>
+              <a:rPr kumimoji="0" lang="en-US" sz="6500" b="1" i="0" u="none" strike="noStrike" kern="1200" cap="none" spc="-200" normalizeH="0" baseline="0" noProof="0" dirty="0" smtClean="0">
+                <a:ln>
+                  <a:noFill/>
+                </a:ln>
+                <a:solidFill>
+                  <a:srgbClr val="FFFFFF"/>
+                </a:solidFill>
+                <a:effectLst/>
+                <a:uLnTx/>
+                <a:uFillTx/>
+                <a:latin typeface="LINE Seed Sans KR Regular"/>
+                <a:ea typeface="+mn-ea"/>
+                <a:cs typeface="+mn-cs"/>
+              </a:rPr>
+              <a:t> </a:t>
+            </a:r>
+            <a:r>
+              <a:rPr kumimoji="0" lang="ko-KR" altLang="en-US" sz="6500" b="1" i="0" u="none" strike="noStrike" kern="1200" cap="none" spc="-200" normalizeH="0" baseline="0" noProof="0" dirty="0" smtClean="0">
+                <a:ln>
+                  <a:noFill/>
+                </a:ln>
+                <a:solidFill>
+                  <a:srgbClr val="FFFFFF"/>
+                </a:solidFill>
+                <a:effectLst/>
+                <a:uLnTx/>
+                <a:uFillTx/>
+                <a:latin typeface="Calibri"/>
+                <a:ea typeface="LINE Seed Sans KR Regular"/>
+                <a:cs typeface="+mn-cs"/>
+              </a:rPr>
+              <a:t>구조</a:t>
+            </a:r>
+            <a:endParaRPr kumimoji="0" lang="ko-KR" altLang="en-US" sz="6500" b="1" i="0" u="none" strike="noStrike" kern="1200" cap="none" spc="-200" normalizeH="0" baseline="0" noProof="0" dirty="0">
+              <a:ln>
+                <a:noFill/>
+              </a:ln>
+              <a:solidFill>
+                <a:srgbClr val="FFFFFF"/>
+              </a:solidFill>
+              <a:effectLst/>
+              <a:uLnTx/>
+              <a:uFillTx/>
+              <a:latin typeface="Calibri"/>
+              <a:ea typeface="LINE Seed Sans KR Regular"/>
+              <a:cs typeface="+mn-cs"/>
+            </a:endParaRPr>
+          </a:p>
+        </p:txBody>
+      </p:sp>
+      <p:pic>
+        <p:nvPicPr>
+          <p:cNvPr id="4" name="Picture 4"/>
+          <p:cNvPicPr>
+            <a:picLocks noChangeAspect="1"/>
+          </p:cNvPicPr>
+          <p:nvPr/>
+        </p:nvPicPr>
+        <p:blipFill>
+          <a:blip r:embed="rId3"/>
+          <a:stretch>
+            <a:fillRect/>
+          </a:stretch>
+        </p:blipFill>
+        <p:spPr>
+          <a:xfrm>
+            <a:off x="6591300" y="3962400"/>
+            <a:ext cx="5168900" cy="5168900"/>
+          </a:xfrm>
+          <a:prstGeom prst="rect">
+            <a:avLst/>
+          </a:prstGeom>
+        </p:spPr>
+      </p:pic>
+      <p:pic>
+        <p:nvPicPr>
+          <p:cNvPr id="5" name="Picture 5"/>
+          <p:cNvPicPr>
+            <a:picLocks noChangeAspect="1"/>
+          </p:cNvPicPr>
+          <p:nvPr/>
+        </p:nvPicPr>
+        <p:blipFill>
+          <a:blip r:embed="rId4"/>
+          <a:stretch>
+            <a:fillRect/>
+          </a:stretch>
+        </p:blipFill>
+        <p:spPr>
+          <a:xfrm>
+            <a:off x="6756400" y="4140200"/>
+            <a:ext cx="4851400" cy="4851400"/>
+          </a:xfrm>
+          <a:prstGeom prst="rect">
+            <a:avLst/>
+          </a:prstGeom>
+          <a:effectLst>
+            <a:outerShdw blurRad="152400" dist="317500" dir="5400000" sx="90000" sy="-19000" rotWithShape="0">
+              <a:prstClr val="black">
+                <a:alpha val="15000"/>
+              </a:prstClr>
+            </a:outerShdw>
+          </a:effectLst>
+        </p:spPr>
+      </p:pic>
+      <p:sp>
+        <p:nvSpPr>
+          <p:cNvPr id="6" name="TextBox 6"/>
+          <p:cNvSpPr txBox="1"/>
+          <p:nvPr/>
+        </p:nvSpPr>
+        <p:spPr>
+          <a:xfrm>
+            <a:off x="7137400" y="6007100"/>
+            <a:ext cx="4089400" cy="1092200"/>
+          </a:xfrm>
+          <a:prstGeom prst="rect">
+            <a:avLst/>
+          </a:prstGeom>
+        </p:spPr>
+        <p:txBody>
+          <a:bodyPr lIns="0" tIns="0" rIns="0" bIns="0" rtlCol="0" anchor="ctr"/>
+          <a:lstStyle/>
+          <a:p>
+            <a:pPr marL="0" marR="0" lvl="0" indent="0" algn="ctr" defTabSz="914400" rtl="0" eaLnBrk="1" fontAlgn="auto" latinLnBrk="0" hangingPunct="1">
+              <a:lnSpc>
+                <a:spcPct val="87149"/>
+              </a:lnSpc>
+              <a:spcBef>
+                <a:spcPts val="0"/>
+              </a:spcBef>
+              <a:spcAft>
+                <a:spcPts val="0"/>
+              </a:spcAft>
+              <a:buClrTx/>
+              <a:buSzTx/>
+              <a:buFontTx/>
+              <a:buNone/>
+              <a:tabLst/>
+              <a:defRPr/>
+            </a:pPr>
+            <a:r>
+              <a:rPr kumimoji="0" lang="ko-KR" altLang="en-US" sz="3500" b="0" i="0" u="none" strike="noStrike" kern="1200" cap="none" spc="-100" normalizeH="0" baseline="0" noProof="0" dirty="0">
+                <a:ln>
+                  <a:noFill/>
+                </a:ln>
+                <a:solidFill>
+                  <a:srgbClr val="334D74"/>
+                </a:solidFill>
+                <a:effectLst/>
+                <a:uLnTx/>
+                <a:uFillTx/>
+                <a:latin typeface="Pretendard ExtraBold" panose="02000903000000020004" pitchFamily="2" charset="-127"/>
+                <a:ea typeface="Pretendard ExtraBold" panose="02000903000000020004" pitchFamily="2" charset="-127"/>
+                <a:cs typeface="Pretendard ExtraBold" panose="02000903000000020004" pitchFamily="2" charset="-127"/>
+              </a:rPr>
+              <a:t>사용자</a:t>
+            </a:r>
+          </a:p>
+          <a:p>
+            <a:pPr marL="0" marR="0" lvl="0" indent="0" algn="ctr" defTabSz="914400" rtl="0" eaLnBrk="1" fontAlgn="auto" latinLnBrk="0" hangingPunct="1">
+              <a:lnSpc>
+                <a:spcPct val="87149"/>
+              </a:lnSpc>
+              <a:spcBef>
+                <a:spcPts val="0"/>
+              </a:spcBef>
+              <a:spcAft>
+                <a:spcPts val="0"/>
+              </a:spcAft>
+              <a:buClrTx/>
+              <a:buSzTx/>
+              <a:buFontTx/>
+              <a:buNone/>
+              <a:tabLst/>
+              <a:defRPr/>
+            </a:pPr>
+            <a:r>
+              <a:rPr kumimoji="0" lang="en-US" sz="2800" b="0" i="0" u="none" strike="noStrike" kern="1200" cap="none" spc="-100" normalizeH="0" baseline="0" noProof="0" dirty="0">
+                <a:ln>
+                  <a:noFill/>
+                </a:ln>
+                <a:solidFill>
+                  <a:srgbClr val="334D74"/>
+                </a:solidFill>
+                <a:effectLst/>
+                <a:uLnTx/>
+                <a:uFillTx/>
+                <a:latin typeface="Pretendard Light" panose="02000403000000020004" pitchFamily="2" charset="-127"/>
+                <a:ea typeface="Pretendard Light" panose="02000403000000020004" pitchFamily="2" charset="-127"/>
+                <a:cs typeface="Pretendard Light" panose="02000403000000020004" pitchFamily="2" charset="-127"/>
+              </a:rPr>
+              <a:t>(User)</a:t>
+            </a:r>
+          </a:p>
+        </p:txBody>
+      </p:sp>
+      <p:sp>
+        <p:nvSpPr>
+          <p:cNvPr id="7" name="TextBox 7"/>
+          <p:cNvSpPr txBox="1"/>
+          <p:nvPr/>
+        </p:nvSpPr>
+        <p:spPr>
+          <a:xfrm>
+            <a:off x="1358900" y="3746500"/>
+            <a:ext cx="4432300" cy="482600"/>
+          </a:xfrm>
+          <a:prstGeom prst="rect">
+            <a:avLst/>
+          </a:prstGeom>
+        </p:spPr>
+        <p:txBody>
+          <a:bodyPr lIns="0" tIns="0" rIns="0" bIns="0" rtlCol="0" anchor="b"/>
+          <a:lstStyle/>
+          <a:p>
+            <a:pPr marL="0" marR="0" lvl="0" indent="0" algn="r" defTabSz="914400" rtl="0" eaLnBrk="1" fontAlgn="auto" latinLnBrk="0" hangingPunct="1">
+              <a:lnSpc>
+                <a:spcPct val="99600"/>
+              </a:lnSpc>
+              <a:spcBef>
+                <a:spcPts val="0"/>
+              </a:spcBef>
+              <a:spcAft>
+                <a:spcPts val="0"/>
+              </a:spcAft>
+              <a:buClrTx/>
+              <a:buSzTx/>
+              <a:buFontTx/>
+              <a:buNone/>
+              <a:tabLst/>
+              <a:defRPr/>
+            </a:pPr>
+            <a:r>
+              <a:rPr kumimoji="0" lang="ko-KR" altLang="en-US" sz="3200" b="0" i="0" u="none" strike="noStrike" kern="1200" cap="none" spc="0" normalizeH="0" baseline="0" noProof="0" dirty="0">
+                <a:ln>
+                  <a:noFill/>
+                </a:ln>
+                <a:solidFill>
+                  <a:srgbClr val="FFFFFF"/>
+                </a:solidFill>
+                <a:effectLst/>
+                <a:uLnTx/>
+                <a:uFillTx/>
+                <a:latin typeface="Calibri"/>
+                <a:ea typeface="LINE Seed Sans KR Regular"/>
+                <a:cs typeface="+mn-cs"/>
+              </a:rPr>
+              <a:t>서비스</a:t>
+            </a:r>
+            <a:r>
+              <a:rPr kumimoji="0" lang="en-US" sz="3200" b="0" i="0" u="none" strike="noStrike" kern="1200" cap="none" spc="0" normalizeH="0" baseline="0" noProof="0" dirty="0">
+                <a:ln>
+                  <a:noFill/>
+                </a:ln>
+                <a:solidFill>
+                  <a:srgbClr val="FFFFFF"/>
+                </a:solidFill>
+                <a:effectLst/>
+                <a:uLnTx/>
+                <a:uFillTx/>
+                <a:latin typeface="LINE Seed Sans KR Regular"/>
+                <a:cs typeface="+mn-cs"/>
+              </a:rPr>
+              <a:t> </a:t>
+            </a:r>
+            <a:r>
+              <a:rPr kumimoji="0" lang="ko-KR" altLang="en-US" sz="3200" b="0" i="0" u="none" strike="noStrike" kern="1200" cap="none" spc="0" normalizeH="0" baseline="0" noProof="0" dirty="0">
+                <a:ln>
+                  <a:noFill/>
+                </a:ln>
+                <a:solidFill>
+                  <a:srgbClr val="FFFFFF"/>
+                </a:solidFill>
+                <a:effectLst/>
+                <a:uLnTx/>
+                <a:uFillTx/>
+                <a:latin typeface="Calibri"/>
+                <a:ea typeface="LINE Seed Sans KR Regular"/>
+                <a:cs typeface="+mn-cs"/>
+              </a:rPr>
+              <a:t>이용</a:t>
+            </a:r>
+          </a:p>
+        </p:txBody>
+      </p:sp>
+      <p:grpSp>
+        <p:nvGrpSpPr>
+          <p:cNvPr id="8" name="Group 8"/>
+          <p:cNvGrpSpPr/>
+          <p:nvPr/>
+        </p:nvGrpSpPr>
+        <p:grpSpPr>
+          <a:xfrm>
+            <a:off x="2147483647" y="2147483647"/>
+            <a:ext cx="2147483647" cy="2147483647"/>
+            <a:chOff x="0" y="0"/>
+            <a:chExt cx="0" cy="0"/>
+          </a:xfrm>
+        </p:grpSpPr>
+      </p:grpSp>
+      <p:pic>
+        <p:nvPicPr>
+          <p:cNvPr id="9" name="Picture 9"/>
+          <p:cNvPicPr>
+            <a:picLocks noChangeAspect="1"/>
+          </p:cNvPicPr>
+          <p:nvPr/>
+        </p:nvPicPr>
+        <p:blipFill>
+          <a:blip r:embed="rId5"/>
+          <a:stretch>
+            <a:fillRect/>
+          </a:stretch>
+        </p:blipFill>
+        <p:spPr>
+          <a:xfrm>
+            <a:off x="5918200" y="3657600"/>
+            <a:ext cx="749300" cy="749300"/>
+          </a:xfrm>
+          <a:prstGeom prst="rect">
+            <a:avLst/>
+          </a:prstGeom>
+        </p:spPr>
+      </p:pic>
+      <p:sp>
+        <p:nvSpPr>
+          <p:cNvPr id="10" name="TextBox 10"/>
+          <p:cNvSpPr txBox="1"/>
+          <p:nvPr/>
+        </p:nvSpPr>
+        <p:spPr>
+          <a:xfrm>
+            <a:off x="5969000" y="3810000"/>
+            <a:ext cx="635000" cy="508000"/>
+          </a:xfrm>
+          <a:prstGeom prst="rect">
+            <a:avLst/>
+          </a:prstGeom>
+        </p:spPr>
+        <p:txBody>
+          <a:bodyPr lIns="0" tIns="0" rIns="0" bIns="0" rtlCol="0" anchor="ctr"/>
+          <a:lstStyle/>
+          <a:p>
+            <a:pPr marL="0" marR="0" lvl="0" indent="0" algn="ctr" defTabSz="914400" rtl="0" eaLnBrk="1" fontAlgn="auto" latinLnBrk="0" hangingPunct="1">
+              <a:lnSpc>
+                <a:spcPct val="99600"/>
+              </a:lnSpc>
+              <a:spcBef>
+                <a:spcPts val="0"/>
+              </a:spcBef>
+              <a:spcAft>
+                <a:spcPts val="0"/>
+              </a:spcAft>
+              <a:buClrTx/>
+              <a:buSzTx/>
+              <a:buFontTx/>
+              <a:buNone/>
+              <a:tabLst/>
+              <a:defRPr/>
+            </a:pPr>
+            <a:r>
+              <a:rPr kumimoji="0" lang="en-US" sz="2900" b="0" i="0" u="none" strike="noStrike" kern="1200" cap="none" spc="-100" normalizeH="0" baseline="0" noProof="0">
+                <a:ln>
+                  <a:noFill/>
+                </a:ln>
+                <a:solidFill>
+                  <a:srgbClr val="334D74"/>
+                </a:solidFill>
+                <a:effectLst/>
+                <a:uLnTx/>
+                <a:uFillTx/>
+                <a:latin typeface="LINE Seed Sans KR Regular"/>
+                <a:ea typeface="+mn-ea"/>
+                <a:cs typeface="+mn-cs"/>
+              </a:rPr>
+              <a:t>01</a:t>
+            </a:r>
+          </a:p>
+        </p:txBody>
+      </p:sp>
+      <p:sp>
+        <p:nvSpPr>
+          <p:cNvPr id="11" name="TextBox 11"/>
+          <p:cNvSpPr txBox="1"/>
+          <p:nvPr/>
+        </p:nvSpPr>
+        <p:spPr>
+          <a:xfrm>
+            <a:off x="3124200" y="4749800"/>
+            <a:ext cx="2628900" cy="1320800"/>
+          </a:xfrm>
+          <a:prstGeom prst="rect">
+            <a:avLst/>
+          </a:prstGeom>
+        </p:spPr>
+        <p:txBody>
+          <a:bodyPr lIns="0" tIns="0" rIns="0" bIns="0" rtlCol="0" anchor="t"/>
+          <a:lstStyle/>
+          <a:p>
+            <a:pPr marR="0" lvl="0" algn="r" defTabSz="914400" rtl="0" eaLnBrk="1" fontAlgn="auto" latinLnBrk="0" hangingPunct="1">
+              <a:lnSpc>
+                <a:spcPct val="116199"/>
+              </a:lnSpc>
+              <a:spcBef>
+                <a:spcPts val="0"/>
+              </a:spcBef>
+              <a:spcAft>
+                <a:spcPts val="0"/>
+              </a:spcAft>
+              <a:buClrTx/>
+              <a:buSzTx/>
+              <a:tabLst/>
+              <a:defRPr/>
+            </a:pPr>
+            <a:endParaRPr kumimoji="0" lang="ko-KR" altLang="en-US" sz="2200" b="0" i="0" u="none" strike="noStrike" kern="1200" cap="none" spc="-100" normalizeH="0" baseline="0" noProof="0" dirty="0">
+              <a:ln>
+                <a:noFill/>
+              </a:ln>
+              <a:solidFill>
+                <a:srgbClr val="D0DAF5"/>
+              </a:solidFill>
+              <a:effectLst/>
+              <a:uLnTx/>
+              <a:uFillTx/>
+              <a:latin typeface="Calibri"/>
+              <a:ea typeface="LINE Seed Sans KR Regular"/>
+              <a:cs typeface="+mn-cs"/>
+            </a:endParaRPr>
+          </a:p>
+          <a:p>
+            <a:pPr marL="0" marR="0" lvl="0" indent="0" algn="r" defTabSz="914400" rtl="0" eaLnBrk="1" fontAlgn="auto" latinLnBrk="0" hangingPunct="1">
+              <a:lnSpc>
+                <a:spcPct val="116199"/>
+              </a:lnSpc>
+              <a:spcBef>
+                <a:spcPts val="0"/>
+              </a:spcBef>
+              <a:spcAft>
+                <a:spcPts val="0"/>
+              </a:spcAft>
+              <a:buClrTx/>
+              <a:buSzTx/>
+              <a:buFontTx/>
+              <a:buNone/>
+              <a:tabLst/>
+              <a:defRPr/>
+            </a:pPr>
+            <a:r>
+              <a:rPr kumimoji="0" lang="en-US" sz="2200" b="0" i="0" u="none" strike="noStrike" kern="1200" cap="none" spc="-100" normalizeH="0" baseline="0" noProof="0" dirty="0">
+                <a:ln>
+                  <a:noFill/>
+                </a:ln>
+                <a:solidFill>
+                  <a:srgbClr val="D0DAF5"/>
+                </a:solidFill>
+                <a:effectLst/>
+                <a:uLnTx/>
+                <a:uFillTx/>
+                <a:latin typeface="LINE Seed Sans KR Regular"/>
+                <a:ea typeface="+mn-ea"/>
+                <a:cs typeface="+mn-cs"/>
+              </a:rPr>
+              <a:t>- </a:t>
+            </a:r>
+            <a:r>
+              <a:rPr kumimoji="0" lang="ko-KR" altLang="en-US" sz="2800" b="0" i="0" u="sng" strike="noStrike" kern="1200" cap="none" spc="-100" normalizeH="0" baseline="0" noProof="0" dirty="0">
+                <a:ln>
+                  <a:noFill/>
+                </a:ln>
+                <a:solidFill>
+                  <a:srgbClr val="D0DAF5"/>
+                </a:solidFill>
+                <a:effectLst/>
+                <a:uLnTx/>
+                <a:uFillTx/>
+                <a:latin typeface="Calibri"/>
+                <a:ea typeface="LINE Seed Sans KR Regular"/>
+                <a:cs typeface="+mn-cs"/>
+              </a:rPr>
+              <a:t>차량</a:t>
+            </a:r>
+            <a:r>
+              <a:rPr kumimoji="0" lang="en-US" sz="2800" b="0" i="0" u="sng" strike="noStrike" kern="1200" cap="none" spc="-100" normalizeH="0" baseline="0" noProof="0" dirty="0">
+                <a:ln>
+                  <a:noFill/>
+                </a:ln>
+                <a:solidFill>
+                  <a:srgbClr val="D0DAF5"/>
+                </a:solidFill>
+                <a:effectLst/>
+                <a:uLnTx/>
+                <a:uFillTx/>
+                <a:latin typeface="LINE Seed Sans KR Regular"/>
+                <a:cs typeface="+mn-cs"/>
+              </a:rPr>
+              <a:t> </a:t>
+            </a:r>
+            <a:r>
+              <a:rPr kumimoji="0" lang="ko-KR" altLang="en-US" sz="2800" b="0" i="0" u="sng" strike="noStrike" kern="1200" cap="none" spc="-100" normalizeH="0" baseline="0" noProof="0" dirty="0" smtClean="0">
+                <a:ln>
+                  <a:noFill/>
+                </a:ln>
+                <a:solidFill>
+                  <a:srgbClr val="D0DAF5"/>
+                </a:solidFill>
+                <a:effectLst/>
+                <a:uLnTx/>
+                <a:uFillTx/>
+                <a:latin typeface="Calibri"/>
+                <a:ea typeface="LINE Seed Sans KR Regular"/>
+                <a:cs typeface="+mn-cs"/>
+              </a:rPr>
+              <a:t>점검 예약</a:t>
+            </a:r>
+            <a:endParaRPr kumimoji="0" lang="ko-KR" altLang="en-US" sz="2800" b="0" i="0" u="sng" strike="noStrike" kern="1200" cap="none" spc="-100" normalizeH="0" baseline="0" noProof="0" dirty="0">
+              <a:ln>
+                <a:noFill/>
+              </a:ln>
+              <a:solidFill>
+                <a:srgbClr val="D0DAF5"/>
+              </a:solidFill>
+              <a:effectLst/>
+              <a:uLnTx/>
+              <a:uFillTx/>
+              <a:latin typeface="Calibri"/>
+              <a:ea typeface="LINE Seed Sans KR Regular"/>
+              <a:cs typeface="+mn-cs"/>
+            </a:endParaRPr>
+          </a:p>
+          <a:p>
+            <a:pPr marL="0" marR="0" lvl="0" indent="0" algn="r" defTabSz="914400" rtl="0" eaLnBrk="1" fontAlgn="auto" latinLnBrk="0" hangingPunct="1">
+              <a:lnSpc>
+                <a:spcPct val="116199"/>
+              </a:lnSpc>
+              <a:spcBef>
+                <a:spcPts val="0"/>
+              </a:spcBef>
+              <a:spcAft>
+                <a:spcPts val="0"/>
+              </a:spcAft>
+              <a:buClrTx/>
+              <a:buSzTx/>
+              <a:buFontTx/>
+              <a:buNone/>
+              <a:tabLst/>
+              <a:defRPr/>
+            </a:pPr>
+            <a:r>
+              <a:rPr kumimoji="0" lang="en-US" sz="2200" b="0" i="0" u="none" strike="noStrike" kern="1200" cap="none" spc="-100" normalizeH="0" baseline="0" noProof="0" dirty="0">
+                <a:ln>
+                  <a:noFill/>
+                </a:ln>
+                <a:solidFill>
+                  <a:srgbClr val="D0DAF5"/>
+                </a:solidFill>
+                <a:effectLst/>
+                <a:uLnTx/>
+                <a:uFillTx/>
+                <a:latin typeface="LINE Seed Sans KR Regular"/>
+                <a:ea typeface="+mn-ea"/>
+                <a:cs typeface="+mn-cs"/>
+              </a:rPr>
+              <a:t>- </a:t>
+            </a:r>
+            <a:r>
+              <a:rPr kumimoji="0" lang="ko-KR" altLang="en-US" sz="2200" b="0" i="0" u="none" strike="noStrike" kern="1200" cap="none" spc="-100" normalizeH="0" baseline="0" noProof="0" dirty="0" smtClean="0">
+                <a:ln>
+                  <a:noFill/>
+                </a:ln>
+                <a:solidFill>
+                  <a:srgbClr val="D0DAF5"/>
+                </a:solidFill>
+                <a:effectLst/>
+                <a:uLnTx/>
+                <a:uFillTx/>
+                <a:latin typeface="Calibri"/>
+                <a:ea typeface="LINE Seed Sans KR Regular"/>
+                <a:cs typeface="+mn-cs"/>
+              </a:rPr>
+              <a:t>맞춤</a:t>
+            </a:r>
+            <a:r>
+              <a:rPr kumimoji="0" lang="en-US" sz="2200" b="0" i="0" u="none" strike="noStrike" kern="1200" cap="none" spc="-100" normalizeH="0" baseline="0" noProof="0" dirty="0" smtClean="0">
+                <a:ln>
+                  <a:noFill/>
+                </a:ln>
+                <a:solidFill>
+                  <a:srgbClr val="D0DAF5"/>
+                </a:solidFill>
+                <a:effectLst/>
+                <a:uLnTx/>
+                <a:uFillTx/>
+                <a:latin typeface="LINE Seed Sans KR Regular"/>
+                <a:ea typeface="+mn-ea"/>
+                <a:cs typeface="+mn-cs"/>
+              </a:rPr>
+              <a:t> </a:t>
+            </a:r>
+            <a:r>
+              <a:rPr kumimoji="0" lang="ko-KR" altLang="en-US" sz="2200" b="0" i="0" u="none" strike="noStrike" kern="1200" cap="none" spc="-100" normalizeH="0" baseline="0" noProof="0" dirty="0">
+                <a:ln>
+                  <a:noFill/>
+                </a:ln>
+                <a:solidFill>
+                  <a:srgbClr val="D0DAF5"/>
+                </a:solidFill>
+                <a:effectLst/>
+                <a:uLnTx/>
+                <a:uFillTx/>
+                <a:latin typeface="Calibri"/>
+                <a:ea typeface="LINE Seed Sans KR Regular"/>
+                <a:cs typeface="+mn-cs"/>
+              </a:rPr>
+              <a:t>정비</a:t>
+            </a:r>
+            <a:r>
+              <a:rPr kumimoji="0" lang="en-US" sz="2200" b="0" i="0" u="none" strike="noStrike" kern="1200" cap="none" spc="-100" normalizeH="0" baseline="0" noProof="0" dirty="0">
+                <a:ln>
+                  <a:noFill/>
+                </a:ln>
+                <a:solidFill>
+                  <a:srgbClr val="D0DAF5"/>
+                </a:solidFill>
+                <a:effectLst/>
+                <a:uLnTx/>
+                <a:uFillTx/>
+                <a:latin typeface="LINE Seed Sans KR Regular"/>
+                <a:ea typeface="+mn-ea"/>
+                <a:cs typeface="+mn-cs"/>
+              </a:rPr>
+              <a:t> </a:t>
+            </a:r>
+            <a:r>
+              <a:rPr kumimoji="0" lang="ko-KR" altLang="en-US" sz="2200" b="0" i="0" u="none" strike="noStrike" kern="1200" cap="none" spc="-100" normalizeH="0" baseline="0" noProof="0" dirty="0">
+                <a:ln>
+                  <a:noFill/>
+                </a:ln>
+                <a:solidFill>
+                  <a:srgbClr val="D0DAF5"/>
+                </a:solidFill>
+                <a:effectLst/>
+                <a:uLnTx/>
+                <a:uFillTx/>
+                <a:latin typeface="Calibri"/>
+                <a:ea typeface="LINE Seed Sans KR Regular"/>
+                <a:cs typeface="+mn-cs"/>
+              </a:rPr>
+              <a:t>상담</a:t>
+            </a:r>
+          </a:p>
+        </p:txBody>
+      </p:sp>
+      <p:sp>
+        <p:nvSpPr>
+          <p:cNvPr id="12" name="TextBox 12"/>
+          <p:cNvSpPr txBox="1"/>
+          <p:nvPr/>
+        </p:nvSpPr>
+        <p:spPr>
+          <a:xfrm>
+            <a:off x="1130300" y="6997700"/>
+            <a:ext cx="4381500" cy="482600"/>
+          </a:xfrm>
+          <a:prstGeom prst="rect">
+            <a:avLst/>
+          </a:prstGeom>
+        </p:spPr>
+        <p:txBody>
+          <a:bodyPr lIns="0" tIns="0" rIns="0" bIns="0" rtlCol="0" anchor="b"/>
+          <a:lstStyle/>
+          <a:p>
+            <a:pPr marL="0" marR="0" lvl="0" indent="0" algn="r" defTabSz="914400" rtl="0" eaLnBrk="1" fontAlgn="auto" latinLnBrk="0" hangingPunct="1">
+              <a:lnSpc>
+                <a:spcPct val="99600"/>
+              </a:lnSpc>
+              <a:spcBef>
+                <a:spcPts val="0"/>
+              </a:spcBef>
+              <a:spcAft>
+                <a:spcPts val="0"/>
+              </a:spcAft>
+              <a:buClrTx/>
+              <a:buSzTx/>
+              <a:buFontTx/>
+              <a:buNone/>
+              <a:tabLst/>
+              <a:defRPr/>
+            </a:pPr>
+            <a:r>
+              <a:rPr kumimoji="0" lang="ko-KR" altLang="en-US" sz="3200" b="0" i="0" u="none" strike="noStrike" kern="1200" cap="none" spc="0" normalizeH="0" baseline="0" noProof="0">
+                <a:ln>
+                  <a:noFill/>
+                </a:ln>
+                <a:solidFill>
+                  <a:srgbClr val="FFFFFF"/>
+                </a:solidFill>
+                <a:effectLst/>
+                <a:uLnTx/>
+                <a:uFillTx/>
+                <a:latin typeface="Calibri"/>
+                <a:ea typeface="LINE Seed Sans KR Regular"/>
+                <a:cs typeface="+mn-cs"/>
+              </a:rPr>
+              <a:t>관리</a:t>
+            </a:r>
+            <a:r>
+              <a:rPr kumimoji="0" lang="en-US" sz="3200" b="0" i="0" u="none" strike="noStrike" kern="1200" cap="none" spc="0" normalizeH="0" baseline="0" noProof="0">
+                <a:ln>
+                  <a:noFill/>
+                </a:ln>
+                <a:solidFill>
+                  <a:srgbClr val="FFFFFF"/>
+                </a:solidFill>
+                <a:effectLst/>
+                <a:uLnTx/>
+                <a:uFillTx/>
+                <a:latin typeface="LINE Seed Sans KR Regular"/>
+                <a:cs typeface="+mn-cs"/>
+              </a:rPr>
+              <a:t> </a:t>
+            </a:r>
+            <a:r>
+              <a:rPr kumimoji="0" lang="ko-KR" altLang="en-US" sz="3200" b="0" i="0" u="none" strike="noStrike" kern="1200" cap="none" spc="0" normalizeH="0" baseline="0" noProof="0">
+                <a:ln>
+                  <a:noFill/>
+                </a:ln>
+                <a:solidFill>
+                  <a:srgbClr val="FFFFFF"/>
+                </a:solidFill>
+                <a:effectLst/>
+                <a:uLnTx/>
+                <a:uFillTx/>
+                <a:latin typeface="Calibri"/>
+                <a:ea typeface="LINE Seed Sans KR Regular"/>
+                <a:cs typeface="+mn-cs"/>
+              </a:rPr>
+              <a:t>요청</a:t>
+            </a:r>
+          </a:p>
+        </p:txBody>
+      </p:sp>
+      <p:grpSp>
+        <p:nvGrpSpPr>
+          <p:cNvPr id="13" name="Group 13"/>
+          <p:cNvGrpSpPr/>
+          <p:nvPr/>
+        </p:nvGrpSpPr>
+        <p:grpSpPr>
+          <a:xfrm>
+            <a:off x="2147483647" y="2147483647"/>
+            <a:ext cx="2147483647" cy="2147483647"/>
+            <a:chOff x="0" y="0"/>
+            <a:chExt cx="0" cy="0"/>
+          </a:xfrm>
+        </p:grpSpPr>
+      </p:grpSp>
+      <p:pic>
+        <p:nvPicPr>
+          <p:cNvPr id="14" name="Picture 14"/>
+          <p:cNvPicPr>
+            <a:picLocks noChangeAspect="1"/>
+          </p:cNvPicPr>
+          <p:nvPr/>
+        </p:nvPicPr>
+        <p:blipFill>
+          <a:blip r:embed="rId5"/>
+          <a:stretch>
+            <a:fillRect/>
+          </a:stretch>
+        </p:blipFill>
+        <p:spPr>
+          <a:xfrm>
+            <a:off x="5676900" y="6908800"/>
+            <a:ext cx="749300" cy="749300"/>
+          </a:xfrm>
+          <a:prstGeom prst="rect">
+            <a:avLst/>
+          </a:prstGeom>
+        </p:spPr>
+      </p:pic>
+      <p:sp>
+        <p:nvSpPr>
+          <p:cNvPr id="15" name="TextBox 15"/>
+          <p:cNvSpPr txBox="1"/>
+          <p:nvPr/>
+        </p:nvSpPr>
+        <p:spPr>
+          <a:xfrm>
+            <a:off x="5740400" y="7048500"/>
+            <a:ext cx="635000" cy="508000"/>
+          </a:xfrm>
+          <a:prstGeom prst="rect">
+            <a:avLst/>
+          </a:prstGeom>
+        </p:spPr>
+        <p:txBody>
+          <a:bodyPr lIns="0" tIns="0" rIns="0" bIns="0" rtlCol="0" anchor="ctr"/>
+          <a:lstStyle/>
+          <a:p>
+            <a:pPr marL="0" marR="0" lvl="0" indent="0" algn="ctr" defTabSz="914400" rtl="0" eaLnBrk="1" fontAlgn="auto" latinLnBrk="0" hangingPunct="1">
+              <a:lnSpc>
+                <a:spcPct val="99600"/>
+              </a:lnSpc>
+              <a:spcBef>
+                <a:spcPts val="0"/>
+              </a:spcBef>
+              <a:spcAft>
+                <a:spcPts val="0"/>
+              </a:spcAft>
+              <a:buClrTx/>
+              <a:buSzTx/>
+              <a:buFontTx/>
+              <a:buNone/>
+              <a:tabLst/>
+              <a:defRPr/>
+            </a:pPr>
+            <a:r>
+              <a:rPr kumimoji="0" lang="en-US" sz="2900" b="0" i="0" u="none" strike="noStrike" kern="1200" cap="none" spc="-100" normalizeH="0" baseline="0" noProof="0">
+                <a:ln>
+                  <a:noFill/>
+                </a:ln>
+                <a:solidFill>
+                  <a:srgbClr val="334D74"/>
+                </a:solidFill>
+                <a:effectLst/>
+                <a:uLnTx/>
+                <a:uFillTx/>
+                <a:latin typeface="LINE Seed Sans KR Regular"/>
+                <a:ea typeface="+mn-ea"/>
+                <a:cs typeface="+mn-cs"/>
+              </a:rPr>
+              <a:t>03</a:t>
+            </a:r>
+          </a:p>
+        </p:txBody>
+      </p:sp>
+      <p:sp>
+        <p:nvSpPr>
+          <p:cNvPr id="16" name="TextBox 16"/>
+          <p:cNvSpPr txBox="1"/>
+          <p:nvPr/>
+        </p:nvSpPr>
+        <p:spPr>
+          <a:xfrm>
+            <a:off x="2286000" y="7759700"/>
+            <a:ext cx="3225800" cy="1562100"/>
+          </a:xfrm>
+          <a:prstGeom prst="rect">
+            <a:avLst/>
+          </a:prstGeom>
+        </p:spPr>
+        <p:txBody>
+          <a:bodyPr lIns="0" tIns="0" rIns="0" bIns="0" rtlCol="0" anchor="t"/>
+          <a:lstStyle/>
+          <a:p>
+            <a:pPr marL="0" marR="0" lvl="0" indent="0" algn="r" defTabSz="914400" rtl="0" eaLnBrk="1" fontAlgn="auto" latinLnBrk="0" hangingPunct="1">
+              <a:lnSpc>
+                <a:spcPct val="116199"/>
+              </a:lnSpc>
+              <a:spcBef>
+                <a:spcPts val="0"/>
+              </a:spcBef>
+              <a:spcAft>
+                <a:spcPts val="0"/>
+              </a:spcAft>
+              <a:buClrTx/>
+              <a:buSzTx/>
+              <a:buFontTx/>
+              <a:buNone/>
+              <a:tabLst/>
+              <a:defRPr/>
+            </a:pPr>
+            <a:r>
+              <a:rPr kumimoji="0" lang="en-US" sz="2200" b="0" i="0" u="none" strike="noStrike" kern="1200" cap="none" spc="-100" normalizeH="0" baseline="0" noProof="0" dirty="0">
+                <a:ln>
+                  <a:noFill/>
+                </a:ln>
+                <a:solidFill>
+                  <a:srgbClr val="D0DAF5"/>
+                </a:solidFill>
+                <a:effectLst/>
+                <a:uLnTx/>
+                <a:uFillTx/>
+                <a:latin typeface="LINE Seed Sans KR Regular"/>
+                <a:ea typeface="+mn-ea"/>
+                <a:cs typeface="+mn-cs"/>
+              </a:rPr>
+              <a:t>- </a:t>
+            </a:r>
+            <a:r>
+              <a:rPr kumimoji="0" lang="ko-KR" altLang="en-US" sz="2800" b="0" i="0" u="sng" strike="noStrike" kern="1200" cap="none" spc="-100" normalizeH="0" baseline="0" noProof="0" dirty="0">
+                <a:ln>
+                  <a:noFill/>
+                </a:ln>
+                <a:solidFill>
+                  <a:srgbClr val="D0DAF5"/>
+                </a:solidFill>
+                <a:effectLst/>
+                <a:uLnTx/>
+                <a:uFillTx/>
+                <a:latin typeface="Calibri"/>
+                <a:ea typeface="LINE Seed Sans KR Regular"/>
+                <a:cs typeface="+mn-cs"/>
+              </a:rPr>
+              <a:t>유지보수</a:t>
+            </a:r>
+            <a:r>
+              <a:rPr kumimoji="0" lang="en-US" sz="2800" b="0" i="0" u="sng" strike="noStrike" kern="1200" cap="none" spc="-100" normalizeH="0" baseline="0" noProof="0" dirty="0">
+                <a:ln>
+                  <a:noFill/>
+                </a:ln>
+                <a:solidFill>
+                  <a:srgbClr val="D0DAF5"/>
+                </a:solidFill>
+                <a:effectLst/>
+                <a:uLnTx/>
+                <a:uFillTx/>
+                <a:latin typeface="LINE Seed Sans KR Regular"/>
+                <a:cs typeface="+mn-cs"/>
+              </a:rPr>
+              <a:t> </a:t>
+            </a:r>
+            <a:r>
+              <a:rPr kumimoji="0" lang="ko-KR" altLang="en-US" sz="2800" b="0" i="0" u="sng" strike="noStrike" kern="1200" cap="none" spc="-100" normalizeH="0" baseline="0" noProof="0" dirty="0">
+                <a:ln>
+                  <a:noFill/>
+                </a:ln>
+                <a:solidFill>
+                  <a:srgbClr val="D0DAF5"/>
+                </a:solidFill>
+                <a:effectLst/>
+                <a:uLnTx/>
+                <a:uFillTx/>
+                <a:latin typeface="Calibri"/>
+                <a:ea typeface="LINE Seed Sans KR Regular"/>
+                <a:cs typeface="+mn-cs"/>
+              </a:rPr>
+              <a:t>일정</a:t>
+            </a:r>
+            <a:r>
+              <a:rPr kumimoji="0" lang="en-US" sz="2800" b="0" i="0" u="sng" strike="noStrike" kern="1200" cap="none" spc="-100" normalizeH="0" baseline="0" noProof="0" dirty="0">
+                <a:ln>
+                  <a:noFill/>
+                </a:ln>
+                <a:solidFill>
+                  <a:srgbClr val="D0DAF5"/>
+                </a:solidFill>
+                <a:effectLst/>
+                <a:uLnTx/>
+                <a:uFillTx/>
+                <a:latin typeface="LINE Seed Sans KR Regular"/>
+                <a:cs typeface="+mn-cs"/>
+              </a:rPr>
+              <a:t> </a:t>
+            </a:r>
+            <a:r>
+              <a:rPr kumimoji="0" lang="ko-KR" altLang="en-US" sz="2800" b="0" i="0" u="sng" strike="noStrike" kern="1200" cap="none" spc="-100" normalizeH="0" baseline="0" noProof="0" dirty="0">
+                <a:ln>
+                  <a:noFill/>
+                </a:ln>
+                <a:solidFill>
+                  <a:srgbClr val="D0DAF5"/>
+                </a:solidFill>
+                <a:effectLst/>
+                <a:uLnTx/>
+                <a:uFillTx/>
+                <a:latin typeface="Calibri"/>
+                <a:ea typeface="LINE Seed Sans KR Regular"/>
+                <a:cs typeface="+mn-cs"/>
+              </a:rPr>
+              <a:t>관리</a:t>
+            </a:r>
+          </a:p>
+          <a:p>
+            <a:pPr marL="0" marR="0" lvl="0" indent="0" algn="r" defTabSz="914400" rtl="0" eaLnBrk="1" fontAlgn="auto" latinLnBrk="0" hangingPunct="1">
+              <a:lnSpc>
+                <a:spcPct val="116199"/>
+              </a:lnSpc>
+              <a:spcBef>
+                <a:spcPts val="0"/>
+              </a:spcBef>
+              <a:spcAft>
+                <a:spcPts val="0"/>
+              </a:spcAft>
+              <a:buClrTx/>
+              <a:buSzTx/>
+              <a:buFontTx/>
+              <a:buNone/>
+              <a:tabLst/>
+              <a:defRPr/>
+            </a:pPr>
+            <a:r>
+              <a:rPr kumimoji="0" lang="en-US" sz="2200" b="0" i="0" u="none" strike="noStrike" kern="1200" cap="none" spc="-100" normalizeH="0" baseline="0" noProof="0" dirty="0">
+                <a:ln>
+                  <a:noFill/>
+                </a:ln>
+                <a:solidFill>
+                  <a:srgbClr val="D0DAF5"/>
+                </a:solidFill>
+                <a:effectLst/>
+                <a:uLnTx/>
+                <a:uFillTx/>
+                <a:latin typeface="LINE Seed Sans KR Regular"/>
+                <a:ea typeface="+mn-ea"/>
+                <a:cs typeface="+mn-cs"/>
+              </a:rPr>
+              <a:t>- </a:t>
+            </a:r>
+            <a:r>
+              <a:rPr kumimoji="0" lang="en-US" sz="2200" b="0" i="0" u="none" strike="noStrike" kern="1200" cap="none" spc="-100" normalizeH="0" baseline="0" noProof="0" dirty="0" smtClean="0">
+                <a:ln>
+                  <a:noFill/>
+                </a:ln>
+                <a:solidFill>
+                  <a:srgbClr val="D0DAF5"/>
+                </a:solidFill>
+                <a:effectLst/>
+                <a:uLnTx/>
+                <a:uFillTx/>
+                <a:latin typeface="LINE Seed Sans KR Regular"/>
+                <a:ea typeface="+mn-ea"/>
+                <a:cs typeface="+mn-cs"/>
+              </a:rPr>
+              <a:t> </a:t>
+            </a:r>
+            <a:r>
+              <a:rPr kumimoji="0" lang="ko-KR" altLang="en-US" sz="2200" b="0" i="0" u="none" strike="noStrike" kern="1200" cap="none" spc="-100" normalizeH="0" baseline="0" noProof="0" dirty="0">
+                <a:ln>
+                  <a:noFill/>
+                </a:ln>
+                <a:solidFill>
+                  <a:srgbClr val="D0DAF5"/>
+                </a:solidFill>
+                <a:effectLst/>
+                <a:uLnTx/>
+                <a:uFillTx/>
+                <a:latin typeface="Calibri"/>
+                <a:ea typeface="LINE Seed Sans KR Regular"/>
+                <a:cs typeface="+mn-cs"/>
+              </a:rPr>
+              <a:t>교체</a:t>
+            </a:r>
+            <a:r>
+              <a:rPr kumimoji="0" lang="en-US" sz="2800" b="0" i="0" u="none" strike="noStrike" kern="1200" cap="none" spc="-100" normalizeH="0" baseline="0" noProof="0" dirty="0">
+                <a:ln>
+                  <a:noFill/>
+                </a:ln>
+                <a:solidFill>
+                  <a:srgbClr val="D0DAF5"/>
+                </a:solidFill>
+                <a:effectLst/>
+                <a:uLnTx/>
+                <a:uFillTx/>
+                <a:latin typeface="LINE Seed Sans KR Regular"/>
+                <a:cs typeface="+mn-cs"/>
+              </a:rPr>
+              <a:t> </a:t>
+            </a:r>
+            <a:r>
+              <a:rPr kumimoji="0" lang="ko-KR" altLang="en-US" sz="2800" b="0" i="0" u="sng" strike="noStrike" kern="1200" cap="none" spc="-100" normalizeH="0" baseline="0" noProof="0" dirty="0">
+                <a:ln>
+                  <a:noFill/>
+                </a:ln>
+                <a:solidFill>
+                  <a:srgbClr val="D0DAF5"/>
+                </a:solidFill>
+                <a:effectLst/>
+                <a:uLnTx/>
+                <a:uFillTx/>
+                <a:latin typeface="Calibri"/>
+                <a:ea typeface="LINE Seed Sans KR Regular"/>
+                <a:cs typeface="+mn-cs"/>
+              </a:rPr>
+              <a:t>알림</a:t>
+            </a:r>
+            <a:r>
+              <a:rPr kumimoji="0" lang="en-US" sz="2800" b="0" i="0" u="sng" strike="noStrike" kern="1200" cap="none" spc="-100" normalizeH="0" baseline="0" noProof="0" dirty="0">
+                <a:ln>
+                  <a:noFill/>
+                </a:ln>
+                <a:solidFill>
+                  <a:srgbClr val="D0DAF5"/>
+                </a:solidFill>
+                <a:effectLst/>
+                <a:uLnTx/>
+                <a:uFillTx/>
+                <a:latin typeface="LINE Seed Sans KR Regular"/>
+                <a:cs typeface="+mn-cs"/>
+              </a:rPr>
+              <a:t> </a:t>
+            </a:r>
+            <a:r>
+              <a:rPr kumimoji="0" lang="ko-KR" altLang="en-US" sz="2800" b="0" i="0" u="sng" strike="noStrike" kern="1200" cap="none" spc="-100" normalizeH="0" baseline="0" noProof="0" dirty="0">
+                <a:ln>
+                  <a:noFill/>
+                </a:ln>
+                <a:solidFill>
+                  <a:srgbClr val="D0DAF5"/>
+                </a:solidFill>
+                <a:effectLst/>
+                <a:uLnTx/>
+                <a:uFillTx/>
+                <a:latin typeface="Calibri"/>
+                <a:ea typeface="LINE Seed Sans KR Regular"/>
+                <a:cs typeface="+mn-cs"/>
+              </a:rPr>
+              <a:t>설정</a:t>
+            </a:r>
+            <a:endParaRPr kumimoji="0" lang="ko-KR" altLang="en-US" sz="2200" b="0" i="0" u="sng" strike="noStrike" kern="1200" cap="none" spc="-100" normalizeH="0" baseline="0" noProof="0" dirty="0">
+              <a:ln>
+                <a:noFill/>
+              </a:ln>
+              <a:solidFill>
+                <a:srgbClr val="D0DAF5"/>
+              </a:solidFill>
+              <a:effectLst/>
+              <a:uLnTx/>
+              <a:uFillTx/>
+              <a:latin typeface="Calibri"/>
+              <a:ea typeface="LINE Seed Sans KR Regular"/>
+              <a:cs typeface="+mn-cs"/>
+            </a:endParaRPr>
+          </a:p>
+          <a:p>
+            <a:pPr marL="0" marR="0" lvl="0" indent="0" algn="r" defTabSz="914400" rtl="0" eaLnBrk="1" fontAlgn="auto" latinLnBrk="0" hangingPunct="1">
+              <a:lnSpc>
+                <a:spcPct val="116199"/>
+              </a:lnSpc>
+              <a:spcBef>
+                <a:spcPts val="0"/>
+              </a:spcBef>
+              <a:spcAft>
+                <a:spcPts val="0"/>
+              </a:spcAft>
+              <a:buClrTx/>
+              <a:buSzTx/>
+              <a:buFontTx/>
+              <a:buNone/>
+              <a:tabLst/>
+              <a:defRPr/>
+            </a:pPr>
+            <a:endParaRPr kumimoji="0" lang="ko-KR" altLang="en-US" sz="2200" b="0" i="0" u="none" strike="noStrike" kern="1200" cap="none" spc="-100" normalizeH="0" baseline="0" noProof="0" dirty="0">
+              <a:ln>
+                <a:noFill/>
+              </a:ln>
+              <a:solidFill>
+                <a:srgbClr val="D0DAF5"/>
+              </a:solidFill>
+              <a:effectLst/>
+              <a:uLnTx/>
+              <a:uFillTx/>
+              <a:latin typeface="Calibri"/>
+              <a:ea typeface="LINE Seed Sans KR Regular"/>
+              <a:cs typeface="+mn-cs"/>
+            </a:endParaRPr>
+          </a:p>
+        </p:txBody>
+      </p:sp>
+      <p:sp>
+        <p:nvSpPr>
+          <p:cNvPr id="17" name="TextBox 17"/>
+          <p:cNvSpPr txBox="1"/>
+          <p:nvPr/>
+        </p:nvSpPr>
+        <p:spPr>
+          <a:xfrm>
+            <a:off x="12585700" y="3759200"/>
+            <a:ext cx="4508500" cy="482600"/>
+          </a:xfrm>
+          <a:prstGeom prst="rect">
+            <a:avLst/>
+          </a:prstGeom>
+        </p:spPr>
+        <p:txBody>
+          <a:bodyPr lIns="0" tIns="0" rIns="0" bIns="0" rtlCol="0" anchor="b"/>
+          <a:lstStyle/>
+          <a:p>
+            <a:pPr marL="0" marR="0" lvl="0" indent="0" algn="l" defTabSz="914400" rtl="0" eaLnBrk="1" fontAlgn="auto" latinLnBrk="0" hangingPunct="1">
+              <a:lnSpc>
+                <a:spcPct val="99600"/>
+              </a:lnSpc>
+              <a:spcBef>
+                <a:spcPts val="0"/>
+              </a:spcBef>
+              <a:spcAft>
+                <a:spcPts val="0"/>
+              </a:spcAft>
+              <a:buClrTx/>
+              <a:buSzTx/>
+              <a:buFontTx/>
+              <a:buNone/>
+              <a:tabLst/>
+              <a:defRPr/>
+            </a:pPr>
+            <a:r>
+              <a:rPr kumimoji="0" lang="ko-KR" altLang="en-US" sz="3200" b="0" i="0" u="none" strike="noStrike" kern="1200" cap="none" spc="0" normalizeH="0" baseline="0" noProof="0" dirty="0">
+                <a:ln>
+                  <a:noFill/>
+                </a:ln>
+                <a:solidFill>
+                  <a:srgbClr val="FFFFFF"/>
+                </a:solidFill>
+                <a:effectLst/>
+                <a:uLnTx/>
+                <a:uFillTx/>
+                <a:latin typeface="Calibri"/>
+                <a:ea typeface="LINE Seed Sans KR Regular"/>
+                <a:cs typeface="+mn-cs"/>
+              </a:rPr>
+              <a:t>정보</a:t>
+            </a:r>
+            <a:r>
+              <a:rPr kumimoji="0" lang="en-US" sz="3200" b="0" i="0" u="none" strike="noStrike" kern="1200" cap="none" spc="0" normalizeH="0" baseline="0" noProof="0" dirty="0">
+                <a:ln>
+                  <a:noFill/>
+                </a:ln>
+                <a:solidFill>
+                  <a:srgbClr val="FFFFFF"/>
+                </a:solidFill>
+                <a:effectLst/>
+                <a:uLnTx/>
+                <a:uFillTx/>
+                <a:latin typeface="LINE Seed Sans KR Regular"/>
+                <a:cs typeface="+mn-cs"/>
+              </a:rPr>
+              <a:t> </a:t>
+            </a:r>
+            <a:r>
+              <a:rPr kumimoji="0" lang="ko-KR" altLang="en-US" sz="3200" b="0" i="0" u="none" strike="noStrike" kern="1200" cap="none" spc="0" normalizeH="0" baseline="0" noProof="0" dirty="0">
+                <a:ln>
+                  <a:noFill/>
+                </a:ln>
+                <a:solidFill>
+                  <a:srgbClr val="FFFFFF"/>
+                </a:solidFill>
+                <a:effectLst/>
+                <a:uLnTx/>
+                <a:uFillTx/>
+                <a:latin typeface="Calibri"/>
+                <a:ea typeface="LINE Seed Sans KR Regular"/>
+                <a:cs typeface="+mn-cs"/>
+              </a:rPr>
+              <a:t>확인</a:t>
+            </a:r>
+          </a:p>
+        </p:txBody>
+      </p:sp>
+      <p:grpSp>
+        <p:nvGrpSpPr>
+          <p:cNvPr id="18" name="Group 18"/>
+          <p:cNvGrpSpPr/>
+          <p:nvPr/>
+        </p:nvGrpSpPr>
+        <p:grpSpPr>
+          <a:xfrm>
+            <a:off x="2147483647" y="2147483647"/>
+            <a:ext cx="2147483647" cy="2147483647"/>
+            <a:chOff x="0" y="0"/>
+            <a:chExt cx="0" cy="0"/>
+          </a:xfrm>
+        </p:grpSpPr>
+      </p:grpSp>
+      <p:pic>
+        <p:nvPicPr>
+          <p:cNvPr id="19" name="Picture 19"/>
+          <p:cNvPicPr>
+            <a:picLocks noChangeAspect="1"/>
+          </p:cNvPicPr>
+          <p:nvPr/>
+        </p:nvPicPr>
+        <p:blipFill>
+          <a:blip r:embed="rId5"/>
+          <a:stretch>
+            <a:fillRect/>
+          </a:stretch>
+        </p:blipFill>
+        <p:spPr>
+          <a:xfrm>
+            <a:off x="11671300" y="3670300"/>
+            <a:ext cx="749300" cy="749300"/>
+          </a:xfrm>
+          <a:prstGeom prst="rect">
+            <a:avLst/>
+          </a:prstGeom>
+        </p:spPr>
+      </p:pic>
+      <p:sp>
+        <p:nvSpPr>
+          <p:cNvPr id="20" name="TextBox 20"/>
+          <p:cNvSpPr txBox="1"/>
+          <p:nvPr/>
+        </p:nvSpPr>
+        <p:spPr>
+          <a:xfrm>
+            <a:off x="11734800" y="3810000"/>
+            <a:ext cx="635000" cy="508000"/>
+          </a:xfrm>
+          <a:prstGeom prst="rect">
+            <a:avLst/>
+          </a:prstGeom>
+        </p:spPr>
+        <p:txBody>
+          <a:bodyPr lIns="0" tIns="0" rIns="0" bIns="0" rtlCol="0" anchor="ctr"/>
+          <a:lstStyle/>
+          <a:p>
+            <a:pPr marL="0" marR="0" lvl="0" indent="0" algn="ctr" defTabSz="914400" rtl="0" eaLnBrk="1" fontAlgn="auto" latinLnBrk="0" hangingPunct="1">
+              <a:lnSpc>
+                <a:spcPct val="99600"/>
+              </a:lnSpc>
+              <a:spcBef>
+                <a:spcPts val="0"/>
+              </a:spcBef>
+              <a:spcAft>
+                <a:spcPts val="0"/>
+              </a:spcAft>
+              <a:buClrTx/>
+              <a:buSzTx/>
+              <a:buFontTx/>
+              <a:buNone/>
+              <a:tabLst/>
+              <a:defRPr/>
+            </a:pPr>
+            <a:r>
+              <a:rPr kumimoji="0" lang="en-US" sz="2900" b="0" i="0" u="none" strike="noStrike" kern="1200" cap="none" spc="-100" normalizeH="0" baseline="0" noProof="0">
+                <a:ln>
+                  <a:noFill/>
+                </a:ln>
+                <a:solidFill>
+                  <a:srgbClr val="334D74"/>
+                </a:solidFill>
+                <a:effectLst/>
+                <a:uLnTx/>
+                <a:uFillTx/>
+                <a:latin typeface="LINE Seed Sans KR Regular"/>
+                <a:ea typeface="+mn-ea"/>
+                <a:cs typeface="+mn-cs"/>
+              </a:rPr>
+              <a:t>02</a:t>
+            </a:r>
+          </a:p>
+        </p:txBody>
+      </p:sp>
+      <p:sp>
+        <p:nvSpPr>
+          <p:cNvPr id="21" name="TextBox 21"/>
+          <p:cNvSpPr txBox="1"/>
+          <p:nvPr/>
+        </p:nvSpPr>
+        <p:spPr>
+          <a:xfrm>
+            <a:off x="12420600" y="4521200"/>
+            <a:ext cx="4495800" cy="1231900"/>
+          </a:xfrm>
+          <a:prstGeom prst="rect">
+            <a:avLst/>
+          </a:prstGeom>
+        </p:spPr>
+        <p:txBody>
+          <a:bodyPr lIns="0" tIns="0" rIns="0" bIns="0" rtlCol="0" anchor="t"/>
+          <a:lstStyle/>
+          <a:p>
+            <a:pPr marL="342900" marR="0" lvl="0" indent="-342900" algn="l" defTabSz="914400" rtl="0" eaLnBrk="1" fontAlgn="auto" latinLnBrk="0" hangingPunct="1">
+              <a:lnSpc>
+                <a:spcPct val="116199"/>
+              </a:lnSpc>
+              <a:spcBef>
+                <a:spcPts val="0"/>
+              </a:spcBef>
+              <a:spcAft>
+                <a:spcPts val="0"/>
+              </a:spcAft>
+              <a:buClrTx/>
+              <a:buSzTx/>
+              <a:buFontTx/>
+              <a:buChar char="-"/>
+              <a:tabLst/>
+              <a:defRPr/>
+            </a:pPr>
+            <a:r>
+              <a:rPr kumimoji="0" lang="ko-KR" altLang="en-US" sz="2200" b="0" i="0" u="none" strike="noStrike" kern="1200" cap="none" spc="-100" normalizeH="0" baseline="0" noProof="0" dirty="0" smtClean="0">
+                <a:ln>
+                  <a:noFill/>
+                </a:ln>
+                <a:solidFill>
+                  <a:srgbClr val="D0DAF5"/>
+                </a:solidFill>
+                <a:effectLst/>
+                <a:uLnTx/>
+                <a:uFillTx/>
+                <a:latin typeface="Calibri"/>
+                <a:ea typeface="LINE Seed Sans KR Regular"/>
+                <a:cs typeface="+mn-cs"/>
+              </a:rPr>
+              <a:t>부품</a:t>
+            </a:r>
+            <a:r>
+              <a:rPr kumimoji="0" lang="en-US" sz="2200" b="0" i="0" u="none" strike="noStrike" kern="1200" cap="none" spc="-100" normalizeH="0" baseline="0" noProof="0" dirty="0" smtClean="0">
+                <a:ln>
+                  <a:noFill/>
+                </a:ln>
+                <a:solidFill>
+                  <a:srgbClr val="D0DAF5"/>
+                </a:solidFill>
+                <a:effectLst/>
+                <a:uLnTx/>
+                <a:uFillTx/>
+                <a:latin typeface="LINE Seed Sans KR Regular"/>
+                <a:ea typeface="+mn-ea"/>
+                <a:cs typeface="+mn-cs"/>
+              </a:rPr>
+              <a:t> </a:t>
+            </a:r>
+            <a:r>
+              <a:rPr kumimoji="0" lang="ko-KR" altLang="en-US" sz="2800" b="0" i="0" u="sng" strike="noStrike" kern="1200" cap="none" spc="-100" normalizeH="0" baseline="0" noProof="0" dirty="0" smtClean="0">
+                <a:ln>
+                  <a:noFill/>
+                </a:ln>
+                <a:solidFill>
+                  <a:srgbClr val="D0DAF5"/>
+                </a:solidFill>
+                <a:effectLst/>
+                <a:uLnTx/>
+                <a:uFillTx/>
+                <a:latin typeface="Calibri"/>
+                <a:ea typeface="LINE Seed Sans KR Regular"/>
+                <a:cs typeface="+mn-cs"/>
+              </a:rPr>
+              <a:t>최저가 </a:t>
+            </a:r>
+            <a:r>
+              <a:rPr kumimoji="0" lang="en-US" sz="2800" b="0" i="0" u="sng" strike="noStrike" kern="1200" cap="none" spc="-100" normalizeH="0" baseline="0" noProof="0" dirty="0" smtClean="0">
+                <a:ln>
+                  <a:noFill/>
+                </a:ln>
+                <a:solidFill>
+                  <a:srgbClr val="D0DAF5"/>
+                </a:solidFill>
+                <a:effectLst/>
+                <a:uLnTx/>
+                <a:uFillTx/>
+                <a:latin typeface="LINE Seed Sans KR Regular"/>
+                <a:cs typeface="+mn-cs"/>
+              </a:rPr>
+              <a:t> </a:t>
+            </a:r>
+            <a:r>
+              <a:rPr kumimoji="0" lang="ko-KR" altLang="en-US" sz="2800" b="0" i="0" u="sng" strike="noStrike" kern="1200" cap="none" spc="-100" normalizeH="0" baseline="0" noProof="0" dirty="0" smtClean="0">
+                <a:ln>
+                  <a:noFill/>
+                </a:ln>
+                <a:solidFill>
+                  <a:srgbClr val="D0DAF5"/>
+                </a:solidFill>
+                <a:effectLst/>
+                <a:uLnTx/>
+                <a:uFillTx/>
+                <a:latin typeface="Calibri"/>
+                <a:ea typeface="LINE Seed Sans KR Regular"/>
+                <a:cs typeface="+mn-cs"/>
+              </a:rPr>
+              <a:t>비교</a:t>
+            </a:r>
+            <a:endParaRPr kumimoji="0" lang="en-US" altLang="ko-KR" sz="2800" b="0" i="0" u="sng" strike="noStrike" kern="1200" cap="none" spc="-100" normalizeH="0" baseline="0" noProof="0" dirty="0" smtClean="0">
+              <a:ln>
+                <a:noFill/>
+              </a:ln>
+              <a:solidFill>
+                <a:srgbClr val="D0DAF5"/>
+              </a:solidFill>
+              <a:effectLst/>
+              <a:uLnTx/>
+              <a:uFillTx/>
+              <a:latin typeface="Calibri"/>
+              <a:ea typeface="LINE Seed Sans KR Regular"/>
+              <a:cs typeface="+mn-cs"/>
+            </a:endParaRPr>
+          </a:p>
+          <a:p>
+            <a:pPr marL="342900" marR="0" lvl="0" indent="-342900" algn="l" defTabSz="914400" rtl="0" eaLnBrk="1" fontAlgn="auto" latinLnBrk="0" hangingPunct="1">
+              <a:lnSpc>
+                <a:spcPct val="116199"/>
+              </a:lnSpc>
+              <a:spcBef>
+                <a:spcPts val="0"/>
+              </a:spcBef>
+              <a:spcAft>
+                <a:spcPts val="0"/>
+              </a:spcAft>
+              <a:buClrTx/>
+              <a:buSzTx/>
+              <a:buFontTx/>
+              <a:buChar char="-"/>
+              <a:tabLst/>
+              <a:defRPr/>
+            </a:pPr>
+            <a:r>
+              <a:rPr lang="ko-KR" altLang="en-US" sz="2200" spc="-100" dirty="0" smtClean="0">
+                <a:solidFill>
+                  <a:srgbClr val="D0DAF5"/>
+                </a:solidFill>
+                <a:latin typeface="Calibri"/>
+                <a:ea typeface="LINE Seed Sans KR Regular"/>
+              </a:rPr>
+              <a:t>추천 부품</a:t>
+            </a:r>
+            <a:r>
+              <a:rPr lang="en-US" altLang="ko-KR" sz="2200" spc="-100" dirty="0" smtClean="0">
+                <a:solidFill>
+                  <a:srgbClr val="D0DAF5"/>
+                </a:solidFill>
+                <a:latin typeface="Calibri"/>
+                <a:ea typeface="LINE Seed Sans KR Regular"/>
+              </a:rPr>
+              <a:t>, </a:t>
+            </a:r>
+            <a:r>
+              <a:rPr lang="ko-KR" altLang="en-US" sz="2200" spc="-100" dirty="0" smtClean="0">
+                <a:solidFill>
+                  <a:srgbClr val="D0DAF5"/>
+                </a:solidFill>
+                <a:latin typeface="Calibri"/>
+                <a:ea typeface="LINE Seed Sans KR Regular"/>
+              </a:rPr>
+              <a:t>정보 확인</a:t>
+            </a:r>
+            <a:endParaRPr kumimoji="0" lang="ko-KR" altLang="en-US" sz="2200" b="0" i="0" u="none" strike="noStrike" kern="1200" cap="none" spc="-100" normalizeH="0" baseline="0" noProof="0" dirty="0">
+              <a:ln>
+                <a:noFill/>
+              </a:ln>
+              <a:solidFill>
+                <a:srgbClr val="D0DAF5"/>
+              </a:solidFill>
+              <a:effectLst/>
+              <a:uLnTx/>
+              <a:uFillTx/>
+              <a:latin typeface="Calibri"/>
+              <a:ea typeface="LINE Seed Sans KR Regular"/>
+              <a:cs typeface="+mn-cs"/>
+            </a:endParaRPr>
+          </a:p>
+        </p:txBody>
+      </p:sp>
+      <p:sp>
+        <p:nvSpPr>
+          <p:cNvPr id="22" name="TextBox 22"/>
+          <p:cNvSpPr txBox="1"/>
+          <p:nvPr/>
+        </p:nvSpPr>
+        <p:spPr>
+          <a:xfrm>
+            <a:off x="12865100" y="6997700"/>
+            <a:ext cx="4508500" cy="482600"/>
+          </a:xfrm>
+          <a:prstGeom prst="rect">
+            <a:avLst/>
+          </a:prstGeom>
+        </p:spPr>
+        <p:txBody>
+          <a:bodyPr lIns="0" tIns="0" rIns="0" bIns="0" rtlCol="0" anchor="b"/>
+          <a:lstStyle/>
+          <a:p>
+            <a:pPr marL="0" marR="0" lvl="0" indent="0" algn="l" defTabSz="914400" rtl="0" eaLnBrk="1" fontAlgn="auto" latinLnBrk="0" hangingPunct="1">
+              <a:lnSpc>
+                <a:spcPct val="99600"/>
+              </a:lnSpc>
+              <a:spcBef>
+                <a:spcPts val="0"/>
+              </a:spcBef>
+              <a:spcAft>
+                <a:spcPts val="0"/>
+              </a:spcAft>
+              <a:buClrTx/>
+              <a:buSzTx/>
+              <a:buFontTx/>
+              <a:buNone/>
+              <a:tabLst/>
+              <a:defRPr/>
+            </a:pPr>
+            <a:r>
+              <a:rPr kumimoji="0" lang="ko-KR" altLang="en-US" sz="3200" b="0" i="0" u="none" strike="noStrike" kern="1200" cap="none" spc="0" normalizeH="0" baseline="0" noProof="0">
+                <a:ln>
+                  <a:noFill/>
+                </a:ln>
+                <a:solidFill>
+                  <a:srgbClr val="FFFFFF"/>
+                </a:solidFill>
+                <a:effectLst/>
+                <a:uLnTx/>
+                <a:uFillTx/>
+                <a:latin typeface="Calibri"/>
+                <a:ea typeface="LINE Seed Sans KR Regular"/>
+                <a:cs typeface="+mn-cs"/>
+              </a:rPr>
+              <a:t>예약</a:t>
+            </a:r>
+            <a:r>
+              <a:rPr kumimoji="0" lang="en-US" sz="3200" b="0" i="0" u="none" strike="noStrike" kern="1200" cap="none" spc="0" normalizeH="0" baseline="0" noProof="0">
+                <a:ln>
+                  <a:noFill/>
+                </a:ln>
+                <a:solidFill>
+                  <a:srgbClr val="FFFFFF"/>
+                </a:solidFill>
+                <a:effectLst/>
+                <a:uLnTx/>
+                <a:uFillTx/>
+                <a:latin typeface="LINE Seed Sans KR Regular"/>
+                <a:cs typeface="+mn-cs"/>
+              </a:rPr>
+              <a:t> </a:t>
+            </a:r>
+            <a:r>
+              <a:rPr kumimoji="0" lang="ko-KR" altLang="en-US" sz="3200" b="0" i="0" u="none" strike="noStrike" kern="1200" cap="none" spc="0" normalizeH="0" baseline="0" noProof="0">
+                <a:ln>
+                  <a:noFill/>
+                </a:ln>
+                <a:solidFill>
+                  <a:srgbClr val="FFFFFF"/>
+                </a:solidFill>
+                <a:effectLst/>
+                <a:uLnTx/>
+                <a:uFillTx/>
+                <a:latin typeface="Calibri"/>
+                <a:ea typeface="LINE Seed Sans KR Regular"/>
+                <a:cs typeface="+mn-cs"/>
+              </a:rPr>
+              <a:t>기능</a:t>
+            </a:r>
+          </a:p>
+        </p:txBody>
+      </p:sp>
+      <p:grpSp>
+        <p:nvGrpSpPr>
+          <p:cNvPr id="23" name="Group 23"/>
+          <p:cNvGrpSpPr/>
+          <p:nvPr/>
+        </p:nvGrpSpPr>
+        <p:grpSpPr>
+          <a:xfrm>
+            <a:off x="2147483647" y="2147483647"/>
+            <a:ext cx="2147483647" cy="2147483647"/>
+            <a:chOff x="0" y="0"/>
+            <a:chExt cx="0" cy="0"/>
+          </a:xfrm>
+        </p:grpSpPr>
+      </p:grpSp>
+      <p:pic>
+        <p:nvPicPr>
+          <p:cNvPr id="24" name="Picture 24"/>
+          <p:cNvPicPr>
+            <a:picLocks noChangeAspect="1"/>
+          </p:cNvPicPr>
+          <p:nvPr/>
+        </p:nvPicPr>
+        <p:blipFill>
+          <a:blip r:embed="rId5"/>
+          <a:stretch>
+            <a:fillRect/>
+          </a:stretch>
+        </p:blipFill>
+        <p:spPr>
+          <a:xfrm>
+            <a:off x="11912600" y="6908800"/>
+            <a:ext cx="749300" cy="749300"/>
+          </a:xfrm>
+          <a:prstGeom prst="rect">
+            <a:avLst/>
+          </a:prstGeom>
+        </p:spPr>
+      </p:pic>
+      <p:sp>
+        <p:nvSpPr>
+          <p:cNvPr id="25" name="TextBox 25"/>
+          <p:cNvSpPr txBox="1"/>
+          <p:nvPr/>
+        </p:nvSpPr>
+        <p:spPr>
+          <a:xfrm>
+            <a:off x="11976100" y="7061200"/>
+            <a:ext cx="635000" cy="508000"/>
+          </a:xfrm>
+          <a:prstGeom prst="rect">
+            <a:avLst/>
+          </a:prstGeom>
+        </p:spPr>
+        <p:txBody>
+          <a:bodyPr lIns="0" tIns="0" rIns="0" bIns="0" rtlCol="0" anchor="ctr"/>
+          <a:lstStyle/>
+          <a:p>
+            <a:pPr marL="0" marR="0" lvl="0" indent="0" algn="ctr" defTabSz="914400" rtl="0" eaLnBrk="1" fontAlgn="auto" latinLnBrk="0" hangingPunct="1">
+              <a:lnSpc>
+                <a:spcPct val="99600"/>
+              </a:lnSpc>
+              <a:spcBef>
+                <a:spcPts val="0"/>
+              </a:spcBef>
+              <a:spcAft>
+                <a:spcPts val="0"/>
+              </a:spcAft>
+              <a:buClrTx/>
+              <a:buSzTx/>
+              <a:buFontTx/>
+              <a:buNone/>
+              <a:tabLst/>
+              <a:defRPr/>
+            </a:pPr>
+            <a:r>
+              <a:rPr kumimoji="0" lang="en-US" sz="2900" b="0" i="0" u="none" strike="noStrike" kern="1200" cap="none" spc="-100" normalizeH="0" baseline="0" noProof="0">
+                <a:ln>
+                  <a:noFill/>
+                </a:ln>
+                <a:solidFill>
+                  <a:srgbClr val="334D74"/>
+                </a:solidFill>
+                <a:effectLst/>
+                <a:uLnTx/>
+                <a:uFillTx/>
+                <a:latin typeface="LINE Seed Sans KR Regular"/>
+                <a:ea typeface="+mn-ea"/>
+                <a:cs typeface="+mn-cs"/>
+              </a:rPr>
+              <a:t>04</a:t>
+            </a:r>
+          </a:p>
+        </p:txBody>
+      </p:sp>
+      <p:sp>
+        <p:nvSpPr>
+          <p:cNvPr id="26" name="TextBox 26"/>
+          <p:cNvSpPr txBox="1"/>
+          <p:nvPr/>
+        </p:nvSpPr>
+        <p:spPr>
+          <a:xfrm>
+            <a:off x="12589875" y="7632700"/>
+            <a:ext cx="4495800" cy="1562100"/>
+          </a:xfrm>
+          <a:prstGeom prst="rect">
+            <a:avLst/>
+          </a:prstGeom>
+        </p:spPr>
+        <p:txBody>
+          <a:bodyPr lIns="0" tIns="0" rIns="0" bIns="0" rtlCol="0" anchor="t"/>
+          <a:lstStyle/>
+          <a:p>
+            <a:pPr marL="0" marR="0" lvl="0" indent="0" algn="l" defTabSz="914400" rtl="0" eaLnBrk="1" fontAlgn="auto" latinLnBrk="0" hangingPunct="1">
+              <a:lnSpc>
+                <a:spcPct val="116199"/>
+              </a:lnSpc>
+              <a:spcBef>
+                <a:spcPts val="0"/>
+              </a:spcBef>
+              <a:spcAft>
+                <a:spcPts val="0"/>
+              </a:spcAft>
+              <a:buClrTx/>
+              <a:buSzTx/>
+              <a:buFontTx/>
+              <a:buNone/>
+              <a:tabLst/>
+              <a:defRPr/>
+            </a:pPr>
+            <a:r>
+              <a:rPr kumimoji="0" lang="en-US" sz="2800" b="0" i="0" u="none" strike="noStrike" kern="1200" cap="none" spc="-100" normalizeH="0" baseline="0" noProof="0" dirty="0">
+                <a:ln>
+                  <a:noFill/>
+                </a:ln>
+                <a:solidFill>
+                  <a:srgbClr val="D0DAF5"/>
+                </a:solidFill>
+                <a:effectLst/>
+                <a:uLnTx/>
+                <a:uFillTx/>
+                <a:latin typeface="LINE Seed Sans KR Regular"/>
+                <a:cs typeface="+mn-cs"/>
+              </a:rPr>
+              <a:t>- </a:t>
+            </a:r>
+            <a:r>
+              <a:rPr kumimoji="0" lang="ko-KR" altLang="en-US" sz="2800" b="0" i="0" u="sng" strike="noStrike" kern="1200" cap="none" spc="-100" normalizeH="0" baseline="0" noProof="0" dirty="0">
+                <a:ln>
+                  <a:noFill/>
+                </a:ln>
+                <a:solidFill>
+                  <a:srgbClr val="D0DAF5"/>
+                </a:solidFill>
+                <a:effectLst/>
+                <a:uLnTx/>
+                <a:uFillTx/>
+                <a:latin typeface="Calibri"/>
+                <a:ea typeface="LINE Seed Sans KR Regular"/>
+                <a:cs typeface="+mn-cs"/>
+              </a:rPr>
+              <a:t>온라인</a:t>
+            </a:r>
+            <a:r>
+              <a:rPr kumimoji="0" lang="en-US" sz="2800" b="0" i="0" u="sng" strike="noStrike" kern="1200" cap="none" spc="-100" normalizeH="0" baseline="0" noProof="0" dirty="0">
+                <a:ln>
+                  <a:noFill/>
+                </a:ln>
+                <a:solidFill>
+                  <a:srgbClr val="D0DAF5"/>
+                </a:solidFill>
+                <a:effectLst/>
+                <a:uLnTx/>
+                <a:uFillTx/>
+                <a:latin typeface="LINE Seed Sans KR Regular"/>
+                <a:cs typeface="+mn-cs"/>
+              </a:rPr>
+              <a:t> </a:t>
+            </a:r>
+            <a:r>
+              <a:rPr kumimoji="0" lang="ko-KR" altLang="en-US" sz="2800" b="0" i="0" u="sng" strike="noStrike" kern="1200" cap="none" spc="-100" normalizeH="0" baseline="0" noProof="0" dirty="0">
+                <a:ln>
+                  <a:noFill/>
+                </a:ln>
+                <a:solidFill>
+                  <a:srgbClr val="D0DAF5"/>
+                </a:solidFill>
+                <a:effectLst/>
+                <a:uLnTx/>
+                <a:uFillTx/>
+                <a:latin typeface="Calibri"/>
+                <a:ea typeface="LINE Seed Sans KR Regular"/>
+                <a:cs typeface="+mn-cs"/>
+              </a:rPr>
+              <a:t>예약</a:t>
+            </a:r>
+            <a:r>
+              <a:rPr kumimoji="0" lang="en-US" sz="2800" b="0" i="0" u="sng" strike="noStrike" kern="1200" cap="none" spc="-100" normalizeH="0" baseline="0" noProof="0" dirty="0">
+                <a:ln>
+                  <a:noFill/>
+                </a:ln>
+                <a:solidFill>
+                  <a:srgbClr val="D0DAF5"/>
+                </a:solidFill>
+                <a:effectLst/>
+                <a:uLnTx/>
+                <a:uFillTx/>
+                <a:latin typeface="LINE Seed Sans KR Regular"/>
+                <a:cs typeface="+mn-cs"/>
+              </a:rPr>
+              <a:t> </a:t>
+            </a:r>
+            <a:r>
+              <a:rPr kumimoji="0" lang="ko-KR" altLang="en-US" sz="2200" b="0" i="0" u="none" strike="noStrike" kern="1200" cap="none" spc="-100" normalizeH="0" baseline="0" noProof="0" dirty="0">
+                <a:ln>
+                  <a:noFill/>
+                </a:ln>
+                <a:solidFill>
+                  <a:srgbClr val="D0DAF5"/>
+                </a:solidFill>
+                <a:effectLst/>
+                <a:uLnTx/>
+                <a:uFillTx/>
+                <a:latin typeface="Calibri"/>
+                <a:ea typeface="LINE Seed Sans KR Regular"/>
+                <a:cs typeface="+mn-cs"/>
+              </a:rPr>
+              <a:t>시스템</a:t>
+            </a:r>
+          </a:p>
+          <a:p>
+            <a:pPr marL="0" marR="0" lvl="0" indent="0" algn="l" defTabSz="914400" rtl="0" eaLnBrk="1" fontAlgn="auto" latinLnBrk="0" hangingPunct="1">
+              <a:lnSpc>
+                <a:spcPct val="116199"/>
+              </a:lnSpc>
+              <a:spcBef>
+                <a:spcPts val="0"/>
+              </a:spcBef>
+              <a:spcAft>
+                <a:spcPts val="0"/>
+              </a:spcAft>
+              <a:buClrTx/>
+              <a:buSzTx/>
+              <a:buFontTx/>
+              <a:buNone/>
+              <a:tabLst/>
+              <a:defRPr/>
+            </a:pPr>
+            <a:r>
+              <a:rPr kumimoji="0" lang="en-US" sz="2200" b="0" i="0" u="none" strike="noStrike" kern="1200" cap="none" spc="-100" normalizeH="0" baseline="0" noProof="0" dirty="0" smtClean="0">
+                <a:ln>
+                  <a:noFill/>
+                </a:ln>
+                <a:solidFill>
+                  <a:srgbClr val="D0DAF5"/>
+                </a:solidFill>
+                <a:effectLst/>
+                <a:uLnTx/>
+                <a:uFillTx/>
+                <a:latin typeface="LINE Seed Sans KR Regular"/>
+                <a:ea typeface="+mn-ea"/>
+                <a:cs typeface="+mn-cs"/>
+              </a:rPr>
+              <a:t>- </a:t>
+            </a:r>
+            <a:r>
+              <a:rPr kumimoji="0" lang="ko-KR" altLang="en-US" sz="2200" b="0" i="0" u="sng" strike="noStrike" kern="1200" cap="none" spc="-100" normalizeH="0" baseline="0" noProof="0" dirty="0">
+                <a:ln>
+                  <a:noFill/>
+                </a:ln>
+                <a:solidFill>
+                  <a:srgbClr val="D0DAF5"/>
+                </a:solidFill>
+                <a:effectLst/>
+                <a:uLnTx/>
+                <a:uFillTx/>
+                <a:latin typeface="Calibri"/>
+                <a:ea typeface="LINE Seed Sans KR Regular"/>
+                <a:cs typeface="+mn-cs"/>
+              </a:rPr>
+              <a:t>긴급</a:t>
+            </a:r>
+            <a:r>
+              <a:rPr kumimoji="0" lang="en-US" sz="2200" b="0" i="0" u="none" strike="noStrike" kern="1200" cap="none" spc="-100" normalizeH="0" baseline="0" noProof="0" dirty="0">
+                <a:ln>
+                  <a:noFill/>
+                </a:ln>
+                <a:solidFill>
+                  <a:srgbClr val="D0DAF5"/>
+                </a:solidFill>
+                <a:effectLst/>
+                <a:uLnTx/>
+                <a:uFillTx/>
+                <a:latin typeface="LINE Seed Sans KR Regular"/>
+                <a:ea typeface="+mn-ea"/>
+                <a:cs typeface="+mn-cs"/>
+              </a:rPr>
+              <a:t> </a:t>
+            </a:r>
+            <a:r>
+              <a:rPr kumimoji="0" lang="ko-KR" altLang="en-US" sz="2200" b="0" i="0" u="none" strike="noStrike" kern="1200" cap="none" spc="-100" normalizeH="0" baseline="0" noProof="0" dirty="0">
+                <a:ln>
+                  <a:noFill/>
+                </a:ln>
+                <a:solidFill>
+                  <a:srgbClr val="D0DAF5"/>
+                </a:solidFill>
+                <a:effectLst/>
+                <a:uLnTx/>
+                <a:uFillTx/>
+                <a:latin typeface="Calibri"/>
+                <a:ea typeface="LINE Seed Sans KR Regular"/>
+                <a:cs typeface="+mn-cs"/>
+              </a:rPr>
+              <a:t>정비</a:t>
+            </a:r>
+            <a:r>
+              <a:rPr kumimoji="0" lang="en-US" sz="2200" b="0" i="0" u="none" strike="noStrike" kern="1200" cap="none" spc="-100" normalizeH="0" baseline="0" noProof="0" dirty="0">
+                <a:ln>
+                  <a:noFill/>
+                </a:ln>
+                <a:solidFill>
+                  <a:srgbClr val="D0DAF5"/>
+                </a:solidFill>
+                <a:effectLst/>
+                <a:uLnTx/>
+                <a:uFillTx/>
+                <a:latin typeface="LINE Seed Sans KR Regular"/>
+                <a:ea typeface="+mn-ea"/>
+                <a:cs typeface="+mn-cs"/>
+              </a:rPr>
+              <a:t> </a:t>
+            </a:r>
+            <a:r>
+              <a:rPr kumimoji="0" lang="ko-KR" altLang="en-US" sz="2200" b="0" i="0" u="none" strike="noStrike" kern="1200" cap="none" spc="-100" normalizeH="0" baseline="0" noProof="0" dirty="0">
+                <a:ln>
+                  <a:noFill/>
+                </a:ln>
+                <a:solidFill>
+                  <a:srgbClr val="D0DAF5"/>
+                </a:solidFill>
+                <a:effectLst/>
+                <a:uLnTx/>
+                <a:uFillTx/>
+                <a:latin typeface="Calibri"/>
+                <a:ea typeface="LINE Seed Sans KR Regular"/>
+                <a:cs typeface="+mn-cs"/>
+              </a:rPr>
+              <a:t>예약</a:t>
+            </a:r>
+          </a:p>
+          <a:p>
+            <a:pPr marL="0" marR="0" lvl="0" indent="0" algn="l" defTabSz="914400" rtl="0" eaLnBrk="1" fontAlgn="auto" latinLnBrk="0" hangingPunct="1">
+              <a:lnSpc>
+                <a:spcPct val="116199"/>
+              </a:lnSpc>
+              <a:spcBef>
+                <a:spcPts val="0"/>
+              </a:spcBef>
+              <a:spcAft>
+                <a:spcPts val="0"/>
+              </a:spcAft>
+              <a:buClrTx/>
+              <a:buSzTx/>
+              <a:buFontTx/>
+              <a:buNone/>
+              <a:tabLst/>
+              <a:defRPr/>
+            </a:pPr>
+            <a:r>
+              <a:rPr kumimoji="0" lang="en-US" sz="2200" b="0" i="0" u="none" strike="noStrike" kern="1200" cap="none" spc="-100" normalizeH="0" baseline="0" noProof="0" dirty="0">
+                <a:ln>
+                  <a:noFill/>
+                </a:ln>
+                <a:solidFill>
+                  <a:srgbClr val="D0DAF5"/>
+                </a:solidFill>
+                <a:effectLst/>
+                <a:uLnTx/>
+                <a:uFillTx/>
+                <a:latin typeface="LINE Seed Sans KR Regular"/>
+                <a:ea typeface="+mn-ea"/>
+                <a:cs typeface="+mn-cs"/>
+              </a:rPr>
+              <a:t>- </a:t>
+            </a:r>
+            <a:r>
+              <a:rPr kumimoji="0" lang="ko-KR" altLang="en-US" sz="2200" b="0" i="0" u="sng" strike="noStrike" kern="1200" cap="none" spc="-100" normalizeH="0" baseline="0" noProof="0" dirty="0">
+                <a:ln>
+                  <a:noFill/>
+                </a:ln>
+                <a:solidFill>
+                  <a:srgbClr val="D0DAF5"/>
+                </a:solidFill>
+                <a:effectLst/>
+                <a:uLnTx/>
+                <a:uFillTx/>
+                <a:latin typeface="Calibri"/>
+                <a:ea typeface="LINE Seed Sans KR Regular"/>
+                <a:cs typeface="+mn-cs"/>
+              </a:rPr>
+              <a:t>예약</a:t>
+            </a:r>
+            <a:r>
+              <a:rPr kumimoji="0" lang="en-US" sz="2200" b="0" i="0" u="sng" strike="noStrike" kern="1200" cap="none" spc="-100" normalizeH="0" baseline="0" noProof="0" dirty="0">
+                <a:ln>
+                  <a:noFill/>
+                </a:ln>
+                <a:solidFill>
+                  <a:srgbClr val="D0DAF5"/>
+                </a:solidFill>
+                <a:effectLst/>
+                <a:uLnTx/>
+                <a:uFillTx/>
+                <a:latin typeface="LINE Seed Sans KR Regular"/>
+                <a:cs typeface="+mn-cs"/>
+              </a:rPr>
+              <a:t> </a:t>
+            </a:r>
+            <a:r>
+              <a:rPr kumimoji="0" lang="ko-KR" altLang="en-US" sz="2200" b="0" i="0" u="sng" strike="noStrike" kern="1200" cap="none" spc="-100" normalizeH="0" baseline="0" noProof="0" dirty="0">
+                <a:ln>
+                  <a:noFill/>
+                </a:ln>
+                <a:solidFill>
+                  <a:srgbClr val="D0DAF5"/>
+                </a:solidFill>
+                <a:effectLst/>
+                <a:uLnTx/>
+                <a:uFillTx/>
+                <a:latin typeface="Calibri"/>
+                <a:ea typeface="LINE Seed Sans KR Regular"/>
+                <a:cs typeface="+mn-cs"/>
+              </a:rPr>
+              <a:t>변경</a:t>
+            </a:r>
+            <a:r>
+              <a:rPr kumimoji="0" lang="en-US" sz="2200" b="0" i="0" u="sng" strike="noStrike" kern="1200" cap="none" spc="-100" normalizeH="0" baseline="0" noProof="0" dirty="0">
+                <a:ln>
+                  <a:noFill/>
+                </a:ln>
+                <a:solidFill>
+                  <a:srgbClr val="D0DAF5"/>
+                </a:solidFill>
+                <a:effectLst/>
+                <a:uLnTx/>
+                <a:uFillTx/>
+                <a:latin typeface="LINE Seed Sans KR Regular"/>
+                <a:cs typeface="+mn-cs"/>
+              </a:rPr>
+              <a:t> </a:t>
+            </a:r>
+            <a:r>
+              <a:rPr kumimoji="0" lang="ko-KR" altLang="en-US" sz="2200" b="0" i="0" u="sng" strike="noStrike" kern="1200" cap="none" spc="-100" normalizeH="0" baseline="0" noProof="0" dirty="0">
+                <a:ln>
+                  <a:noFill/>
+                </a:ln>
+                <a:solidFill>
+                  <a:srgbClr val="D0DAF5"/>
+                </a:solidFill>
+                <a:effectLst/>
+                <a:uLnTx/>
+                <a:uFillTx/>
+                <a:latin typeface="Calibri"/>
+                <a:ea typeface="LINE Seed Sans KR Regular"/>
+                <a:cs typeface="+mn-cs"/>
+              </a:rPr>
+              <a:t>및</a:t>
+            </a:r>
+            <a:r>
+              <a:rPr kumimoji="0" lang="en-US" sz="2200" b="0" i="0" u="sng" strike="noStrike" kern="1200" cap="none" spc="-100" normalizeH="0" baseline="0" noProof="0" dirty="0">
+                <a:ln>
+                  <a:noFill/>
+                </a:ln>
+                <a:solidFill>
+                  <a:srgbClr val="D0DAF5"/>
+                </a:solidFill>
+                <a:effectLst/>
+                <a:uLnTx/>
+                <a:uFillTx/>
+                <a:latin typeface="LINE Seed Sans KR Regular"/>
+                <a:cs typeface="+mn-cs"/>
+              </a:rPr>
+              <a:t> </a:t>
+            </a:r>
+            <a:r>
+              <a:rPr kumimoji="0" lang="ko-KR" altLang="en-US" sz="2200" b="0" i="0" u="sng" strike="noStrike" kern="1200" cap="none" spc="-100" normalizeH="0" baseline="0" noProof="0" dirty="0">
+                <a:ln>
+                  <a:noFill/>
+                </a:ln>
+                <a:solidFill>
+                  <a:srgbClr val="D0DAF5"/>
+                </a:solidFill>
+                <a:effectLst/>
+                <a:uLnTx/>
+                <a:uFillTx/>
+                <a:latin typeface="Calibri"/>
+                <a:ea typeface="LINE Seed Sans KR Regular"/>
+                <a:cs typeface="+mn-cs"/>
+              </a:rPr>
+              <a:t>취소</a:t>
+            </a:r>
+          </a:p>
+        </p:txBody>
+      </p:sp>
+    </p:spTree>
+    <p:extLst>
+      <p:ext uri="{BB962C8B-B14F-4D97-AF65-F5344CB8AC3E}">
+        <p14:creationId xmlns:p14="http://schemas.microsoft.com/office/powerpoint/2010/main" val="2134730281"/>
       </p:ext>
     </p:extLst>
   </p:cSld>
